--- a/image/dealout.pptx
+++ b/image/dealout.pptx
@@ -5,7 +5,7 @@
     <p:sldMasterId id="2147483648" r:id="rId1"/>
   </p:sldMasterIdLst>
   <p:notesMasterIdLst>
-    <p:notesMasterId r:id="rId16"/>
+    <p:notesMasterId r:id="rId22"/>
   </p:notesMasterIdLst>
   <p:sldIdLst>
     <p:sldId id="308" r:id="rId2"/>
@@ -22,6 +22,12 @@
     <p:sldId id="378" r:id="rId13"/>
     <p:sldId id="379" r:id="rId14"/>
     <p:sldId id="380" r:id="rId15"/>
+    <p:sldId id="382" r:id="rId16"/>
+    <p:sldId id="383" r:id="rId17"/>
+    <p:sldId id="384" r:id="rId18"/>
+    <p:sldId id="385" r:id="rId19"/>
+    <p:sldId id="386" r:id="rId20"/>
+    <p:sldId id="381" r:id="rId21"/>
   </p:sldIdLst>
   <p:sldSz cx="9144000" cy="6858000" type="screen4x3"/>
   <p:notesSz cx="7099300" cy="10234613"/>
@@ -221,7 +227,7 @@
           <a:p>
             <a:fld id="{92363840-43FA-4E42-8E18-8612E6815B88}" type="datetimeFigureOut">
               <a:rPr kumimoji="1" lang="ja-JP" altLang="en-US" smtClean="0"/>
-              <a:t>2013/11/17</a:t>
+              <a:t>2013/12/3</a:t>
             </a:fld>
             <a:endParaRPr kumimoji="1" lang="ja-JP" altLang="en-US"/>
           </a:p>
@@ -1011,6 +1017,682 @@
 </p:notes>
 </file>
 
+<file path=ppt/notesSlides/notesSlide13.xml><?xml version="1.0" encoding="utf-8"?>
+<p:notes xmlns:a="http://schemas.openxmlformats.org/drawingml/2006/main" xmlns:r="http://schemas.openxmlformats.org/officeDocument/2006/relationships" xmlns:p="http://schemas.openxmlformats.org/presentationml/2006/main">
+  <p:cSld>
+    <p:spTree>
+      <p:nvGrpSpPr>
+        <p:cNvPr id="1" name=""/>
+        <p:cNvGrpSpPr/>
+        <p:nvPr/>
+      </p:nvGrpSpPr>
+      <p:grpSpPr>
+        <a:xfrm>
+          <a:off x="0" y="0"/>
+          <a:ext cx="0" cy="0"/>
+          <a:chOff x="0" y="0"/>
+          <a:chExt cx="0" cy="0"/>
+        </a:xfrm>
+      </p:grpSpPr>
+      <p:sp>
+        <p:nvSpPr>
+          <p:cNvPr id="2" name="スライド イメージ プレースホルダー 1"/>
+          <p:cNvSpPr>
+            <a:spLocks noGrp="1" noRot="1" noChangeAspect="1"/>
+          </p:cNvSpPr>
+          <p:nvPr>
+            <p:ph type="sldImg"/>
+          </p:nvPr>
+        </p:nvSpPr>
+        <p:spPr/>
+      </p:sp>
+      <p:sp>
+        <p:nvSpPr>
+          <p:cNvPr id="3" name="ノート プレースホルダー 2"/>
+          <p:cNvSpPr>
+            <a:spLocks noGrp="1"/>
+          </p:cNvSpPr>
+          <p:nvPr>
+            <p:ph type="body" idx="1"/>
+          </p:nvPr>
+        </p:nvSpPr>
+        <p:spPr/>
+        <p:txBody>
+          <a:bodyPr/>
+          <a:lstStyle/>
+          <a:p>
+            <a:pPr marL="0" marR="0" indent="0" algn="l" defTabSz="914400" rtl="0" eaLnBrk="1" fontAlgn="auto" latinLnBrk="0" hangingPunct="1">
+              <a:lnSpc>
+                <a:spcPct val="100000"/>
+              </a:lnSpc>
+              <a:spcBef>
+                <a:spcPts val="0"/>
+              </a:spcBef>
+              <a:spcAft>
+                <a:spcPts val="0"/>
+              </a:spcAft>
+              <a:buClrTx/>
+              <a:buSzTx/>
+              <a:buFontTx/>
+              <a:buNone/>
+              <a:tabLst/>
+              <a:defRPr/>
+            </a:pPr>
+            <a:r>
+              <a:rPr kumimoji="1" lang="en-US" altLang="ja-JP" dirty="0" smtClean="0"/>
+              <a:t>PNG</a:t>
+            </a:r>
+            <a:r>
+              <a:rPr kumimoji="1" lang="ja-JP" altLang="en-US" dirty="0" smtClean="0"/>
+              <a:t>形式でスライドをすべて保存したあと</a:t>
+            </a:r>
+            <a:endParaRPr kumimoji="1" lang="en-US" altLang="ja-JP" dirty="0" smtClean="0"/>
+          </a:p>
+          <a:p>
+            <a:r>
+              <a:rPr kumimoji="1" lang="en-US" altLang="ja-JP" dirty="0" smtClean="0"/>
+              <a:t>convert -geometry 400x300! </a:t>
+            </a:r>
+            <a:r>
+              <a:rPr kumimoji="1" lang="ja-JP" altLang="en-US" dirty="0" smtClean="0"/>
+              <a:t>スライド</a:t>
+            </a:r>
+            <a:r>
+              <a:rPr kumimoji="1" lang="en-US" altLang="ja-JP" dirty="0" smtClean="0"/>
+              <a:t>15.png -fill none -stroke gray25 -draw 'rectangle 0,0 399,299' dealoutk1.png</a:t>
+            </a:r>
+          </a:p>
+          <a:p>
+            <a:r>
+              <a:rPr kumimoji="1" lang="en-US" altLang="ja-JP" dirty="0" smtClean="0"/>
+              <a:t>convert -geometry 400x300! </a:t>
+            </a:r>
+            <a:r>
+              <a:rPr kumimoji="1" lang="ja-JP" altLang="en-US" dirty="0" smtClean="0"/>
+              <a:t>スライド</a:t>
+            </a:r>
+            <a:r>
+              <a:rPr kumimoji="1" lang="en-US" altLang="ja-JP" dirty="0" smtClean="0"/>
+              <a:t>16.png -fill none -stroke gray25 -draw 'rectangle 0,0 399,299' dealoutk2.png</a:t>
+            </a:r>
+          </a:p>
+          <a:p>
+            <a:r>
+              <a:rPr kumimoji="1" lang="en-US" altLang="ja-JP" dirty="0" smtClean="0"/>
+              <a:t>convert -geometry 400x300! </a:t>
+            </a:r>
+            <a:r>
+              <a:rPr kumimoji="1" lang="ja-JP" altLang="en-US" dirty="0" smtClean="0"/>
+              <a:t>スライド</a:t>
+            </a:r>
+            <a:r>
+              <a:rPr kumimoji="1" lang="en-US" altLang="ja-JP" dirty="0" smtClean="0"/>
+              <a:t>17.png -fill none -stroke gray25 -draw 'rectangle 0,0 399,299' dealoutk3.png</a:t>
+            </a:r>
+          </a:p>
+          <a:p>
+            <a:r>
+              <a:rPr kumimoji="1" lang="en-US" altLang="ja-JP" dirty="0" smtClean="0"/>
+              <a:t>convert -geometry 400x300! </a:t>
+            </a:r>
+            <a:r>
+              <a:rPr kumimoji="1" lang="ja-JP" altLang="en-US" dirty="0" smtClean="0"/>
+              <a:t>スライド</a:t>
+            </a:r>
+            <a:r>
+              <a:rPr kumimoji="1" lang="en-US" altLang="ja-JP" dirty="0" smtClean="0"/>
+              <a:t>18.png -fill none -stroke gray25 -draw 'rectangle 0,0 399,299' dealoutk4.png</a:t>
+            </a:r>
+          </a:p>
+          <a:p>
+            <a:r>
+              <a:rPr kumimoji="1" lang="en-US" altLang="ja-JP" dirty="0" smtClean="0"/>
+              <a:t>convert -geometry 400x300! </a:t>
+            </a:r>
+            <a:r>
+              <a:rPr kumimoji="1" lang="ja-JP" altLang="en-US" dirty="0" smtClean="0"/>
+              <a:t>スライド</a:t>
+            </a:r>
+            <a:r>
+              <a:rPr kumimoji="1" lang="en-US" altLang="ja-JP" dirty="0" smtClean="0"/>
+              <a:t>19.png -fill none -stroke gray25 -draw 'rectangle 0,0 399,299' dealoutk5.png</a:t>
+            </a:r>
+          </a:p>
+          <a:p>
+            <a:r>
+              <a:rPr kumimoji="1" lang="en-US" altLang="ja-JP" dirty="0" smtClean="0"/>
+              <a:t>convert -geometry 400x300! </a:t>
+            </a:r>
+            <a:r>
+              <a:rPr kumimoji="1" lang="ja-JP" altLang="en-US" dirty="0" smtClean="0"/>
+              <a:t>スライド</a:t>
+            </a:r>
+            <a:r>
+              <a:rPr kumimoji="1" lang="en-US" altLang="ja-JP" dirty="0" smtClean="0"/>
+              <a:t>20.png -fill none -stroke gray25 -draw 'rectangle 0,0 399,299' dealoutk6.png</a:t>
+            </a:r>
+          </a:p>
+          <a:p>
+            <a:r>
+              <a:rPr kumimoji="1" lang="en-US" altLang="ja-JP" dirty="0" smtClean="0"/>
+              <a:t>convert -geometry 400x300! -delay 125 -loop 0 -colors 32 dealoutk[1-6].png dealoutk.gif</a:t>
+            </a:r>
+          </a:p>
+          <a:p>
+            <a:endParaRPr kumimoji="1" lang="ja-JP" altLang="en-US" dirty="0"/>
+          </a:p>
+        </p:txBody>
+      </p:sp>
+      <p:sp>
+        <p:nvSpPr>
+          <p:cNvPr id="4" name="スライド番号プレースホルダー 3"/>
+          <p:cNvSpPr>
+            <a:spLocks noGrp="1"/>
+          </p:cNvSpPr>
+          <p:nvPr>
+            <p:ph type="sldNum" sz="quarter" idx="10"/>
+          </p:nvPr>
+        </p:nvSpPr>
+        <p:spPr/>
+        <p:txBody>
+          <a:bodyPr/>
+          <a:lstStyle/>
+          <a:p>
+            <a:fld id="{040F93EC-297D-4052-BDB5-DBB344C28C87}" type="slidenum">
+              <a:rPr lang="ja-JP" altLang="en-US" smtClean="0">
+                <a:solidFill>
+                  <a:prstClr val="black"/>
+                </a:solidFill>
+              </a:rPr>
+              <a:pPr/>
+              <a:t>15</a:t>
+            </a:fld>
+            <a:endParaRPr lang="ja-JP" altLang="en-US">
+              <a:solidFill>
+                <a:prstClr val="black"/>
+              </a:solidFill>
+            </a:endParaRPr>
+          </a:p>
+        </p:txBody>
+      </p:sp>
+    </p:spTree>
+    <p:extLst>
+      <p:ext uri="{BB962C8B-B14F-4D97-AF65-F5344CB8AC3E}">
+        <p14:creationId xmlns:p14="http://schemas.microsoft.com/office/powerpoint/2010/main" val="4044496337"/>
+      </p:ext>
+    </p:extLst>
+  </p:cSld>
+  <p:clrMapOvr>
+    <a:masterClrMapping/>
+  </p:clrMapOvr>
+</p:notes>
+</file>
+
+<file path=ppt/notesSlides/notesSlide14.xml><?xml version="1.0" encoding="utf-8"?>
+<p:notes xmlns:a="http://schemas.openxmlformats.org/drawingml/2006/main" xmlns:r="http://schemas.openxmlformats.org/officeDocument/2006/relationships" xmlns:p="http://schemas.openxmlformats.org/presentationml/2006/main">
+  <p:cSld>
+    <p:spTree>
+      <p:nvGrpSpPr>
+        <p:cNvPr id="1" name=""/>
+        <p:cNvGrpSpPr/>
+        <p:nvPr/>
+      </p:nvGrpSpPr>
+      <p:grpSpPr>
+        <a:xfrm>
+          <a:off x="0" y="0"/>
+          <a:ext cx="0" cy="0"/>
+          <a:chOff x="0" y="0"/>
+          <a:chExt cx="0" cy="0"/>
+        </a:xfrm>
+      </p:grpSpPr>
+      <p:sp>
+        <p:nvSpPr>
+          <p:cNvPr id="2" name="スライド イメージ プレースホルダー 1"/>
+          <p:cNvSpPr>
+            <a:spLocks noGrp="1" noRot="1" noChangeAspect="1"/>
+          </p:cNvSpPr>
+          <p:nvPr>
+            <p:ph type="sldImg"/>
+          </p:nvPr>
+        </p:nvSpPr>
+        <p:spPr/>
+      </p:sp>
+      <p:sp>
+        <p:nvSpPr>
+          <p:cNvPr id="3" name="ノート プレースホルダー 2"/>
+          <p:cNvSpPr>
+            <a:spLocks noGrp="1"/>
+          </p:cNvSpPr>
+          <p:nvPr>
+            <p:ph type="body" idx="1"/>
+          </p:nvPr>
+        </p:nvSpPr>
+        <p:spPr/>
+        <p:txBody>
+          <a:bodyPr/>
+          <a:lstStyle/>
+          <a:p>
+            <a:endParaRPr kumimoji="1" lang="ja-JP" altLang="en-US"/>
+          </a:p>
+        </p:txBody>
+      </p:sp>
+      <p:sp>
+        <p:nvSpPr>
+          <p:cNvPr id="4" name="スライド番号プレースホルダー 3"/>
+          <p:cNvSpPr>
+            <a:spLocks noGrp="1"/>
+          </p:cNvSpPr>
+          <p:nvPr>
+            <p:ph type="sldNum" sz="quarter" idx="10"/>
+          </p:nvPr>
+        </p:nvSpPr>
+        <p:spPr/>
+        <p:txBody>
+          <a:bodyPr/>
+          <a:lstStyle/>
+          <a:p>
+            <a:fld id="{040F93EC-297D-4052-BDB5-DBB344C28C87}" type="slidenum">
+              <a:rPr lang="ja-JP" altLang="en-US" smtClean="0">
+                <a:solidFill>
+                  <a:prstClr val="black"/>
+                </a:solidFill>
+              </a:rPr>
+              <a:pPr/>
+              <a:t>16</a:t>
+            </a:fld>
+            <a:endParaRPr lang="ja-JP" altLang="en-US">
+              <a:solidFill>
+                <a:prstClr val="black"/>
+              </a:solidFill>
+            </a:endParaRPr>
+          </a:p>
+        </p:txBody>
+      </p:sp>
+    </p:spTree>
+    <p:extLst>
+      <p:ext uri="{BB962C8B-B14F-4D97-AF65-F5344CB8AC3E}">
+        <p14:creationId xmlns:p14="http://schemas.microsoft.com/office/powerpoint/2010/main" val="2439499450"/>
+      </p:ext>
+    </p:extLst>
+  </p:cSld>
+  <p:clrMapOvr>
+    <a:masterClrMapping/>
+  </p:clrMapOvr>
+</p:notes>
+</file>
+
+<file path=ppt/notesSlides/notesSlide15.xml><?xml version="1.0" encoding="utf-8"?>
+<p:notes xmlns:a="http://schemas.openxmlformats.org/drawingml/2006/main" xmlns:r="http://schemas.openxmlformats.org/officeDocument/2006/relationships" xmlns:p="http://schemas.openxmlformats.org/presentationml/2006/main">
+  <p:cSld>
+    <p:spTree>
+      <p:nvGrpSpPr>
+        <p:cNvPr id="1" name=""/>
+        <p:cNvGrpSpPr/>
+        <p:nvPr/>
+      </p:nvGrpSpPr>
+      <p:grpSpPr>
+        <a:xfrm>
+          <a:off x="0" y="0"/>
+          <a:ext cx="0" cy="0"/>
+          <a:chOff x="0" y="0"/>
+          <a:chExt cx="0" cy="0"/>
+        </a:xfrm>
+      </p:grpSpPr>
+      <p:sp>
+        <p:nvSpPr>
+          <p:cNvPr id="2" name="スライド イメージ プレースホルダー 1"/>
+          <p:cNvSpPr>
+            <a:spLocks noGrp="1" noRot="1" noChangeAspect="1"/>
+          </p:cNvSpPr>
+          <p:nvPr>
+            <p:ph type="sldImg"/>
+          </p:nvPr>
+        </p:nvSpPr>
+        <p:spPr/>
+      </p:sp>
+      <p:sp>
+        <p:nvSpPr>
+          <p:cNvPr id="3" name="ノート プレースホルダー 2"/>
+          <p:cNvSpPr>
+            <a:spLocks noGrp="1"/>
+          </p:cNvSpPr>
+          <p:nvPr>
+            <p:ph type="body" idx="1"/>
+          </p:nvPr>
+        </p:nvSpPr>
+        <p:spPr/>
+        <p:txBody>
+          <a:bodyPr/>
+          <a:lstStyle/>
+          <a:p>
+            <a:endParaRPr kumimoji="1" lang="ja-JP" altLang="en-US"/>
+          </a:p>
+        </p:txBody>
+      </p:sp>
+      <p:sp>
+        <p:nvSpPr>
+          <p:cNvPr id="4" name="スライド番号プレースホルダー 3"/>
+          <p:cNvSpPr>
+            <a:spLocks noGrp="1"/>
+          </p:cNvSpPr>
+          <p:nvPr>
+            <p:ph type="sldNum" sz="quarter" idx="10"/>
+          </p:nvPr>
+        </p:nvSpPr>
+        <p:spPr/>
+        <p:txBody>
+          <a:bodyPr/>
+          <a:lstStyle/>
+          <a:p>
+            <a:fld id="{040F93EC-297D-4052-BDB5-DBB344C28C87}" type="slidenum">
+              <a:rPr lang="ja-JP" altLang="en-US" smtClean="0">
+                <a:solidFill>
+                  <a:prstClr val="black"/>
+                </a:solidFill>
+              </a:rPr>
+              <a:pPr/>
+              <a:t>17</a:t>
+            </a:fld>
+            <a:endParaRPr lang="ja-JP" altLang="en-US">
+              <a:solidFill>
+                <a:prstClr val="black"/>
+              </a:solidFill>
+            </a:endParaRPr>
+          </a:p>
+        </p:txBody>
+      </p:sp>
+    </p:spTree>
+    <p:extLst>
+      <p:ext uri="{BB962C8B-B14F-4D97-AF65-F5344CB8AC3E}">
+        <p14:creationId xmlns:p14="http://schemas.microsoft.com/office/powerpoint/2010/main" val="1738729684"/>
+      </p:ext>
+    </p:extLst>
+  </p:cSld>
+  <p:clrMapOvr>
+    <a:masterClrMapping/>
+  </p:clrMapOvr>
+</p:notes>
+</file>
+
+<file path=ppt/notesSlides/notesSlide16.xml><?xml version="1.0" encoding="utf-8"?>
+<p:notes xmlns:a="http://schemas.openxmlformats.org/drawingml/2006/main" xmlns:r="http://schemas.openxmlformats.org/officeDocument/2006/relationships" xmlns:p="http://schemas.openxmlformats.org/presentationml/2006/main">
+  <p:cSld>
+    <p:spTree>
+      <p:nvGrpSpPr>
+        <p:cNvPr id="1" name=""/>
+        <p:cNvGrpSpPr/>
+        <p:nvPr/>
+      </p:nvGrpSpPr>
+      <p:grpSpPr>
+        <a:xfrm>
+          <a:off x="0" y="0"/>
+          <a:ext cx="0" cy="0"/>
+          <a:chOff x="0" y="0"/>
+          <a:chExt cx="0" cy="0"/>
+        </a:xfrm>
+      </p:grpSpPr>
+      <p:sp>
+        <p:nvSpPr>
+          <p:cNvPr id="2" name="スライド イメージ プレースホルダー 1"/>
+          <p:cNvSpPr>
+            <a:spLocks noGrp="1" noRot="1" noChangeAspect="1"/>
+          </p:cNvSpPr>
+          <p:nvPr>
+            <p:ph type="sldImg"/>
+          </p:nvPr>
+        </p:nvSpPr>
+        <p:spPr/>
+      </p:sp>
+      <p:sp>
+        <p:nvSpPr>
+          <p:cNvPr id="3" name="ノート プレースホルダー 2"/>
+          <p:cNvSpPr>
+            <a:spLocks noGrp="1"/>
+          </p:cNvSpPr>
+          <p:nvPr>
+            <p:ph type="body" idx="1"/>
+          </p:nvPr>
+        </p:nvSpPr>
+        <p:spPr/>
+        <p:txBody>
+          <a:bodyPr/>
+          <a:lstStyle/>
+          <a:p>
+            <a:endParaRPr kumimoji="1" lang="ja-JP" altLang="en-US"/>
+          </a:p>
+        </p:txBody>
+      </p:sp>
+      <p:sp>
+        <p:nvSpPr>
+          <p:cNvPr id="4" name="スライド番号プレースホルダー 3"/>
+          <p:cNvSpPr>
+            <a:spLocks noGrp="1"/>
+          </p:cNvSpPr>
+          <p:nvPr>
+            <p:ph type="sldNum" sz="quarter" idx="10"/>
+          </p:nvPr>
+        </p:nvSpPr>
+        <p:spPr/>
+        <p:txBody>
+          <a:bodyPr/>
+          <a:lstStyle/>
+          <a:p>
+            <a:fld id="{040F93EC-297D-4052-BDB5-DBB344C28C87}" type="slidenum">
+              <a:rPr lang="ja-JP" altLang="en-US" smtClean="0">
+                <a:solidFill>
+                  <a:prstClr val="black"/>
+                </a:solidFill>
+              </a:rPr>
+              <a:pPr/>
+              <a:t>18</a:t>
+            </a:fld>
+            <a:endParaRPr lang="ja-JP" altLang="en-US">
+              <a:solidFill>
+                <a:prstClr val="black"/>
+              </a:solidFill>
+            </a:endParaRPr>
+          </a:p>
+        </p:txBody>
+      </p:sp>
+    </p:spTree>
+    <p:extLst>
+      <p:ext uri="{BB962C8B-B14F-4D97-AF65-F5344CB8AC3E}">
+        <p14:creationId xmlns:p14="http://schemas.microsoft.com/office/powerpoint/2010/main" val="3448315884"/>
+      </p:ext>
+    </p:extLst>
+  </p:cSld>
+  <p:clrMapOvr>
+    <a:masterClrMapping/>
+  </p:clrMapOvr>
+</p:notes>
+</file>
+
+<file path=ppt/notesSlides/notesSlide17.xml><?xml version="1.0" encoding="utf-8"?>
+<p:notes xmlns:a="http://schemas.openxmlformats.org/drawingml/2006/main" xmlns:r="http://schemas.openxmlformats.org/officeDocument/2006/relationships" xmlns:p="http://schemas.openxmlformats.org/presentationml/2006/main">
+  <p:cSld>
+    <p:spTree>
+      <p:nvGrpSpPr>
+        <p:cNvPr id="1" name=""/>
+        <p:cNvGrpSpPr/>
+        <p:nvPr/>
+      </p:nvGrpSpPr>
+      <p:grpSpPr>
+        <a:xfrm>
+          <a:off x="0" y="0"/>
+          <a:ext cx="0" cy="0"/>
+          <a:chOff x="0" y="0"/>
+          <a:chExt cx="0" cy="0"/>
+        </a:xfrm>
+      </p:grpSpPr>
+      <p:sp>
+        <p:nvSpPr>
+          <p:cNvPr id="2" name="スライド イメージ プレースホルダー 1"/>
+          <p:cNvSpPr>
+            <a:spLocks noGrp="1" noRot="1" noChangeAspect="1"/>
+          </p:cNvSpPr>
+          <p:nvPr>
+            <p:ph type="sldImg"/>
+          </p:nvPr>
+        </p:nvSpPr>
+        <p:spPr/>
+      </p:sp>
+      <p:sp>
+        <p:nvSpPr>
+          <p:cNvPr id="3" name="ノート プレースホルダー 2"/>
+          <p:cNvSpPr>
+            <a:spLocks noGrp="1"/>
+          </p:cNvSpPr>
+          <p:nvPr>
+            <p:ph type="body" idx="1"/>
+          </p:nvPr>
+        </p:nvSpPr>
+        <p:spPr/>
+        <p:txBody>
+          <a:bodyPr/>
+          <a:lstStyle/>
+          <a:p>
+            <a:endParaRPr kumimoji="1" lang="ja-JP" altLang="en-US"/>
+          </a:p>
+        </p:txBody>
+      </p:sp>
+      <p:sp>
+        <p:nvSpPr>
+          <p:cNvPr id="4" name="スライド番号プレースホルダー 3"/>
+          <p:cNvSpPr>
+            <a:spLocks noGrp="1"/>
+          </p:cNvSpPr>
+          <p:nvPr>
+            <p:ph type="sldNum" sz="quarter" idx="10"/>
+          </p:nvPr>
+        </p:nvSpPr>
+        <p:spPr/>
+        <p:txBody>
+          <a:bodyPr/>
+          <a:lstStyle/>
+          <a:p>
+            <a:fld id="{040F93EC-297D-4052-BDB5-DBB344C28C87}" type="slidenum">
+              <a:rPr lang="ja-JP" altLang="en-US" smtClean="0">
+                <a:solidFill>
+                  <a:prstClr val="black"/>
+                </a:solidFill>
+              </a:rPr>
+              <a:pPr/>
+              <a:t>19</a:t>
+            </a:fld>
+            <a:endParaRPr lang="ja-JP" altLang="en-US">
+              <a:solidFill>
+                <a:prstClr val="black"/>
+              </a:solidFill>
+            </a:endParaRPr>
+          </a:p>
+        </p:txBody>
+      </p:sp>
+    </p:spTree>
+    <p:extLst>
+      <p:ext uri="{BB962C8B-B14F-4D97-AF65-F5344CB8AC3E}">
+        <p14:creationId xmlns:p14="http://schemas.microsoft.com/office/powerpoint/2010/main" val="2135764714"/>
+      </p:ext>
+    </p:extLst>
+  </p:cSld>
+  <p:clrMapOvr>
+    <a:masterClrMapping/>
+  </p:clrMapOvr>
+</p:notes>
+</file>
+
+<file path=ppt/notesSlides/notesSlide18.xml><?xml version="1.0" encoding="utf-8"?>
+<p:notes xmlns:a="http://schemas.openxmlformats.org/drawingml/2006/main" xmlns:r="http://schemas.openxmlformats.org/officeDocument/2006/relationships" xmlns:p="http://schemas.openxmlformats.org/presentationml/2006/main">
+  <p:cSld>
+    <p:spTree>
+      <p:nvGrpSpPr>
+        <p:cNvPr id="1" name=""/>
+        <p:cNvGrpSpPr/>
+        <p:nvPr/>
+      </p:nvGrpSpPr>
+      <p:grpSpPr>
+        <a:xfrm>
+          <a:off x="0" y="0"/>
+          <a:ext cx="0" cy="0"/>
+          <a:chOff x="0" y="0"/>
+          <a:chExt cx="0" cy="0"/>
+        </a:xfrm>
+      </p:grpSpPr>
+      <p:sp>
+        <p:nvSpPr>
+          <p:cNvPr id="2" name="スライド イメージ プレースホルダー 1"/>
+          <p:cNvSpPr>
+            <a:spLocks noGrp="1" noRot="1" noChangeAspect="1"/>
+          </p:cNvSpPr>
+          <p:nvPr>
+            <p:ph type="sldImg"/>
+          </p:nvPr>
+        </p:nvSpPr>
+        <p:spPr/>
+      </p:sp>
+      <p:sp>
+        <p:nvSpPr>
+          <p:cNvPr id="3" name="ノート プレースホルダー 2"/>
+          <p:cNvSpPr>
+            <a:spLocks noGrp="1"/>
+          </p:cNvSpPr>
+          <p:nvPr>
+            <p:ph type="body" idx="1"/>
+          </p:nvPr>
+        </p:nvSpPr>
+        <p:spPr/>
+        <p:txBody>
+          <a:bodyPr/>
+          <a:lstStyle/>
+          <a:p>
+            <a:endParaRPr kumimoji="1" lang="ja-JP" altLang="en-US"/>
+          </a:p>
+        </p:txBody>
+      </p:sp>
+      <p:sp>
+        <p:nvSpPr>
+          <p:cNvPr id="4" name="スライド番号プレースホルダー 3"/>
+          <p:cNvSpPr>
+            <a:spLocks noGrp="1"/>
+          </p:cNvSpPr>
+          <p:nvPr>
+            <p:ph type="sldNum" sz="quarter" idx="10"/>
+          </p:nvPr>
+        </p:nvSpPr>
+        <p:spPr/>
+        <p:txBody>
+          <a:bodyPr/>
+          <a:lstStyle/>
+          <a:p>
+            <a:fld id="{040F93EC-297D-4052-BDB5-DBB344C28C87}" type="slidenum">
+              <a:rPr lang="ja-JP" altLang="en-US" smtClean="0">
+                <a:solidFill>
+                  <a:prstClr val="black"/>
+                </a:solidFill>
+              </a:rPr>
+              <a:pPr/>
+              <a:t>20</a:t>
+            </a:fld>
+            <a:endParaRPr lang="ja-JP" altLang="en-US">
+              <a:solidFill>
+                <a:prstClr val="black"/>
+              </a:solidFill>
+            </a:endParaRPr>
+          </a:p>
+        </p:txBody>
+      </p:sp>
+    </p:spTree>
+    <p:extLst>
+      <p:ext uri="{BB962C8B-B14F-4D97-AF65-F5344CB8AC3E}">
+        <p14:creationId xmlns:p14="http://schemas.microsoft.com/office/powerpoint/2010/main" val="1477174441"/>
+      </p:ext>
+    </p:extLst>
+  </p:cSld>
+  <p:clrMapOvr>
+    <a:masterClrMapping/>
+  </p:clrMapOvr>
+</p:notes>
+</file>
+
 <file path=ppt/notesSlides/notesSlide2.xml><?xml version="1.0" encoding="utf-8"?>
 <p:notes xmlns:a="http://schemas.openxmlformats.org/drawingml/2006/main" xmlns:r="http://schemas.openxmlformats.org/officeDocument/2006/relationships" xmlns:p="http://schemas.openxmlformats.org/presentationml/2006/main">
   <p:cSld>
@@ -2036,7 +2718,7 @@
           <a:p>
             <a:fld id="{318303C8-8E5D-420A-93D8-51E66AD8AB24}" type="datetimeFigureOut">
               <a:rPr kumimoji="1" lang="ja-JP" altLang="en-US" smtClean="0"/>
-              <a:t>2013/11/17</a:t>
+              <a:t>2013/12/3</a:t>
             </a:fld>
             <a:endParaRPr kumimoji="1" lang="ja-JP" altLang="en-US"/>
           </a:p>
@@ -2238,7 +2920,7 @@
           <a:p>
             <a:fld id="{318303C8-8E5D-420A-93D8-51E66AD8AB24}" type="datetimeFigureOut">
               <a:rPr kumimoji="1" lang="ja-JP" altLang="en-US" smtClean="0"/>
-              <a:t>2013/11/17</a:t>
+              <a:t>2013/12/3</a:t>
             </a:fld>
             <a:endParaRPr kumimoji="1" lang="ja-JP" altLang="en-US"/>
           </a:p>
@@ -2450,7 +3132,7 @@
           <a:p>
             <a:fld id="{318303C8-8E5D-420A-93D8-51E66AD8AB24}" type="datetimeFigureOut">
               <a:rPr kumimoji="1" lang="ja-JP" altLang="en-US" smtClean="0"/>
-              <a:t>2013/11/17</a:t>
+              <a:t>2013/12/3</a:t>
             </a:fld>
             <a:endParaRPr kumimoji="1" lang="ja-JP" altLang="en-US"/>
           </a:p>
@@ -2652,7 +3334,7 @@
           <a:p>
             <a:fld id="{318303C8-8E5D-420A-93D8-51E66AD8AB24}" type="datetimeFigureOut">
               <a:rPr kumimoji="1" lang="ja-JP" altLang="en-US" smtClean="0"/>
-              <a:t>2013/11/17</a:t>
+              <a:t>2013/12/3</a:t>
             </a:fld>
             <a:endParaRPr kumimoji="1" lang="ja-JP" altLang="en-US"/>
           </a:p>
@@ -2898,7 +3580,7 @@
           <a:p>
             <a:fld id="{318303C8-8E5D-420A-93D8-51E66AD8AB24}" type="datetimeFigureOut">
               <a:rPr kumimoji="1" lang="ja-JP" altLang="en-US" smtClean="0"/>
-              <a:t>2013/11/17</a:t>
+              <a:t>2013/12/3</a:t>
             </a:fld>
             <a:endParaRPr kumimoji="1" lang="ja-JP" altLang="en-US"/>
           </a:p>
@@ -3250,7 +3932,7 @@
           <a:p>
             <a:fld id="{318303C8-8E5D-420A-93D8-51E66AD8AB24}" type="datetimeFigureOut">
               <a:rPr kumimoji="1" lang="ja-JP" altLang="en-US" smtClean="0"/>
-              <a:t>2013/11/17</a:t>
+              <a:t>2013/12/3</a:t>
             </a:fld>
             <a:endParaRPr kumimoji="1" lang="ja-JP" altLang="en-US"/>
           </a:p>
@@ -3736,7 +4418,7 @@
           <a:p>
             <a:fld id="{318303C8-8E5D-420A-93D8-51E66AD8AB24}" type="datetimeFigureOut">
               <a:rPr kumimoji="1" lang="ja-JP" altLang="en-US" smtClean="0"/>
-              <a:t>2013/11/17</a:t>
+              <a:t>2013/12/3</a:t>
             </a:fld>
             <a:endParaRPr kumimoji="1" lang="ja-JP" altLang="en-US"/>
           </a:p>
@@ -3854,7 +4536,7 @@
           <a:p>
             <a:fld id="{318303C8-8E5D-420A-93D8-51E66AD8AB24}" type="datetimeFigureOut">
               <a:rPr kumimoji="1" lang="ja-JP" altLang="en-US" smtClean="0"/>
-              <a:t>2013/11/17</a:t>
+              <a:t>2013/12/3</a:t>
             </a:fld>
             <a:endParaRPr kumimoji="1" lang="ja-JP" altLang="en-US"/>
           </a:p>
@@ -3949,7 +4631,7 @@
           <a:p>
             <a:fld id="{318303C8-8E5D-420A-93D8-51E66AD8AB24}" type="datetimeFigureOut">
               <a:rPr kumimoji="1" lang="ja-JP" altLang="en-US" smtClean="0"/>
-              <a:t>2013/11/17</a:t>
+              <a:t>2013/12/3</a:t>
             </a:fld>
             <a:endParaRPr kumimoji="1" lang="ja-JP" altLang="en-US"/>
           </a:p>
@@ -4258,7 +4940,7 @@
           <a:p>
             <a:fld id="{318303C8-8E5D-420A-93D8-51E66AD8AB24}" type="datetimeFigureOut">
               <a:rPr kumimoji="1" lang="ja-JP" altLang="en-US" smtClean="0"/>
-              <a:t>2013/11/17</a:t>
+              <a:t>2013/12/3</a:t>
             </a:fld>
             <a:endParaRPr kumimoji="1" lang="ja-JP" altLang="en-US"/>
           </a:p>
@@ -4511,7 +5193,7 @@
           <a:p>
             <a:fld id="{318303C8-8E5D-420A-93D8-51E66AD8AB24}" type="datetimeFigureOut">
               <a:rPr kumimoji="1" lang="ja-JP" altLang="en-US" smtClean="0"/>
-              <a:t>2013/11/17</a:t>
+              <a:t>2013/12/3</a:t>
             </a:fld>
             <a:endParaRPr kumimoji="1" lang="ja-JP" altLang="en-US"/>
           </a:p>
@@ -4756,7 +5438,7 @@
           <a:p>
             <a:fld id="{318303C8-8E5D-420A-93D8-51E66AD8AB24}" type="datetimeFigureOut">
               <a:rPr kumimoji="1" lang="ja-JP" altLang="en-US" smtClean="0"/>
-              <a:t>2013/11/17</a:t>
+              <a:t>2013/12/3</a:t>
             </a:fld>
             <a:endParaRPr kumimoji="1" lang="ja-JP" altLang="en-US"/>
           </a:p>
@@ -5148,7 +5830,15 @@
           <a:p>
             <a:r>
               <a:rPr kumimoji="1" lang="en-US" altLang="ja-JP" dirty="0" smtClean="0"/>
-              <a:t>Table of Contents</a:t>
+              <a:t>Table </a:t>
+            </a:r>
+            <a:r>
+              <a:rPr kumimoji="1" lang="en-US" altLang="ja-JP" smtClean="0"/>
+              <a:t>of </a:t>
+            </a:r>
+            <a:r>
+              <a:rPr kumimoji="1" lang="en-US" altLang="ja-JP" smtClean="0"/>
+              <a:t>Contents</a:t>
             </a:r>
             <a:endParaRPr kumimoji="1" lang="ja-JP" altLang="en-US" dirty="0"/>
           </a:p>
@@ -5188,12 +5878,27 @@
           <a:p>
             <a:r>
               <a:rPr kumimoji="1" lang="ja-JP" altLang="en-US" dirty="0" smtClean="0"/>
-              <a:t>りんごを配る（英語）</a:t>
+              <a:t>りんごを配る（英語版）</a:t>
             </a:r>
             <a:r>
               <a:rPr kumimoji="1" lang="en-US" altLang="ja-JP" dirty="0" smtClean="0"/>
               <a:t>(pp.9-14)</a:t>
             </a:r>
+          </a:p>
+          <a:p>
+            <a:r>
+              <a:rPr lang="ja-JP" altLang="en-US" dirty="0"/>
+              <a:t>りんご</a:t>
+            </a:r>
+            <a:r>
+              <a:rPr lang="ja-JP" altLang="en-US" dirty="0" smtClean="0"/>
+              <a:t>を配る（韓国語版）</a:t>
+            </a:r>
+            <a:r>
+              <a:rPr lang="en-US" altLang="ja-JP" dirty="0" smtClean="0"/>
+              <a:t>(pp.15-20)</a:t>
+            </a:r>
+            <a:endParaRPr kumimoji="1" lang="en-US" altLang="ja-JP" dirty="0" smtClean="0"/>
           </a:p>
         </p:txBody>
       </p:sp>
@@ -12450,6 +13155,5859 @@
 </p:sld>
 </file>
 
+<file path=ppt/slides/slide15.xml><?xml version="1.0" encoding="utf-8"?>
+<p:sld xmlns:a="http://schemas.openxmlformats.org/drawingml/2006/main" xmlns:r="http://schemas.openxmlformats.org/officeDocument/2006/relationships" xmlns:p="http://schemas.openxmlformats.org/presentationml/2006/main">
+  <p:cSld>
+    <p:spTree>
+      <p:nvGrpSpPr>
+        <p:cNvPr id="1" name=""/>
+        <p:cNvGrpSpPr/>
+        <p:nvPr/>
+      </p:nvGrpSpPr>
+      <p:grpSpPr>
+        <a:xfrm>
+          <a:off x="0" y="0"/>
+          <a:ext cx="0" cy="0"/>
+          <a:chOff x="0" y="0"/>
+          <a:chExt cx="0" cy="0"/>
+        </a:xfrm>
+      </p:grpSpPr>
+      <p:sp>
+        <p:nvSpPr>
+          <p:cNvPr id="5" name="正方形/長方形 4"/>
+          <p:cNvSpPr/>
+          <p:nvPr/>
+        </p:nvSpPr>
+        <p:spPr>
+          <a:xfrm>
+            <a:off x="467544" y="548680"/>
+            <a:ext cx="8208912" cy="1944216"/>
+          </a:xfrm>
+          <a:prstGeom prst="rect">
+            <a:avLst/>
+          </a:prstGeom>
+          <a:solidFill>
+            <a:schemeClr val="accent6">
+              <a:lumMod val="20000"/>
+              <a:lumOff val="80000"/>
+            </a:schemeClr>
+          </a:solidFill>
+          <a:ln>
+            <a:solidFill>
+              <a:schemeClr val="accent6">
+                <a:lumMod val="60000"/>
+                <a:lumOff val="40000"/>
+              </a:schemeClr>
+            </a:solidFill>
+          </a:ln>
+        </p:spPr>
+        <p:style>
+          <a:lnRef idx="2">
+            <a:schemeClr val="accent1">
+              <a:shade val="50000"/>
+            </a:schemeClr>
+          </a:lnRef>
+          <a:fillRef idx="1">
+            <a:schemeClr val="accent1"/>
+          </a:fillRef>
+          <a:effectRef idx="0">
+            <a:schemeClr val="accent1"/>
+          </a:effectRef>
+          <a:fontRef idx="minor">
+            <a:schemeClr val="lt1"/>
+          </a:fontRef>
+        </p:style>
+        <p:txBody>
+          <a:bodyPr rtlCol="0" anchor="ctr"/>
+          <a:lstStyle/>
+          <a:p>
+            <a:r>
+              <a:rPr lang="ja-JP" altLang="en-US" sz="3200" b="1" dirty="0">
+                <a:solidFill>
+                  <a:schemeClr val="tx1"/>
+                </a:solidFill>
+                <a:latin typeface="HGHangle" panose="020B0800000000000000" pitchFamily="34" charset="-127"/>
+                <a:ea typeface="HGHangle" panose="020B0800000000000000" pitchFamily="34" charset="-127"/>
+              </a:rPr>
+              <a:t> </a:t>
+            </a:r>
+            <a:r>
+              <a:rPr lang="ko-KR" altLang="ja-JP" sz="3200" b="1" dirty="0" smtClean="0">
+                <a:solidFill>
+                  <a:schemeClr val="tx1"/>
+                </a:solidFill>
+                <a:latin typeface="HGHangle" panose="020B0800000000000000" pitchFamily="34" charset="-127"/>
+                <a:ea typeface="HGHangle" panose="020B0800000000000000" pitchFamily="34" charset="-127"/>
+              </a:rPr>
+              <a:t>접시가</a:t>
+            </a:r>
+            <a:r>
+              <a:rPr lang="en-US" altLang="ja-JP" sz="3200" b="1" dirty="0" smtClean="0">
+                <a:solidFill>
+                  <a:schemeClr val="tx1"/>
+                </a:solidFill>
+                <a:latin typeface="HGHangle" panose="020B0800000000000000" pitchFamily="34" charset="-127"/>
+                <a:ea typeface="HGHangle" panose="020B0800000000000000" pitchFamily="34" charset="-127"/>
+              </a:rPr>
+              <a:t> </a:t>
+            </a:r>
+            <a:r>
+              <a:rPr lang="en-US" altLang="ja-JP" sz="3200" b="1" dirty="0">
+                <a:solidFill>
+                  <a:schemeClr val="tx1"/>
+                </a:solidFill>
+                <a:latin typeface="HGHangle" panose="020B0800000000000000" pitchFamily="34" charset="-127"/>
+                <a:ea typeface="HGHangle" panose="020B0800000000000000" pitchFamily="34" charset="-127"/>
+              </a:rPr>
+              <a:t>5</a:t>
+            </a:r>
+            <a:r>
+              <a:rPr lang="ko-KR" altLang="ja-JP" sz="3200" b="1" dirty="0">
+                <a:solidFill>
+                  <a:schemeClr val="tx1"/>
+                </a:solidFill>
+                <a:latin typeface="HGHangle" panose="020B0800000000000000" pitchFamily="34" charset="-127"/>
+                <a:ea typeface="HGHangle" panose="020B0800000000000000" pitchFamily="34" charset="-127"/>
+              </a:rPr>
+              <a:t>장 있습니다</a:t>
+            </a:r>
+            <a:r>
+              <a:rPr lang="en-US" altLang="ja-JP" sz="3200" b="1" dirty="0" smtClean="0">
+                <a:solidFill>
+                  <a:schemeClr val="tx1"/>
+                </a:solidFill>
+                <a:latin typeface="HGHangle" panose="020B0800000000000000" pitchFamily="34" charset="-127"/>
+                <a:ea typeface="HGHangle" panose="020B0800000000000000" pitchFamily="34" charset="-127"/>
+              </a:rPr>
+              <a:t>.</a:t>
+            </a:r>
+          </a:p>
+          <a:p>
+            <a:r>
+              <a:rPr lang="ja-JP" altLang="en-US" sz="3200" b="1" dirty="0">
+                <a:solidFill>
+                  <a:schemeClr val="tx1"/>
+                </a:solidFill>
+                <a:latin typeface="HGHangle" panose="020B0800000000000000" pitchFamily="34" charset="-127"/>
+                <a:ea typeface="HGHangle" panose="020B0800000000000000" pitchFamily="34" charset="-127"/>
+              </a:rPr>
+              <a:t> </a:t>
+            </a:r>
+            <a:r>
+              <a:rPr lang="ko-KR" altLang="en-US" sz="3200" b="1" dirty="0" smtClean="0">
+                <a:solidFill>
+                  <a:schemeClr val="tx1"/>
+                </a:solidFill>
+                <a:latin typeface="HGHangle" panose="020B0800000000000000" pitchFamily="34" charset="-127"/>
+                <a:ea typeface="HGHangle" panose="020B0800000000000000" pitchFamily="34" charset="-127"/>
+              </a:rPr>
+              <a:t>한접시에 </a:t>
+            </a:r>
+            <a:r>
+              <a:rPr lang="ko-KR" altLang="en-US" sz="3200" b="1" dirty="0">
+                <a:solidFill>
+                  <a:schemeClr val="tx1"/>
+                </a:solidFill>
+                <a:latin typeface="HGHangle" panose="020B0800000000000000" pitchFamily="34" charset="-127"/>
+                <a:ea typeface="HGHangle" panose="020B0800000000000000" pitchFamily="34" charset="-127"/>
+              </a:rPr>
+              <a:t>사과 </a:t>
+            </a:r>
+            <a:r>
+              <a:rPr lang="en-US" altLang="ko-KR" sz="3200" b="1" dirty="0">
+                <a:solidFill>
+                  <a:schemeClr val="tx1"/>
+                </a:solidFill>
+                <a:latin typeface="HGHangle" panose="020B0800000000000000" pitchFamily="34" charset="-127"/>
+                <a:ea typeface="HGHangle" panose="020B0800000000000000" pitchFamily="34" charset="-127"/>
+              </a:rPr>
+              <a:t>3</a:t>
+            </a:r>
+            <a:r>
+              <a:rPr lang="ko-KR" altLang="en-US" sz="3200" b="1" dirty="0">
+                <a:solidFill>
+                  <a:schemeClr val="tx1"/>
+                </a:solidFill>
+                <a:latin typeface="HGHangle" panose="020B0800000000000000" pitchFamily="34" charset="-127"/>
+                <a:ea typeface="HGHangle" panose="020B0800000000000000" pitchFamily="34" charset="-127"/>
+              </a:rPr>
+              <a:t>개씩을 담을 </a:t>
+            </a:r>
+            <a:r>
+              <a:rPr lang="ko-KR" altLang="en-US" sz="3200" b="1" dirty="0" smtClean="0">
+                <a:solidFill>
+                  <a:schemeClr val="tx1"/>
+                </a:solidFill>
+                <a:latin typeface="HGHangle" panose="020B0800000000000000" pitchFamily="34" charset="-127"/>
+                <a:ea typeface="HGHangle" panose="020B0800000000000000" pitchFamily="34" charset="-127"/>
+              </a:rPr>
+              <a:t>경우</a:t>
+            </a:r>
+            <a:endParaRPr lang="en-US" altLang="ja-JP" sz="3200" b="1" dirty="0" smtClean="0">
+              <a:solidFill>
+                <a:schemeClr val="tx1"/>
+              </a:solidFill>
+              <a:latin typeface="HGHangle" panose="020B0800000000000000" pitchFamily="34" charset="-127"/>
+              <a:ea typeface="HGHangle" panose="020B0800000000000000" pitchFamily="34" charset="-127"/>
+            </a:endParaRPr>
+          </a:p>
+          <a:p>
+            <a:r>
+              <a:rPr lang="ja-JP" altLang="en-US" sz="3200" b="1" dirty="0">
+                <a:solidFill>
+                  <a:schemeClr val="tx1"/>
+                </a:solidFill>
+                <a:latin typeface="HGHangle" panose="020B0800000000000000" pitchFamily="34" charset="-127"/>
+                <a:ea typeface="HGHangle" panose="020B0800000000000000" pitchFamily="34" charset="-127"/>
+              </a:rPr>
+              <a:t> </a:t>
+            </a:r>
+            <a:r>
+              <a:rPr lang="ko-KR" altLang="ja-JP" sz="3200" b="1" dirty="0" smtClean="0">
+                <a:solidFill>
+                  <a:schemeClr val="tx1"/>
+                </a:solidFill>
+                <a:latin typeface="HGHangle" panose="020B0800000000000000" pitchFamily="34" charset="-127"/>
+                <a:ea typeface="HGHangle" panose="020B0800000000000000" pitchFamily="34" charset="-127"/>
+              </a:rPr>
+              <a:t>사과가 </a:t>
+            </a:r>
+            <a:r>
+              <a:rPr lang="ko-KR" altLang="ja-JP" sz="3200" b="1" dirty="0">
+                <a:solidFill>
+                  <a:schemeClr val="tx1"/>
+                </a:solidFill>
+                <a:latin typeface="HGHangle" panose="020B0800000000000000" pitchFamily="34" charset="-127"/>
+                <a:ea typeface="HGHangle" panose="020B0800000000000000" pitchFamily="34" charset="-127"/>
+              </a:rPr>
+              <a:t>모두 몇개 있을까요</a:t>
+            </a:r>
+            <a:r>
+              <a:rPr lang="en-US" altLang="ja-JP" sz="3200" b="1" dirty="0">
+                <a:solidFill>
+                  <a:schemeClr val="tx1"/>
+                </a:solidFill>
+                <a:latin typeface="HGHangle" panose="020B0800000000000000" pitchFamily="34" charset="-127"/>
+                <a:ea typeface="HGHangle" panose="020B0800000000000000" pitchFamily="34" charset="-127"/>
+              </a:rPr>
+              <a:t>?</a:t>
+            </a:r>
+            <a:endParaRPr lang="ja-JP" altLang="en-US" sz="3200" b="1" dirty="0">
+              <a:solidFill>
+                <a:schemeClr val="tx1"/>
+              </a:solidFill>
+              <a:latin typeface="HGHangle" panose="020B0800000000000000" pitchFamily="34" charset="-127"/>
+              <a:ea typeface="Gungsuh" panose="02030600000101010101" pitchFamily="18" charset="-127"/>
+            </a:endParaRPr>
+          </a:p>
+        </p:txBody>
+      </p:sp>
+      <p:sp>
+        <p:nvSpPr>
+          <p:cNvPr id="6" name="テキスト ボックス 5"/>
+          <p:cNvSpPr txBox="1"/>
+          <p:nvPr/>
+        </p:nvSpPr>
+        <p:spPr>
+          <a:xfrm>
+            <a:off x="7905715" y="87015"/>
+            <a:ext cx="798617" cy="461665"/>
+          </a:xfrm>
+          <a:prstGeom prst="rect">
+            <a:avLst/>
+          </a:prstGeom>
+          <a:noFill/>
+        </p:spPr>
+        <p:txBody>
+          <a:bodyPr wrap="none" rtlCol="0">
+            <a:spAutoFit/>
+          </a:bodyPr>
+          <a:lstStyle/>
+          <a:p>
+            <a:pPr algn="r"/>
+            <a:r>
+              <a:rPr lang="en-US" altLang="ja-JP" sz="2400" b="1" dirty="0">
+                <a:solidFill>
+                  <a:prstClr val="black"/>
+                </a:solidFill>
+                <a:latin typeface="HGHangle" panose="020B0800000000000000" pitchFamily="34" charset="-127"/>
+                <a:ea typeface="HGS創英角ﾎﾟｯﾌﾟ体" pitchFamily="50" charset="-128"/>
+              </a:rPr>
+              <a:t>1</a:t>
+            </a:r>
+            <a:r>
+              <a:rPr lang="en-US" altLang="ja-JP" sz="2400" b="1" dirty="0" smtClean="0">
+                <a:solidFill>
+                  <a:prstClr val="black"/>
+                </a:solidFill>
+                <a:latin typeface="HGHangle" panose="020B0800000000000000" pitchFamily="34" charset="-127"/>
+                <a:ea typeface="HGS創英角ﾎﾟｯﾌﾟ体" pitchFamily="50" charset="-128"/>
+              </a:rPr>
+              <a:t> / 6</a:t>
+            </a:r>
+            <a:endParaRPr lang="ja-JP" altLang="en-US" sz="2400" b="1" dirty="0">
+              <a:solidFill>
+                <a:prstClr val="black"/>
+              </a:solidFill>
+              <a:latin typeface="HGHangle" panose="020B0800000000000000" pitchFamily="34" charset="-127"/>
+              <a:ea typeface="HGS創英角ﾎﾟｯﾌﾟ体" pitchFamily="50" charset="-128"/>
+            </a:endParaRPr>
+          </a:p>
+        </p:txBody>
+      </p:sp>
+    </p:spTree>
+    <p:extLst>
+      <p:ext uri="{BB962C8B-B14F-4D97-AF65-F5344CB8AC3E}">
+        <p14:creationId xmlns:p14="http://schemas.microsoft.com/office/powerpoint/2010/main" val="2067789673"/>
+      </p:ext>
+    </p:extLst>
+  </p:cSld>
+  <p:clrMapOvr>
+    <a:masterClrMapping/>
+  </p:clrMapOvr>
+  <p:timing>
+    <p:tnLst>
+      <p:par>
+        <p:cTn id="1" dur="indefinite" restart="never" nodeType="tmRoot"/>
+      </p:par>
+    </p:tnLst>
+  </p:timing>
+</p:sld>
+</file>
+
+<file path=ppt/slides/slide16.xml><?xml version="1.0" encoding="utf-8"?>
+<p:sld xmlns:a="http://schemas.openxmlformats.org/drawingml/2006/main" xmlns:r="http://schemas.openxmlformats.org/officeDocument/2006/relationships" xmlns:p="http://schemas.openxmlformats.org/presentationml/2006/main">
+  <p:cSld>
+    <p:spTree>
+      <p:nvGrpSpPr>
+        <p:cNvPr id="1" name=""/>
+        <p:cNvGrpSpPr/>
+        <p:nvPr/>
+      </p:nvGrpSpPr>
+      <p:grpSpPr>
+        <a:xfrm>
+          <a:off x="0" y="0"/>
+          <a:ext cx="0" cy="0"/>
+          <a:chOff x="0" y="0"/>
+          <a:chExt cx="0" cy="0"/>
+        </a:xfrm>
+      </p:grpSpPr>
+      <p:sp>
+        <p:nvSpPr>
+          <p:cNvPr id="11" name="円/楕円 10"/>
+          <p:cNvSpPr/>
+          <p:nvPr/>
+        </p:nvSpPr>
+        <p:spPr>
+          <a:xfrm>
+            <a:off x="474716" y="3793232"/>
+            <a:ext cx="2376264" cy="1008112"/>
+          </a:xfrm>
+          <a:prstGeom prst="ellipse">
+            <a:avLst/>
+          </a:prstGeom>
+          <a:solidFill>
+            <a:schemeClr val="bg1"/>
+          </a:solidFill>
+          <a:ln w="38100">
+            <a:solidFill>
+              <a:schemeClr val="tx1"/>
+            </a:solidFill>
+          </a:ln>
+        </p:spPr>
+        <p:style>
+          <a:lnRef idx="2">
+            <a:schemeClr val="accent1">
+              <a:shade val="50000"/>
+            </a:schemeClr>
+          </a:lnRef>
+          <a:fillRef idx="1">
+            <a:schemeClr val="accent1"/>
+          </a:fillRef>
+          <a:effectRef idx="0">
+            <a:schemeClr val="accent1"/>
+          </a:effectRef>
+          <a:fontRef idx="minor">
+            <a:schemeClr val="lt1"/>
+          </a:fontRef>
+        </p:style>
+        <p:txBody>
+          <a:bodyPr rtlCol="0" anchor="ctr"/>
+          <a:lstStyle/>
+          <a:p>
+            <a:pPr algn="ctr"/>
+            <a:endParaRPr lang="ja-JP" altLang="en-US">
+              <a:solidFill>
+                <a:prstClr val="white"/>
+              </a:solidFill>
+            </a:endParaRPr>
+          </a:p>
+        </p:txBody>
+      </p:sp>
+      <p:sp>
+        <p:nvSpPr>
+          <p:cNvPr id="12" name="円/楕円 11"/>
+          <p:cNvSpPr/>
+          <p:nvPr/>
+        </p:nvSpPr>
+        <p:spPr>
+          <a:xfrm>
+            <a:off x="6300192" y="3793232"/>
+            <a:ext cx="2376264" cy="1008112"/>
+          </a:xfrm>
+          <a:prstGeom prst="ellipse">
+            <a:avLst/>
+          </a:prstGeom>
+          <a:solidFill>
+            <a:schemeClr val="bg1"/>
+          </a:solidFill>
+          <a:ln w="38100">
+            <a:solidFill>
+              <a:schemeClr val="tx1"/>
+            </a:solidFill>
+          </a:ln>
+        </p:spPr>
+        <p:style>
+          <a:lnRef idx="2">
+            <a:schemeClr val="accent1">
+              <a:shade val="50000"/>
+            </a:schemeClr>
+          </a:lnRef>
+          <a:fillRef idx="1">
+            <a:schemeClr val="accent1"/>
+          </a:fillRef>
+          <a:effectRef idx="0">
+            <a:schemeClr val="accent1"/>
+          </a:effectRef>
+          <a:fontRef idx="minor">
+            <a:schemeClr val="lt1"/>
+          </a:fontRef>
+        </p:style>
+        <p:txBody>
+          <a:bodyPr rtlCol="0" anchor="ctr"/>
+          <a:lstStyle/>
+          <a:p>
+            <a:pPr algn="ctr"/>
+            <a:endParaRPr lang="ja-JP" altLang="en-US">
+              <a:solidFill>
+                <a:prstClr val="white"/>
+              </a:solidFill>
+            </a:endParaRPr>
+          </a:p>
+        </p:txBody>
+      </p:sp>
+      <p:sp>
+        <p:nvSpPr>
+          <p:cNvPr id="13" name="円/楕円 12"/>
+          <p:cNvSpPr/>
+          <p:nvPr/>
+        </p:nvSpPr>
+        <p:spPr>
+          <a:xfrm>
+            <a:off x="3383868" y="3793232"/>
+            <a:ext cx="2376264" cy="1008112"/>
+          </a:xfrm>
+          <a:prstGeom prst="ellipse">
+            <a:avLst/>
+          </a:prstGeom>
+          <a:solidFill>
+            <a:schemeClr val="bg1"/>
+          </a:solidFill>
+          <a:ln w="38100">
+            <a:solidFill>
+              <a:schemeClr val="tx1"/>
+            </a:solidFill>
+          </a:ln>
+        </p:spPr>
+        <p:style>
+          <a:lnRef idx="2">
+            <a:schemeClr val="accent1">
+              <a:shade val="50000"/>
+            </a:schemeClr>
+          </a:lnRef>
+          <a:fillRef idx="1">
+            <a:schemeClr val="accent1"/>
+          </a:fillRef>
+          <a:effectRef idx="0">
+            <a:schemeClr val="accent1"/>
+          </a:effectRef>
+          <a:fontRef idx="minor">
+            <a:schemeClr val="lt1"/>
+          </a:fontRef>
+        </p:style>
+        <p:txBody>
+          <a:bodyPr rtlCol="0" anchor="ctr"/>
+          <a:lstStyle/>
+          <a:p>
+            <a:pPr algn="ctr"/>
+            <a:endParaRPr lang="ja-JP" altLang="en-US">
+              <a:solidFill>
+                <a:prstClr val="white"/>
+              </a:solidFill>
+            </a:endParaRPr>
+          </a:p>
+        </p:txBody>
+      </p:sp>
+      <p:sp>
+        <p:nvSpPr>
+          <p:cNvPr id="14" name="円/楕円 13"/>
+          <p:cNvSpPr/>
+          <p:nvPr/>
+        </p:nvSpPr>
+        <p:spPr>
+          <a:xfrm>
+            <a:off x="1950880" y="5445224"/>
+            <a:ext cx="2376264" cy="1008112"/>
+          </a:xfrm>
+          <a:prstGeom prst="ellipse">
+            <a:avLst/>
+          </a:prstGeom>
+          <a:solidFill>
+            <a:schemeClr val="bg1"/>
+          </a:solidFill>
+          <a:ln w="38100">
+            <a:solidFill>
+              <a:schemeClr val="tx1"/>
+            </a:solidFill>
+          </a:ln>
+        </p:spPr>
+        <p:style>
+          <a:lnRef idx="2">
+            <a:schemeClr val="accent1">
+              <a:shade val="50000"/>
+            </a:schemeClr>
+          </a:lnRef>
+          <a:fillRef idx="1">
+            <a:schemeClr val="accent1"/>
+          </a:fillRef>
+          <a:effectRef idx="0">
+            <a:schemeClr val="accent1"/>
+          </a:effectRef>
+          <a:fontRef idx="minor">
+            <a:schemeClr val="lt1"/>
+          </a:fontRef>
+        </p:style>
+        <p:txBody>
+          <a:bodyPr rtlCol="0" anchor="ctr"/>
+          <a:lstStyle/>
+          <a:p>
+            <a:pPr algn="ctr"/>
+            <a:endParaRPr lang="ja-JP" altLang="en-US">
+              <a:solidFill>
+                <a:prstClr val="white"/>
+              </a:solidFill>
+            </a:endParaRPr>
+          </a:p>
+        </p:txBody>
+      </p:sp>
+      <p:sp>
+        <p:nvSpPr>
+          <p:cNvPr id="15" name="円/楕円 14"/>
+          <p:cNvSpPr/>
+          <p:nvPr/>
+        </p:nvSpPr>
+        <p:spPr>
+          <a:xfrm>
+            <a:off x="4860032" y="5445224"/>
+            <a:ext cx="2376264" cy="1008112"/>
+          </a:xfrm>
+          <a:prstGeom prst="ellipse">
+            <a:avLst/>
+          </a:prstGeom>
+          <a:solidFill>
+            <a:schemeClr val="bg1"/>
+          </a:solidFill>
+          <a:ln w="38100">
+            <a:solidFill>
+              <a:schemeClr val="tx1"/>
+            </a:solidFill>
+          </a:ln>
+        </p:spPr>
+        <p:style>
+          <a:lnRef idx="2">
+            <a:schemeClr val="accent1">
+              <a:shade val="50000"/>
+            </a:schemeClr>
+          </a:lnRef>
+          <a:fillRef idx="1">
+            <a:schemeClr val="accent1"/>
+          </a:fillRef>
+          <a:effectRef idx="0">
+            <a:schemeClr val="accent1"/>
+          </a:effectRef>
+          <a:fontRef idx="minor">
+            <a:schemeClr val="lt1"/>
+          </a:fontRef>
+        </p:style>
+        <p:txBody>
+          <a:bodyPr rtlCol="0" anchor="ctr"/>
+          <a:lstStyle/>
+          <a:p>
+            <a:pPr algn="ctr"/>
+            <a:endParaRPr lang="ja-JP" altLang="en-US">
+              <a:solidFill>
+                <a:prstClr val="white"/>
+              </a:solidFill>
+            </a:endParaRPr>
+          </a:p>
+        </p:txBody>
+      </p:sp>
+      <p:sp>
+        <p:nvSpPr>
+          <p:cNvPr id="9" name="正方形/長方形 8"/>
+          <p:cNvSpPr/>
+          <p:nvPr/>
+        </p:nvSpPr>
+        <p:spPr>
+          <a:xfrm>
+            <a:off x="467544" y="548680"/>
+            <a:ext cx="8208912" cy="1944216"/>
+          </a:xfrm>
+          <a:prstGeom prst="rect">
+            <a:avLst/>
+          </a:prstGeom>
+          <a:solidFill>
+            <a:schemeClr val="accent6">
+              <a:lumMod val="20000"/>
+              <a:lumOff val="80000"/>
+            </a:schemeClr>
+          </a:solidFill>
+          <a:ln>
+            <a:solidFill>
+              <a:schemeClr val="accent6">
+                <a:lumMod val="60000"/>
+                <a:lumOff val="40000"/>
+              </a:schemeClr>
+            </a:solidFill>
+          </a:ln>
+        </p:spPr>
+        <p:style>
+          <a:lnRef idx="2">
+            <a:schemeClr val="accent1">
+              <a:shade val="50000"/>
+            </a:schemeClr>
+          </a:lnRef>
+          <a:fillRef idx="1">
+            <a:schemeClr val="accent1"/>
+          </a:fillRef>
+          <a:effectRef idx="0">
+            <a:schemeClr val="accent1"/>
+          </a:effectRef>
+          <a:fontRef idx="minor">
+            <a:schemeClr val="lt1"/>
+          </a:fontRef>
+        </p:style>
+        <p:txBody>
+          <a:bodyPr rtlCol="0" anchor="ctr"/>
+          <a:lstStyle/>
+          <a:p>
+            <a:r>
+              <a:rPr lang="ja-JP" altLang="en-US" sz="3200" b="1" dirty="0">
+                <a:solidFill>
+                  <a:schemeClr val="tx1"/>
+                </a:solidFill>
+                <a:latin typeface="HGHangle" panose="020B0800000000000000" pitchFamily="34" charset="-127"/>
+                <a:ea typeface="HGHangle" panose="020B0800000000000000" pitchFamily="34" charset="-127"/>
+              </a:rPr>
+              <a:t> </a:t>
+            </a:r>
+            <a:r>
+              <a:rPr lang="ko-KR" altLang="ja-JP" sz="3200" b="1" dirty="0" smtClean="0">
+                <a:solidFill>
+                  <a:srgbClr val="C00000"/>
+                </a:solidFill>
+                <a:latin typeface="HGHangle" panose="020B0800000000000000" pitchFamily="34" charset="-127"/>
+                <a:ea typeface="HGHangle" panose="020B0800000000000000" pitchFamily="34" charset="-127"/>
+              </a:rPr>
+              <a:t>접시가</a:t>
+            </a:r>
+            <a:r>
+              <a:rPr lang="en-US" altLang="ja-JP" sz="3200" b="1" dirty="0" smtClean="0">
+                <a:solidFill>
+                  <a:srgbClr val="C00000"/>
+                </a:solidFill>
+                <a:latin typeface="HGHangle" panose="020B0800000000000000" pitchFamily="34" charset="-127"/>
+                <a:ea typeface="HGHangle" panose="020B0800000000000000" pitchFamily="34" charset="-127"/>
+              </a:rPr>
+              <a:t> </a:t>
+            </a:r>
+            <a:r>
+              <a:rPr lang="en-US" altLang="ja-JP" sz="3200" b="1" dirty="0">
+                <a:solidFill>
+                  <a:srgbClr val="C00000"/>
+                </a:solidFill>
+                <a:latin typeface="HGHangle" panose="020B0800000000000000" pitchFamily="34" charset="-127"/>
+                <a:ea typeface="HGHangle" panose="020B0800000000000000" pitchFamily="34" charset="-127"/>
+              </a:rPr>
+              <a:t>5</a:t>
+            </a:r>
+            <a:r>
+              <a:rPr lang="ko-KR" altLang="ja-JP" sz="3200" b="1" dirty="0">
+                <a:solidFill>
+                  <a:srgbClr val="C00000"/>
+                </a:solidFill>
+                <a:latin typeface="HGHangle" panose="020B0800000000000000" pitchFamily="34" charset="-127"/>
+                <a:ea typeface="HGHangle" panose="020B0800000000000000" pitchFamily="34" charset="-127"/>
+              </a:rPr>
+              <a:t>장 있습니다</a:t>
+            </a:r>
+            <a:r>
+              <a:rPr lang="en-US" altLang="ja-JP" sz="3200" b="1" dirty="0" smtClean="0">
+                <a:solidFill>
+                  <a:srgbClr val="C00000"/>
+                </a:solidFill>
+                <a:latin typeface="HGHangle" panose="020B0800000000000000" pitchFamily="34" charset="-127"/>
+                <a:ea typeface="HGHangle" panose="020B0800000000000000" pitchFamily="34" charset="-127"/>
+              </a:rPr>
+              <a:t>.</a:t>
+            </a:r>
+          </a:p>
+          <a:p>
+            <a:r>
+              <a:rPr lang="ja-JP" altLang="en-US" sz="3200" b="1" dirty="0">
+                <a:solidFill>
+                  <a:schemeClr val="tx1"/>
+                </a:solidFill>
+                <a:latin typeface="HGHangle" panose="020B0800000000000000" pitchFamily="34" charset="-127"/>
+                <a:ea typeface="HGHangle" panose="020B0800000000000000" pitchFamily="34" charset="-127"/>
+              </a:rPr>
+              <a:t> </a:t>
+            </a:r>
+            <a:r>
+              <a:rPr lang="ko-KR" altLang="en-US" sz="3200" b="1" dirty="0" smtClean="0">
+                <a:solidFill>
+                  <a:schemeClr val="tx1"/>
+                </a:solidFill>
+                <a:latin typeface="HGHangle" panose="020B0800000000000000" pitchFamily="34" charset="-127"/>
+                <a:ea typeface="HGHangle" panose="020B0800000000000000" pitchFamily="34" charset="-127"/>
+              </a:rPr>
+              <a:t>한접시에 </a:t>
+            </a:r>
+            <a:r>
+              <a:rPr lang="ko-KR" altLang="en-US" sz="3200" b="1" dirty="0">
+                <a:solidFill>
+                  <a:schemeClr val="tx1"/>
+                </a:solidFill>
+                <a:latin typeface="HGHangle" panose="020B0800000000000000" pitchFamily="34" charset="-127"/>
+                <a:ea typeface="HGHangle" panose="020B0800000000000000" pitchFamily="34" charset="-127"/>
+              </a:rPr>
+              <a:t>사과 </a:t>
+            </a:r>
+            <a:r>
+              <a:rPr lang="en-US" altLang="ko-KR" sz="3200" b="1" dirty="0">
+                <a:solidFill>
+                  <a:schemeClr val="tx1"/>
+                </a:solidFill>
+                <a:latin typeface="HGHangle" panose="020B0800000000000000" pitchFamily="34" charset="-127"/>
+                <a:ea typeface="HGHangle" panose="020B0800000000000000" pitchFamily="34" charset="-127"/>
+              </a:rPr>
+              <a:t>3</a:t>
+            </a:r>
+            <a:r>
+              <a:rPr lang="ko-KR" altLang="en-US" sz="3200" b="1" dirty="0">
+                <a:solidFill>
+                  <a:schemeClr val="tx1"/>
+                </a:solidFill>
+                <a:latin typeface="HGHangle" panose="020B0800000000000000" pitchFamily="34" charset="-127"/>
+                <a:ea typeface="HGHangle" panose="020B0800000000000000" pitchFamily="34" charset="-127"/>
+              </a:rPr>
+              <a:t>개씩을 담을 </a:t>
+            </a:r>
+            <a:r>
+              <a:rPr lang="ko-KR" altLang="en-US" sz="3200" b="1" dirty="0" smtClean="0">
+                <a:solidFill>
+                  <a:schemeClr val="tx1"/>
+                </a:solidFill>
+                <a:latin typeface="HGHangle" panose="020B0800000000000000" pitchFamily="34" charset="-127"/>
+                <a:ea typeface="HGHangle" panose="020B0800000000000000" pitchFamily="34" charset="-127"/>
+              </a:rPr>
+              <a:t>경우</a:t>
+            </a:r>
+            <a:endParaRPr lang="en-US" altLang="ja-JP" sz="3200" b="1" dirty="0" smtClean="0">
+              <a:solidFill>
+                <a:schemeClr val="tx1"/>
+              </a:solidFill>
+              <a:latin typeface="HGHangle" panose="020B0800000000000000" pitchFamily="34" charset="-127"/>
+              <a:ea typeface="HGHangle" panose="020B0800000000000000" pitchFamily="34" charset="-127"/>
+            </a:endParaRPr>
+          </a:p>
+          <a:p>
+            <a:r>
+              <a:rPr lang="ja-JP" altLang="en-US" sz="3200" b="1" dirty="0">
+                <a:solidFill>
+                  <a:schemeClr val="tx1"/>
+                </a:solidFill>
+                <a:latin typeface="HGHangle" panose="020B0800000000000000" pitchFamily="34" charset="-127"/>
+                <a:ea typeface="HGHangle" panose="020B0800000000000000" pitchFamily="34" charset="-127"/>
+              </a:rPr>
+              <a:t> </a:t>
+            </a:r>
+            <a:r>
+              <a:rPr lang="ko-KR" altLang="ja-JP" sz="3200" b="1" dirty="0" smtClean="0">
+                <a:solidFill>
+                  <a:schemeClr val="tx1"/>
+                </a:solidFill>
+                <a:latin typeface="HGHangle" panose="020B0800000000000000" pitchFamily="34" charset="-127"/>
+                <a:ea typeface="HGHangle" panose="020B0800000000000000" pitchFamily="34" charset="-127"/>
+              </a:rPr>
+              <a:t>사과가 </a:t>
+            </a:r>
+            <a:r>
+              <a:rPr lang="ko-KR" altLang="ja-JP" sz="3200" b="1" dirty="0">
+                <a:solidFill>
+                  <a:schemeClr val="tx1"/>
+                </a:solidFill>
+                <a:latin typeface="HGHangle" panose="020B0800000000000000" pitchFamily="34" charset="-127"/>
+                <a:ea typeface="HGHangle" panose="020B0800000000000000" pitchFamily="34" charset="-127"/>
+              </a:rPr>
+              <a:t>모두 몇개 있을까요</a:t>
+            </a:r>
+            <a:r>
+              <a:rPr lang="en-US" altLang="ja-JP" sz="3200" b="1" dirty="0">
+                <a:solidFill>
+                  <a:schemeClr val="tx1"/>
+                </a:solidFill>
+                <a:latin typeface="HGHangle" panose="020B0800000000000000" pitchFamily="34" charset="-127"/>
+                <a:ea typeface="HGHangle" panose="020B0800000000000000" pitchFamily="34" charset="-127"/>
+              </a:rPr>
+              <a:t>?</a:t>
+            </a:r>
+            <a:endParaRPr lang="ja-JP" altLang="en-US" sz="3200" b="1" dirty="0">
+              <a:solidFill>
+                <a:schemeClr val="tx1"/>
+              </a:solidFill>
+              <a:latin typeface="HGHangle" panose="020B0800000000000000" pitchFamily="34" charset="-127"/>
+              <a:ea typeface="Gungsuh" panose="02030600000101010101" pitchFamily="18" charset="-127"/>
+            </a:endParaRPr>
+          </a:p>
+        </p:txBody>
+      </p:sp>
+      <p:sp>
+        <p:nvSpPr>
+          <p:cNvPr id="17" name="テキスト ボックス 16"/>
+          <p:cNvSpPr txBox="1"/>
+          <p:nvPr/>
+        </p:nvSpPr>
+        <p:spPr>
+          <a:xfrm>
+            <a:off x="7905715" y="87015"/>
+            <a:ext cx="798617" cy="461665"/>
+          </a:xfrm>
+          <a:prstGeom prst="rect">
+            <a:avLst/>
+          </a:prstGeom>
+          <a:noFill/>
+        </p:spPr>
+        <p:txBody>
+          <a:bodyPr wrap="none" rtlCol="0">
+            <a:spAutoFit/>
+          </a:bodyPr>
+          <a:lstStyle/>
+          <a:p>
+            <a:pPr algn="r"/>
+            <a:r>
+              <a:rPr lang="en-US" altLang="ja-JP" sz="2400" b="1" dirty="0">
+                <a:solidFill>
+                  <a:prstClr val="black"/>
+                </a:solidFill>
+                <a:latin typeface="HGHangle" panose="020B0800000000000000" pitchFamily="34" charset="-127"/>
+                <a:ea typeface="HGS創英角ﾎﾟｯﾌﾟ体" pitchFamily="50" charset="-128"/>
+              </a:rPr>
+              <a:t>2</a:t>
+            </a:r>
+            <a:r>
+              <a:rPr lang="en-US" altLang="ja-JP" sz="2400" b="1" dirty="0" smtClean="0">
+                <a:solidFill>
+                  <a:prstClr val="black"/>
+                </a:solidFill>
+                <a:latin typeface="HGHangle" panose="020B0800000000000000" pitchFamily="34" charset="-127"/>
+                <a:ea typeface="HGS創英角ﾎﾟｯﾌﾟ体" pitchFamily="50" charset="-128"/>
+              </a:rPr>
+              <a:t> / 6</a:t>
+            </a:r>
+            <a:endParaRPr lang="ja-JP" altLang="en-US" sz="2400" b="1" dirty="0">
+              <a:solidFill>
+                <a:prstClr val="black"/>
+              </a:solidFill>
+              <a:latin typeface="HGHangle" panose="020B0800000000000000" pitchFamily="34" charset="-127"/>
+              <a:ea typeface="HGS創英角ﾎﾟｯﾌﾟ体" pitchFamily="50" charset="-128"/>
+            </a:endParaRPr>
+          </a:p>
+        </p:txBody>
+      </p:sp>
+    </p:spTree>
+    <p:extLst>
+      <p:ext uri="{BB962C8B-B14F-4D97-AF65-F5344CB8AC3E}">
+        <p14:creationId xmlns:p14="http://schemas.microsoft.com/office/powerpoint/2010/main" val="1128364843"/>
+      </p:ext>
+    </p:extLst>
+  </p:cSld>
+  <p:clrMapOvr>
+    <a:masterClrMapping/>
+  </p:clrMapOvr>
+  <p:timing>
+    <p:tnLst>
+      <p:par>
+        <p:cTn id="1" dur="indefinite" restart="never" nodeType="tmRoot"/>
+      </p:par>
+    </p:tnLst>
+  </p:timing>
+</p:sld>
+</file>
+
+<file path=ppt/slides/slide17.xml><?xml version="1.0" encoding="utf-8"?>
+<p:sld xmlns:a="http://schemas.openxmlformats.org/drawingml/2006/main" xmlns:r="http://schemas.openxmlformats.org/officeDocument/2006/relationships" xmlns:p="http://schemas.openxmlformats.org/presentationml/2006/main">
+  <p:cSld>
+    <p:spTree>
+      <p:nvGrpSpPr>
+        <p:cNvPr id="1" name=""/>
+        <p:cNvGrpSpPr/>
+        <p:nvPr/>
+      </p:nvGrpSpPr>
+      <p:grpSpPr>
+        <a:xfrm>
+          <a:off x="0" y="0"/>
+          <a:ext cx="0" cy="0"/>
+          <a:chOff x="0" y="0"/>
+          <a:chExt cx="0" cy="0"/>
+        </a:xfrm>
+      </p:grpSpPr>
+      <p:sp>
+        <p:nvSpPr>
+          <p:cNvPr id="26" name="円/楕円 25"/>
+          <p:cNvSpPr/>
+          <p:nvPr/>
+        </p:nvSpPr>
+        <p:spPr>
+          <a:xfrm>
+            <a:off x="474716" y="3793232"/>
+            <a:ext cx="2376264" cy="1008112"/>
+          </a:xfrm>
+          <a:prstGeom prst="ellipse">
+            <a:avLst/>
+          </a:prstGeom>
+          <a:solidFill>
+            <a:schemeClr val="bg1"/>
+          </a:solidFill>
+          <a:ln w="38100">
+            <a:solidFill>
+              <a:schemeClr val="tx1"/>
+            </a:solidFill>
+          </a:ln>
+        </p:spPr>
+        <p:style>
+          <a:lnRef idx="2">
+            <a:schemeClr val="accent1">
+              <a:shade val="50000"/>
+            </a:schemeClr>
+          </a:lnRef>
+          <a:fillRef idx="1">
+            <a:schemeClr val="accent1"/>
+          </a:fillRef>
+          <a:effectRef idx="0">
+            <a:schemeClr val="accent1"/>
+          </a:effectRef>
+          <a:fontRef idx="minor">
+            <a:schemeClr val="lt1"/>
+          </a:fontRef>
+        </p:style>
+        <p:txBody>
+          <a:bodyPr rtlCol="0" anchor="ctr"/>
+          <a:lstStyle/>
+          <a:p>
+            <a:pPr algn="ctr"/>
+            <a:endParaRPr lang="ja-JP" altLang="en-US">
+              <a:solidFill>
+                <a:prstClr val="white"/>
+              </a:solidFill>
+            </a:endParaRPr>
+          </a:p>
+        </p:txBody>
+      </p:sp>
+      <p:sp>
+        <p:nvSpPr>
+          <p:cNvPr id="27" name="円/楕円 26"/>
+          <p:cNvSpPr/>
+          <p:nvPr/>
+        </p:nvSpPr>
+        <p:spPr>
+          <a:xfrm>
+            <a:off x="6300192" y="3793232"/>
+            <a:ext cx="2376264" cy="1008112"/>
+          </a:xfrm>
+          <a:prstGeom prst="ellipse">
+            <a:avLst/>
+          </a:prstGeom>
+          <a:solidFill>
+            <a:schemeClr val="bg1"/>
+          </a:solidFill>
+          <a:ln w="38100">
+            <a:solidFill>
+              <a:schemeClr val="tx1"/>
+            </a:solidFill>
+          </a:ln>
+        </p:spPr>
+        <p:style>
+          <a:lnRef idx="2">
+            <a:schemeClr val="accent1">
+              <a:shade val="50000"/>
+            </a:schemeClr>
+          </a:lnRef>
+          <a:fillRef idx="1">
+            <a:schemeClr val="accent1"/>
+          </a:fillRef>
+          <a:effectRef idx="0">
+            <a:schemeClr val="accent1"/>
+          </a:effectRef>
+          <a:fontRef idx="minor">
+            <a:schemeClr val="lt1"/>
+          </a:fontRef>
+        </p:style>
+        <p:txBody>
+          <a:bodyPr rtlCol="0" anchor="ctr"/>
+          <a:lstStyle/>
+          <a:p>
+            <a:pPr algn="ctr"/>
+            <a:endParaRPr lang="ja-JP" altLang="en-US">
+              <a:solidFill>
+                <a:prstClr val="white"/>
+              </a:solidFill>
+            </a:endParaRPr>
+          </a:p>
+        </p:txBody>
+      </p:sp>
+      <p:sp>
+        <p:nvSpPr>
+          <p:cNvPr id="28" name="円/楕円 27"/>
+          <p:cNvSpPr/>
+          <p:nvPr/>
+        </p:nvSpPr>
+        <p:spPr>
+          <a:xfrm>
+            <a:off x="3383868" y="3793232"/>
+            <a:ext cx="2376264" cy="1008112"/>
+          </a:xfrm>
+          <a:prstGeom prst="ellipse">
+            <a:avLst/>
+          </a:prstGeom>
+          <a:solidFill>
+            <a:schemeClr val="bg1"/>
+          </a:solidFill>
+          <a:ln w="38100">
+            <a:solidFill>
+              <a:schemeClr val="tx1"/>
+            </a:solidFill>
+          </a:ln>
+        </p:spPr>
+        <p:style>
+          <a:lnRef idx="2">
+            <a:schemeClr val="accent1">
+              <a:shade val="50000"/>
+            </a:schemeClr>
+          </a:lnRef>
+          <a:fillRef idx="1">
+            <a:schemeClr val="accent1"/>
+          </a:fillRef>
+          <a:effectRef idx="0">
+            <a:schemeClr val="accent1"/>
+          </a:effectRef>
+          <a:fontRef idx="minor">
+            <a:schemeClr val="lt1"/>
+          </a:fontRef>
+        </p:style>
+        <p:txBody>
+          <a:bodyPr rtlCol="0" anchor="ctr"/>
+          <a:lstStyle/>
+          <a:p>
+            <a:pPr algn="ctr"/>
+            <a:endParaRPr lang="ja-JP" altLang="en-US">
+              <a:solidFill>
+                <a:prstClr val="white"/>
+              </a:solidFill>
+            </a:endParaRPr>
+          </a:p>
+        </p:txBody>
+      </p:sp>
+      <p:sp>
+        <p:nvSpPr>
+          <p:cNvPr id="29" name="円/楕円 28"/>
+          <p:cNvSpPr/>
+          <p:nvPr/>
+        </p:nvSpPr>
+        <p:spPr>
+          <a:xfrm>
+            <a:off x="1950880" y="5445224"/>
+            <a:ext cx="2376264" cy="1008112"/>
+          </a:xfrm>
+          <a:prstGeom prst="ellipse">
+            <a:avLst/>
+          </a:prstGeom>
+          <a:solidFill>
+            <a:schemeClr val="bg1"/>
+          </a:solidFill>
+          <a:ln w="38100">
+            <a:solidFill>
+              <a:schemeClr val="tx1"/>
+            </a:solidFill>
+          </a:ln>
+        </p:spPr>
+        <p:style>
+          <a:lnRef idx="2">
+            <a:schemeClr val="accent1">
+              <a:shade val="50000"/>
+            </a:schemeClr>
+          </a:lnRef>
+          <a:fillRef idx="1">
+            <a:schemeClr val="accent1"/>
+          </a:fillRef>
+          <a:effectRef idx="0">
+            <a:schemeClr val="accent1"/>
+          </a:effectRef>
+          <a:fontRef idx="minor">
+            <a:schemeClr val="lt1"/>
+          </a:fontRef>
+        </p:style>
+        <p:txBody>
+          <a:bodyPr rtlCol="0" anchor="ctr"/>
+          <a:lstStyle/>
+          <a:p>
+            <a:pPr algn="ctr"/>
+            <a:endParaRPr lang="ja-JP" altLang="en-US">
+              <a:solidFill>
+                <a:prstClr val="white"/>
+              </a:solidFill>
+            </a:endParaRPr>
+          </a:p>
+        </p:txBody>
+      </p:sp>
+      <p:sp>
+        <p:nvSpPr>
+          <p:cNvPr id="32" name="円/楕円 31"/>
+          <p:cNvSpPr/>
+          <p:nvPr/>
+        </p:nvSpPr>
+        <p:spPr>
+          <a:xfrm>
+            <a:off x="4860032" y="5445224"/>
+            <a:ext cx="2376264" cy="1008112"/>
+          </a:xfrm>
+          <a:prstGeom prst="ellipse">
+            <a:avLst/>
+          </a:prstGeom>
+          <a:solidFill>
+            <a:schemeClr val="bg1"/>
+          </a:solidFill>
+          <a:ln w="38100">
+            <a:solidFill>
+              <a:schemeClr val="tx1"/>
+            </a:solidFill>
+          </a:ln>
+        </p:spPr>
+        <p:style>
+          <a:lnRef idx="2">
+            <a:schemeClr val="accent1">
+              <a:shade val="50000"/>
+            </a:schemeClr>
+          </a:lnRef>
+          <a:fillRef idx="1">
+            <a:schemeClr val="accent1"/>
+          </a:fillRef>
+          <a:effectRef idx="0">
+            <a:schemeClr val="accent1"/>
+          </a:effectRef>
+          <a:fontRef idx="minor">
+            <a:schemeClr val="lt1"/>
+          </a:fontRef>
+        </p:style>
+        <p:txBody>
+          <a:bodyPr rtlCol="0" anchor="ctr"/>
+          <a:lstStyle/>
+          <a:p>
+            <a:pPr algn="ctr"/>
+            <a:endParaRPr lang="ja-JP" altLang="en-US">
+              <a:solidFill>
+                <a:prstClr val="white"/>
+              </a:solidFill>
+            </a:endParaRPr>
+          </a:p>
+        </p:txBody>
+      </p:sp>
+      <p:grpSp>
+        <p:nvGrpSpPr>
+          <p:cNvPr id="35" name="グループ化 34"/>
+          <p:cNvGrpSpPr/>
+          <p:nvPr/>
+        </p:nvGrpSpPr>
+        <p:grpSpPr>
+          <a:xfrm>
+            <a:off x="699124" y="3649216"/>
+            <a:ext cx="632516" cy="812496"/>
+            <a:chOff x="843244" y="4960956"/>
+            <a:chExt cx="632516" cy="812496"/>
+          </a:xfrm>
+        </p:grpSpPr>
+        <p:sp>
+          <p:nvSpPr>
+            <p:cNvPr id="45" name="円/楕円 44"/>
+            <p:cNvSpPr/>
+            <p:nvPr/>
+          </p:nvSpPr>
+          <p:spPr>
+            <a:xfrm>
+              <a:off x="843244" y="5116996"/>
+              <a:ext cx="632516" cy="656456"/>
+            </a:xfrm>
+            <a:prstGeom prst="ellipse">
+              <a:avLst/>
+            </a:prstGeom>
+            <a:solidFill>
+              <a:srgbClr val="FF0000"/>
+            </a:solidFill>
+            <a:ln w="19050">
+              <a:noFill/>
+            </a:ln>
+          </p:spPr>
+          <p:style>
+            <a:lnRef idx="2">
+              <a:schemeClr val="accent1">
+                <a:shade val="50000"/>
+              </a:schemeClr>
+            </a:lnRef>
+            <a:fillRef idx="1">
+              <a:schemeClr val="accent1"/>
+            </a:fillRef>
+            <a:effectRef idx="0">
+              <a:schemeClr val="accent1"/>
+            </a:effectRef>
+            <a:fontRef idx="minor">
+              <a:schemeClr val="lt1"/>
+            </a:fontRef>
+          </p:style>
+          <p:txBody>
+            <a:bodyPr rtlCol="0" anchor="ctr"/>
+            <a:lstStyle/>
+            <a:p>
+              <a:pPr algn="ctr"/>
+              <a:endParaRPr lang="ja-JP" altLang="en-US">
+                <a:solidFill>
+                  <a:prstClr val="white"/>
+                </a:solidFill>
+              </a:endParaRPr>
+            </a:p>
+          </p:txBody>
+        </p:sp>
+        <p:cxnSp>
+          <p:nvCxnSpPr>
+            <p:cNvPr id="46" name="直線コネクタ 45"/>
+            <p:cNvCxnSpPr/>
+            <p:nvPr/>
+          </p:nvCxnSpPr>
+          <p:spPr>
+            <a:xfrm>
+              <a:off x="1159502" y="4960956"/>
+              <a:ext cx="0" cy="288032"/>
+            </a:xfrm>
+            <a:prstGeom prst="line">
+              <a:avLst/>
+            </a:prstGeom>
+            <a:ln w="50800">
+              <a:solidFill>
+                <a:schemeClr val="tx1"/>
+              </a:solidFill>
+            </a:ln>
+          </p:spPr>
+          <p:style>
+            <a:lnRef idx="1">
+              <a:schemeClr val="accent1"/>
+            </a:lnRef>
+            <a:fillRef idx="0">
+              <a:schemeClr val="accent1"/>
+            </a:fillRef>
+            <a:effectRef idx="0">
+              <a:schemeClr val="accent1"/>
+            </a:effectRef>
+            <a:fontRef idx="minor">
+              <a:schemeClr val="tx1"/>
+            </a:fontRef>
+          </p:style>
+        </p:cxnSp>
+      </p:grpSp>
+      <p:grpSp>
+        <p:nvGrpSpPr>
+          <p:cNvPr id="48" name="グループ化 47"/>
+          <p:cNvGrpSpPr/>
+          <p:nvPr/>
+        </p:nvGrpSpPr>
+        <p:grpSpPr>
+          <a:xfrm>
+            <a:off x="3615751" y="3649216"/>
+            <a:ext cx="632516" cy="812496"/>
+            <a:chOff x="843244" y="4960956"/>
+            <a:chExt cx="632516" cy="812496"/>
+          </a:xfrm>
+        </p:grpSpPr>
+        <p:sp>
+          <p:nvSpPr>
+            <p:cNvPr id="58" name="円/楕円 57"/>
+            <p:cNvSpPr/>
+            <p:nvPr/>
+          </p:nvSpPr>
+          <p:spPr>
+            <a:xfrm>
+              <a:off x="843244" y="5116996"/>
+              <a:ext cx="632516" cy="656456"/>
+            </a:xfrm>
+            <a:prstGeom prst="ellipse">
+              <a:avLst/>
+            </a:prstGeom>
+            <a:solidFill>
+              <a:srgbClr val="FF0000"/>
+            </a:solidFill>
+            <a:ln w="19050">
+              <a:noFill/>
+            </a:ln>
+          </p:spPr>
+          <p:style>
+            <a:lnRef idx="2">
+              <a:schemeClr val="accent1">
+                <a:shade val="50000"/>
+              </a:schemeClr>
+            </a:lnRef>
+            <a:fillRef idx="1">
+              <a:schemeClr val="accent1"/>
+            </a:fillRef>
+            <a:effectRef idx="0">
+              <a:schemeClr val="accent1"/>
+            </a:effectRef>
+            <a:fontRef idx="minor">
+              <a:schemeClr val="lt1"/>
+            </a:fontRef>
+          </p:style>
+          <p:txBody>
+            <a:bodyPr rtlCol="0" anchor="ctr"/>
+            <a:lstStyle/>
+            <a:p>
+              <a:pPr algn="ctr"/>
+              <a:endParaRPr lang="ja-JP" altLang="en-US">
+                <a:solidFill>
+                  <a:prstClr val="white"/>
+                </a:solidFill>
+              </a:endParaRPr>
+            </a:p>
+          </p:txBody>
+        </p:sp>
+        <p:cxnSp>
+          <p:nvCxnSpPr>
+            <p:cNvPr id="59" name="直線コネクタ 58"/>
+            <p:cNvCxnSpPr/>
+            <p:nvPr/>
+          </p:nvCxnSpPr>
+          <p:spPr>
+            <a:xfrm>
+              <a:off x="1159502" y="4960956"/>
+              <a:ext cx="0" cy="288032"/>
+            </a:xfrm>
+            <a:prstGeom prst="line">
+              <a:avLst/>
+            </a:prstGeom>
+            <a:ln w="50800">
+              <a:solidFill>
+                <a:schemeClr val="tx1"/>
+              </a:solidFill>
+            </a:ln>
+          </p:spPr>
+          <p:style>
+            <a:lnRef idx="1">
+              <a:schemeClr val="accent1"/>
+            </a:lnRef>
+            <a:fillRef idx="0">
+              <a:schemeClr val="accent1"/>
+            </a:fillRef>
+            <a:effectRef idx="0">
+              <a:schemeClr val="accent1"/>
+            </a:effectRef>
+            <a:fontRef idx="minor">
+              <a:schemeClr val="tx1"/>
+            </a:fontRef>
+          </p:style>
+        </p:cxnSp>
+      </p:grpSp>
+      <p:grpSp>
+        <p:nvGrpSpPr>
+          <p:cNvPr id="63" name="グループ化 62"/>
+          <p:cNvGrpSpPr/>
+          <p:nvPr/>
+        </p:nvGrpSpPr>
+        <p:grpSpPr>
+          <a:xfrm>
+            <a:off x="6532075" y="3593424"/>
+            <a:ext cx="632516" cy="812496"/>
+            <a:chOff x="843244" y="4960956"/>
+            <a:chExt cx="632516" cy="812496"/>
+          </a:xfrm>
+        </p:grpSpPr>
+        <p:sp>
+          <p:nvSpPr>
+            <p:cNvPr id="70" name="円/楕円 69"/>
+            <p:cNvSpPr/>
+            <p:nvPr/>
+          </p:nvSpPr>
+          <p:spPr>
+            <a:xfrm>
+              <a:off x="843244" y="5116996"/>
+              <a:ext cx="632516" cy="656456"/>
+            </a:xfrm>
+            <a:prstGeom prst="ellipse">
+              <a:avLst/>
+            </a:prstGeom>
+            <a:solidFill>
+              <a:srgbClr val="FF0000"/>
+            </a:solidFill>
+            <a:ln w="19050">
+              <a:noFill/>
+            </a:ln>
+          </p:spPr>
+          <p:style>
+            <a:lnRef idx="2">
+              <a:schemeClr val="accent1">
+                <a:shade val="50000"/>
+              </a:schemeClr>
+            </a:lnRef>
+            <a:fillRef idx="1">
+              <a:schemeClr val="accent1"/>
+            </a:fillRef>
+            <a:effectRef idx="0">
+              <a:schemeClr val="accent1"/>
+            </a:effectRef>
+            <a:fontRef idx="minor">
+              <a:schemeClr val="lt1"/>
+            </a:fontRef>
+          </p:style>
+          <p:txBody>
+            <a:bodyPr rtlCol="0" anchor="ctr"/>
+            <a:lstStyle/>
+            <a:p>
+              <a:pPr algn="ctr"/>
+              <a:endParaRPr lang="ja-JP" altLang="en-US">
+                <a:solidFill>
+                  <a:prstClr val="white"/>
+                </a:solidFill>
+              </a:endParaRPr>
+            </a:p>
+          </p:txBody>
+        </p:sp>
+        <p:cxnSp>
+          <p:nvCxnSpPr>
+            <p:cNvPr id="71" name="直線コネクタ 70"/>
+            <p:cNvCxnSpPr/>
+            <p:nvPr/>
+          </p:nvCxnSpPr>
+          <p:spPr>
+            <a:xfrm>
+              <a:off x="1159502" y="4960956"/>
+              <a:ext cx="0" cy="288032"/>
+            </a:xfrm>
+            <a:prstGeom prst="line">
+              <a:avLst/>
+            </a:prstGeom>
+            <a:ln w="50800">
+              <a:solidFill>
+                <a:schemeClr val="tx1"/>
+              </a:solidFill>
+            </a:ln>
+          </p:spPr>
+          <p:style>
+            <a:lnRef idx="1">
+              <a:schemeClr val="accent1"/>
+            </a:lnRef>
+            <a:fillRef idx="0">
+              <a:schemeClr val="accent1"/>
+            </a:fillRef>
+            <a:effectRef idx="0">
+              <a:schemeClr val="accent1"/>
+            </a:effectRef>
+            <a:fontRef idx="minor">
+              <a:schemeClr val="tx1"/>
+            </a:fontRef>
+          </p:style>
+        </p:cxnSp>
+      </p:grpSp>
+      <p:grpSp>
+        <p:nvGrpSpPr>
+          <p:cNvPr id="73" name="グループ化 72"/>
+          <p:cNvGrpSpPr/>
+          <p:nvPr/>
+        </p:nvGrpSpPr>
+        <p:grpSpPr>
+          <a:xfrm>
+            <a:off x="2182763" y="5249608"/>
+            <a:ext cx="632516" cy="812496"/>
+            <a:chOff x="843244" y="4960956"/>
+            <a:chExt cx="632516" cy="812496"/>
+          </a:xfrm>
+        </p:grpSpPr>
+        <p:sp>
+          <p:nvSpPr>
+            <p:cNvPr id="80" name="円/楕円 79"/>
+            <p:cNvSpPr/>
+            <p:nvPr/>
+          </p:nvSpPr>
+          <p:spPr>
+            <a:xfrm>
+              <a:off x="843244" y="5116996"/>
+              <a:ext cx="632516" cy="656456"/>
+            </a:xfrm>
+            <a:prstGeom prst="ellipse">
+              <a:avLst/>
+            </a:prstGeom>
+            <a:solidFill>
+              <a:srgbClr val="FF0000"/>
+            </a:solidFill>
+            <a:ln w="19050">
+              <a:noFill/>
+            </a:ln>
+          </p:spPr>
+          <p:style>
+            <a:lnRef idx="2">
+              <a:schemeClr val="accent1">
+                <a:shade val="50000"/>
+              </a:schemeClr>
+            </a:lnRef>
+            <a:fillRef idx="1">
+              <a:schemeClr val="accent1"/>
+            </a:fillRef>
+            <a:effectRef idx="0">
+              <a:schemeClr val="accent1"/>
+            </a:effectRef>
+            <a:fontRef idx="minor">
+              <a:schemeClr val="lt1"/>
+            </a:fontRef>
+          </p:style>
+          <p:txBody>
+            <a:bodyPr rtlCol="0" anchor="ctr"/>
+            <a:lstStyle/>
+            <a:p>
+              <a:pPr algn="ctr"/>
+              <a:endParaRPr lang="ja-JP" altLang="en-US">
+                <a:solidFill>
+                  <a:prstClr val="white"/>
+                </a:solidFill>
+              </a:endParaRPr>
+            </a:p>
+          </p:txBody>
+        </p:sp>
+        <p:cxnSp>
+          <p:nvCxnSpPr>
+            <p:cNvPr id="81" name="直線コネクタ 80"/>
+            <p:cNvCxnSpPr/>
+            <p:nvPr/>
+          </p:nvCxnSpPr>
+          <p:spPr>
+            <a:xfrm>
+              <a:off x="1159502" y="4960956"/>
+              <a:ext cx="0" cy="288032"/>
+            </a:xfrm>
+            <a:prstGeom prst="line">
+              <a:avLst/>
+            </a:prstGeom>
+            <a:ln w="50800">
+              <a:solidFill>
+                <a:schemeClr val="tx1"/>
+              </a:solidFill>
+            </a:ln>
+          </p:spPr>
+          <p:style>
+            <a:lnRef idx="1">
+              <a:schemeClr val="accent1"/>
+            </a:lnRef>
+            <a:fillRef idx="0">
+              <a:schemeClr val="accent1"/>
+            </a:fillRef>
+            <a:effectRef idx="0">
+              <a:schemeClr val="accent1"/>
+            </a:effectRef>
+            <a:fontRef idx="minor">
+              <a:schemeClr val="tx1"/>
+            </a:fontRef>
+          </p:style>
+        </p:cxnSp>
+      </p:grpSp>
+      <p:grpSp>
+        <p:nvGrpSpPr>
+          <p:cNvPr id="83" name="グループ化 82"/>
+          <p:cNvGrpSpPr/>
+          <p:nvPr/>
+        </p:nvGrpSpPr>
+        <p:grpSpPr>
+          <a:xfrm>
+            <a:off x="5091915" y="5285612"/>
+            <a:ext cx="632516" cy="812496"/>
+            <a:chOff x="843244" y="4960956"/>
+            <a:chExt cx="632516" cy="812496"/>
+          </a:xfrm>
+        </p:grpSpPr>
+        <p:sp>
+          <p:nvSpPr>
+            <p:cNvPr id="90" name="円/楕円 89"/>
+            <p:cNvSpPr/>
+            <p:nvPr/>
+          </p:nvSpPr>
+          <p:spPr>
+            <a:xfrm>
+              <a:off x="843244" y="5116996"/>
+              <a:ext cx="632516" cy="656456"/>
+            </a:xfrm>
+            <a:prstGeom prst="ellipse">
+              <a:avLst/>
+            </a:prstGeom>
+            <a:solidFill>
+              <a:srgbClr val="FF0000"/>
+            </a:solidFill>
+            <a:ln w="19050">
+              <a:noFill/>
+            </a:ln>
+          </p:spPr>
+          <p:style>
+            <a:lnRef idx="2">
+              <a:schemeClr val="accent1">
+                <a:shade val="50000"/>
+              </a:schemeClr>
+            </a:lnRef>
+            <a:fillRef idx="1">
+              <a:schemeClr val="accent1"/>
+            </a:fillRef>
+            <a:effectRef idx="0">
+              <a:schemeClr val="accent1"/>
+            </a:effectRef>
+            <a:fontRef idx="minor">
+              <a:schemeClr val="lt1"/>
+            </a:fontRef>
+          </p:style>
+          <p:txBody>
+            <a:bodyPr rtlCol="0" anchor="ctr"/>
+            <a:lstStyle/>
+            <a:p>
+              <a:pPr algn="ctr"/>
+              <a:endParaRPr lang="ja-JP" altLang="en-US">
+                <a:solidFill>
+                  <a:prstClr val="white"/>
+                </a:solidFill>
+              </a:endParaRPr>
+            </a:p>
+          </p:txBody>
+        </p:sp>
+        <p:cxnSp>
+          <p:nvCxnSpPr>
+            <p:cNvPr id="91" name="直線コネクタ 90"/>
+            <p:cNvCxnSpPr/>
+            <p:nvPr/>
+          </p:nvCxnSpPr>
+          <p:spPr>
+            <a:xfrm>
+              <a:off x="1159502" y="4960956"/>
+              <a:ext cx="0" cy="288032"/>
+            </a:xfrm>
+            <a:prstGeom prst="line">
+              <a:avLst/>
+            </a:prstGeom>
+            <a:ln w="50800">
+              <a:solidFill>
+                <a:schemeClr val="tx1"/>
+              </a:solidFill>
+            </a:ln>
+          </p:spPr>
+          <p:style>
+            <a:lnRef idx="1">
+              <a:schemeClr val="accent1"/>
+            </a:lnRef>
+            <a:fillRef idx="0">
+              <a:schemeClr val="accent1"/>
+            </a:fillRef>
+            <a:effectRef idx="0">
+              <a:schemeClr val="accent1"/>
+            </a:effectRef>
+            <a:fontRef idx="minor">
+              <a:schemeClr val="tx1"/>
+            </a:fontRef>
+          </p:style>
+        </p:cxnSp>
+      </p:grpSp>
+      <p:sp>
+        <p:nvSpPr>
+          <p:cNvPr id="30" name="正方形/長方形 29"/>
+          <p:cNvSpPr/>
+          <p:nvPr/>
+        </p:nvSpPr>
+        <p:spPr>
+          <a:xfrm>
+            <a:off x="467544" y="548680"/>
+            <a:ext cx="8208912" cy="1944216"/>
+          </a:xfrm>
+          <a:prstGeom prst="rect">
+            <a:avLst/>
+          </a:prstGeom>
+          <a:solidFill>
+            <a:schemeClr val="accent6">
+              <a:lumMod val="20000"/>
+              <a:lumOff val="80000"/>
+            </a:schemeClr>
+          </a:solidFill>
+          <a:ln>
+            <a:solidFill>
+              <a:schemeClr val="accent6">
+                <a:lumMod val="60000"/>
+                <a:lumOff val="40000"/>
+              </a:schemeClr>
+            </a:solidFill>
+          </a:ln>
+        </p:spPr>
+        <p:style>
+          <a:lnRef idx="2">
+            <a:schemeClr val="accent1">
+              <a:shade val="50000"/>
+            </a:schemeClr>
+          </a:lnRef>
+          <a:fillRef idx="1">
+            <a:schemeClr val="accent1"/>
+          </a:fillRef>
+          <a:effectRef idx="0">
+            <a:schemeClr val="accent1"/>
+          </a:effectRef>
+          <a:fontRef idx="minor">
+            <a:schemeClr val="lt1"/>
+          </a:fontRef>
+        </p:style>
+        <p:txBody>
+          <a:bodyPr rtlCol="0" anchor="ctr"/>
+          <a:lstStyle/>
+          <a:p>
+            <a:r>
+              <a:rPr lang="ja-JP" altLang="en-US" sz="3200" b="1" dirty="0">
+                <a:solidFill>
+                  <a:schemeClr val="tx1"/>
+                </a:solidFill>
+                <a:latin typeface="HGHangle" panose="020B0800000000000000" pitchFamily="34" charset="-127"/>
+                <a:ea typeface="HGHangle" panose="020B0800000000000000" pitchFamily="34" charset="-127"/>
+              </a:rPr>
+              <a:t> </a:t>
+            </a:r>
+            <a:r>
+              <a:rPr lang="ko-KR" altLang="ja-JP" sz="3200" b="1" dirty="0" smtClean="0">
+                <a:solidFill>
+                  <a:schemeClr val="tx1"/>
+                </a:solidFill>
+                <a:latin typeface="HGHangle" panose="020B0800000000000000" pitchFamily="34" charset="-127"/>
+                <a:ea typeface="HGHangle" panose="020B0800000000000000" pitchFamily="34" charset="-127"/>
+              </a:rPr>
+              <a:t>접시가</a:t>
+            </a:r>
+            <a:r>
+              <a:rPr lang="en-US" altLang="ja-JP" sz="3200" b="1" dirty="0" smtClean="0">
+                <a:solidFill>
+                  <a:schemeClr val="tx1"/>
+                </a:solidFill>
+                <a:latin typeface="HGHangle" panose="020B0800000000000000" pitchFamily="34" charset="-127"/>
+                <a:ea typeface="HGHangle" panose="020B0800000000000000" pitchFamily="34" charset="-127"/>
+              </a:rPr>
+              <a:t> </a:t>
+            </a:r>
+            <a:r>
+              <a:rPr lang="en-US" altLang="ja-JP" sz="3200" b="1" dirty="0">
+                <a:solidFill>
+                  <a:schemeClr val="tx1"/>
+                </a:solidFill>
+                <a:latin typeface="HGHangle" panose="020B0800000000000000" pitchFamily="34" charset="-127"/>
+                <a:ea typeface="HGHangle" panose="020B0800000000000000" pitchFamily="34" charset="-127"/>
+              </a:rPr>
+              <a:t>5</a:t>
+            </a:r>
+            <a:r>
+              <a:rPr lang="ko-KR" altLang="ja-JP" sz="3200" b="1" dirty="0">
+                <a:solidFill>
+                  <a:schemeClr val="tx1"/>
+                </a:solidFill>
+                <a:latin typeface="HGHangle" panose="020B0800000000000000" pitchFamily="34" charset="-127"/>
+                <a:ea typeface="HGHangle" panose="020B0800000000000000" pitchFamily="34" charset="-127"/>
+              </a:rPr>
+              <a:t>장 있습니다</a:t>
+            </a:r>
+            <a:r>
+              <a:rPr lang="en-US" altLang="ja-JP" sz="3200" b="1" dirty="0" smtClean="0">
+                <a:solidFill>
+                  <a:schemeClr val="tx1"/>
+                </a:solidFill>
+                <a:latin typeface="HGHangle" panose="020B0800000000000000" pitchFamily="34" charset="-127"/>
+                <a:ea typeface="HGHangle" panose="020B0800000000000000" pitchFamily="34" charset="-127"/>
+              </a:rPr>
+              <a:t>.</a:t>
+            </a:r>
+          </a:p>
+          <a:p>
+            <a:r>
+              <a:rPr lang="ja-JP" altLang="en-US" sz="3200" b="1" dirty="0">
+                <a:solidFill>
+                  <a:srgbClr val="C00000"/>
+                </a:solidFill>
+                <a:latin typeface="HGHangle" panose="020B0800000000000000" pitchFamily="34" charset="-127"/>
+                <a:ea typeface="HGHangle" panose="020B0800000000000000" pitchFamily="34" charset="-127"/>
+              </a:rPr>
+              <a:t> </a:t>
+            </a:r>
+            <a:r>
+              <a:rPr lang="ko-KR" altLang="en-US" sz="3200" b="1" dirty="0" smtClean="0">
+                <a:solidFill>
+                  <a:srgbClr val="C00000"/>
+                </a:solidFill>
+                <a:latin typeface="HGHangle" panose="020B0800000000000000" pitchFamily="34" charset="-127"/>
+                <a:ea typeface="HGHangle" panose="020B0800000000000000" pitchFamily="34" charset="-127"/>
+              </a:rPr>
+              <a:t>한접시에 </a:t>
+            </a:r>
+            <a:r>
+              <a:rPr lang="ko-KR" altLang="en-US" sz="3200" b="1" dirty="0">
+                <a:solidFill>
+                  <a:srgbClr val="C00000"/>
+                </a:solidFill>
+                <a:latin typeface="HGHangle" panose="020B0800000000000000" pitchFamily="34" charset="-127"/>
+                <a:ea typeface="HGHangle" panose="020B0800000000000000" pitchFamily="34" charset="-127"/>
+              </a:rPr>
+              <a:t>사과 </a:t>
+            </a:r>
+            <a:r>
+              <a:rPr lang="en-US" altLang="ko-KR" sz="3200" b="1" dirty="0">
+                <a:solidFill>
+                  <a:srgbClr val="C00000"/>
+                </a:solidFill>
+                <a:latin typeface="HGHangle" panose="020B0800000000000000" pitchFamily="34" charset="-127"/>
+                <a:ea typeface="HGHangle" panose="020B0800000000000000" pitchFamily="34" charset="-127"/>
+              </a:rPr>
+              <a:t>3</a:t>
+            </a:r>
+            <a:r>
+              <a:rPr lang="ko-KR" altLang="en-US" sz="3200" b="1" dirty="0">
+                <a:solidFill>
+                  <a:srgbClr val="C00000"/>
+                </a:solidFill>
+                <a:latin typeface="HGHangle" panose="020B0800000000000000" pitchFamily="34" charset="-127"/>
+                <a:ea typeface="HGHangle" panose="020B0800000000000000" pitchFamily="34" charset="-127"/>
+              </a:rPr>
+              <a:t>개씩을 담을 </a:t>
+            </a:r>
+            <a:r>
+              <a:rPr lang="ko-KR" altLang="en-US" sz="3200" b="1" dirty="0" smtClean="0">
+                <a:solidFill>
+                  <a:srgbClr val="C00000"/>
+                </a:solidFill>
+                <a:latin typeface="HGHangle" panose="020B0800000000000000" pitchFamily="34" charset="-127"/>
+                <a:ea typeface="HGHangle" panose="020B0800000000000000" pitchFamily="34" charset="-127"/>
+              </a:rPr>
+              <a:t>경우</a:t>
+            </a:r>
+            <a:endParaRPr lang="en-US" altLang="ja-JP" sz="3200" b="1" dirty="0" smtClean="0">
+              <a:solidFill>
+                <a:srgbClr val="C00000"/>
+              </a:solidFill>
+              <a:latin typeface="HGHangle" panose="020B0800000000000000" pitchFamily="34" charset="-127"/>
+              <a:ea typeface="HGHangle" panose="020B0800000000000000" pitchFamily="34" charset="-127"/>
+            </a:endParaRPr>
+          </a:p>
+          <a:p>
+            <a:r>
+              <a:rPr lang="ja-JP" altLang="en-US" sz="3200" b="1" dirty="0">
+                <a:solidFill>
+                  <a:schemeClr val="tx1"/>
+                </a:solidFill>
+                <a:latin typeface="HGHangle" panose="020B0800000000000000" pitchFamily="34" charset="-127"/>
+                <a:ea typeface="HGHangle" panose="020B0800000000000000" pitchFamily="34" charset="-127"/>
+              </a:rPr>
+              <a:t> </a:t>
+            </a:r>
+            <a:r>
+              <a:rPr lang="ko-KR" altLang="ja-JP" sz="3200" b="1" dirty="0" smtClean="0">
+                <a:solidFill>
+                  <a:schemeClr val="tx1"/>
+                </a:solidFill>
+                <a:latin typeface="HGHangle" panose="020B0800000000000000" pitchFamily="34" charset="-127"/>
+                <a:ea typeface="HGHangle" panose="020B0800000000000000" pitchFamily="34" charset="-127"/>
+              </a:rPr>
+              <a:t>사과가 </a:t>
+            </a:r>
+            <a:r>
+              <a:rPr lang="ko-KR" altLang="ja-JP" sz="3200" b="1" dirty="0">
+                <a:solidFill>
+                  <a:schemeClr val="tx1"/>
+                </a:solidFill>
+                <a:latin typeface="HGHangle" panose="020B0800000000000000" pitchFamily="34" charset="-127"/>
+                <a:ea typeface="HGHangle" panose="020B0800000000000000" pitchFamily="34" charset="-127"/>
+              </a:rPr>
+              <a:t>모두 몇개 있을까요</a:t>
+            </a:r>
+            <a:r>
+              <a:rPr lang="en-US" altLang="ja-JP" sz="3200" b="1" dirty="0">
+                <a:solidFill>
+                  <a:schemeClr val="tx1"/>
+                </a:solidFill>
+                <a:latin typeface="HGHangle" panose="020B0800000000000000" pitchFamily="34" charset="-127"/>
+                <a:ea typeface="HGHangle" panose="020B0800000000000000" pitchFamily="34" charset="-127"/>
+              </a:rPr>
+              <a:t>?</a:t>
+            </a:r>
+            <a:endParaRPr lang="ja-JP" altLang="en-US" sz="3200" b="1" dirty="0">
+              <a:solidFill>
+                <a:schemeClr val="tx1"/>
+              </a:solidFill>
+              <a:latin typeface="HGHangle" panose="020B0800000000000000" pitchFamily="34" charset="-127"/>
+              <a:ea typeface="Gungsuh" panose="02030600000101010101" pitchFamily="18" charset="-127"/>
+            </a:endParaRPr>
+          </a:p>
+        </p:txBody>
+      </p:sp>
+      <p:sp>
+        <p:nvSpPr>
+          <p:cNvPr id="31" name="テキスト ボックス 30"/>
+          <p:cNvSpPr txBox="1"/>
+          <p:nvPr/>
+        </p:nvSpPr>
+        <p:spPr>
+          <a:xfrm>
+            <a:off x="2949814" y="2492896"/>
+            <a:ext cx="561372" cy="923330"/>
+          </a:xfrm>
+          <a:prstGeom prst="rect">
+            <a:avLst/>
+          </a:prstGeom>
+          <a:noFill/>
+        </p:spPr>
+        <p:txBody>
+          <a:bodyPr wrap="none" rtlCol="0">
+            <a:spAutoFit/>
+          </a:bodyPr>
+          <a:lstStyle/>
+          <a:p>
+            <a:r>
+              <a:rPr lang="en-US" altLang="ja-JP" sz="5400" b="1" dirty="0" smtClean="0">
+                <a:solidFill>
+                  <a:schemeClr val="tx2">
+                    <a:lumMod val="75000"/>
+                  </a:schemeClr>
+                </a:solidFill>
+                <a:latin typeface="HGHangle" panose="020B0800000000000000" pitchFamily="34" charset="-127"/>
+                <a:ea typeface="HGHangle" panose="020B0800000000000000" pitchFamily="34" charset="-127"/>
+              </a:rPr>
+              <a:t>5</a:t>
+            </a:r>
+            <a:endParaRPr kumimoji="1" lang="ja-JP" altLang="en-US" sz="5400" b="1" dirty="0">
+              <a:solidFill>
+                <a:schemeClr val="tx2">
+                  <a:lumMod val="75000"/>
+                </a:schemeClr>
+              </a:solidFill>
+              <a:latin typeface="HGHangle" panose="020B0800000000000000" pitchFamily="34" charset="-127"/>
+              <a:ea typeface="HG創英角ﾎﾟｯﾌﾟ体" panose="040B0A09000000000000" pitchFamily="49" charset="-128"/>
+            </a:endParaRPr>
+          </a:p>
+        </p:txBody>
+      </p:sp>
+      <p:sp>
+        <p:nvSpPr>
+          <p:cNvPr id="33" name="テキスト ボックス 32"/>
+          <p:cNvSpPr txBox="1"/>
+          <p:nvPr/>
+        </p:nvSpPr>
+        <p:spPr>
+          <a:xfrm>
+            <a:off x="7905715" y="87015"/>
+            <a:ext cx="798617" cy="461665"/>
+          </a:xfrm>
+          <a:prstGeom prst="rect">
+            <a:avLst/>
+          </a:prstGeom>
+          <a:noFill/>
+        </p:spPr>
+        <p:txBody>
+          <a:bodyPr wrap="none" rtlCol="0">
+            <a:spAutoFit/>
+          </a:bodyPr>
+          <a:lstStyle/>
+          <a:p>
+            <a:pPr algn="r"/>
+            <a:r>
+              <a:rPr lang="en-US" altLang="ja-JP" sz="2400" b="1" dirty="0">
+                <a:solidFill>
+                  <a:prstClr val="black"/>
+                </a:solidFill>
+                <a:latin typeface="HGHangle" panose="020B0800000000000000" pitchFamily="34" charset="-127"/>
+                <a:ea typeface="HGS創英角ﾎﾟｯﾌﾟ体" pitchFamily="50" charset="-128"/>
+              </a:rPr>
+              <a:t>3</a:t>
+            </a:r>
+            <a:r>
+              <a:rPr lang="en-US" altLang="ja-JP" sz="2400" b="1" dirty="0" smtClean="0">
+                <a:solidFill>
+                  <a:prstClr val="black"/>
+                </a:solidFill>
+                <a:latin typeface="HGHangle" panose="020B0800000000000000" pitchFamily="34" charset="-127"/>
+                <a:ea typeface="HGS創英角ﾎﾟｯﾌﾟ体" pitchFamily="50" charset="-128"/>
+              </a:rPr>
+              <a:t> / 6</a:t>
+            </a:r>
+            <a:endParaRPr lang="ja-JP" altLang="en-US" sz="2400" b="1" dirty="0">
+              <a:solidFill>
+                <a:prstClr val="black"/>
+              </a:solidFill>
+              <a:latin typeface="HGHangle" panose="020B0800000000000000" pitchFamily="34" charset="-127"/>
+              <a:ea typeface="HGS創英角ﾎﾟｯﾌﾟ体" pitchFamily="50" charset="-128"/>
+            </a:endParaRPr>
+          </a:p>
+        </p:txBody>
+      </p:sp>
+    </p:spTree>
+    <p:extLst>
+      <p:ext uri="{BB962C8B-B14F-4D97-AF65-F5344CB8AC3E}">
+        <p14:creationId xmlns:p14="http://schemas.microsoft.com/office/powerpoint/2010/main" val="1472162492"/>
+      </p:ext>
+    </p:extLst>
+  </p:cSld>
+  <p:clrMapOvr>
+    <a:masterClrMapping/>
+  </p:clrMapOvr>
+  <p:timing>
+    <p:tnLst>
+      <p:par>
+        <p:cTn id="1" dur="indefinite" restart="never" nodeType="tmRoot"/>
+      </p:par>
+    </p:tnLst>
+  </p:timing>
+</p:sld>
+</file>
+
+<file path=ppt/slides/slide18.xml><?xml version="1.0" encoding="utf-8"?>
+<p:sld xmlns:a="http://schemas.openxmlformats.org/drawingml/2006/main" xmlns:r="http://schemas.openxmlformats.org/officeDocument/2006/relationships" xmlns:p="http://schemas.openxmlformats.org/presentationml/2006/main">
+  <p:cSld>
+    <p:spTree>
+      <p:nvGrpSpPr>
+        <p:cNvPr id="1" name=""/>
+        <p:cNvGrpSpPr/>
+        <p:nvPr/>
+      </p:nvGrpSpPr>
+      <p:grpSpPr>
+        <a:xfrm>
+          <a:off x="0" y="0"/>
+          <a:ext cx="0" cy="0"/>
+          <a:chOff x="0" y="0"/>
+          <a:chExt cx="0" cy="0"/>
+        </a:xfrm>
+      </p:grpSpPr>
+      <p:sp>
+        <p:nvSpPr>
+          <p:cNvPr id="42" name="円/楕円 41"/>
+          <p:cNvSpPr/>
+          <p:nvPr/>
+        </p:nvSpPr>
+        <p:spPr>
+          <a:xfrm>
+            <a:off x="474716" y="3793232"/>
+            <a:ext cx="2376264" cy="1008112"/>
+          </a:xfrm>
+          <a:prstGeom prst="ellipse">
+            <a:avLst/>
+          </a:prstGeom>
+          <a:solidFill>
+            <a:schemeClr val="bg1"/>
+          </a:solidFill>
+          <a:ln w="38100">
+            <a:solidFill>
+              <a:schemeClr val="tx1"/>
+            </a:solidFill>
+          </a:ln>
+        </p:spPr>
+        <p:style>
+          <a:lnRef idx="2">
+            <a:schemeClr val="accent1">
+              <a:shade val="50000"/>
+            </a:schemeClr>
+          </a:lnRef>
+          <a:fillRef idx="1">
+            <a:schemeClr val="accent1"/>
+          </a:fillRef>
+          <a:effectRef idx="0">
+            <a:schemeClr val="accent1"/>
+          </a:effectRef>
+          <a:fontRef idx="minor">
+            <a:schemeClr val="lt1"/>
+          </a:fontRef>
+        </p:style>
+        <p:txBody>
+          <a:bodyPr rtlCol="0" anchor="ctr"/>
+          <a:lstStyle/>
+          <a:p>
+            <a:pPr algn="ctr"/>
+            <a:endParaRPr lang="ja-JP" altLang="en-US">
+              <a:solidFill>
+                <a:prstClr val="white"/>
+              </a:solidFill>
+            </a:endParaRPr>
+          </a:p>
+        </p:txBody>
+      </p:sp>
+      <p:sp>
+        <p:nvSpPr>
+          <p:cNvPr id="45" name="円/楕円 44"/>
+          <p:cNvSpPr/>
+          <p:nvPr/>
+        </p:nvSpPr>
+        <p:spPr>
+          <a:xfrm>
+            <a:off x="6300192" y="3793232"/>
+            <a:ext cx="2376264" cy="1008112"/>
+          </a:xfrm>
+          <a:prstGeom prst="ellipse">
+            <a:avLst/>
+          </a:prstGeom>
+          <a:solidFill>
+            <a:schemeClr val="bg1"/>
+          </a:solidFill>
+          <a:ln w="38100">
+            <a:solidFill>
+              <a:schemeClr val="tx1"/>
+            </a:solidFill>
+          </a:ln>
+        </p:spPr>
+        <p:style>
+          <a:lnRef idx="2">
+            <a:schemeClr val="accent1">
+              <a:shade val="50000"/>
+            </a:schemeClr>
+          </a:lnRef>
+          <a:fillRef idx="1">
+            <a:schemeClr val="accent1"/>
+          </a:fillRef>
+          <a:effectRef idx="0">
+            <a:schemeClr val="accent1"/>
+          </a:effectRef>
+          <a:fontRef idx="minor">
+            <a:schemeClr val="lt1"/>
+          </a:fontRef>
+        </p:style>
+        <p:txBody>
+          <a:bodyPr rtlCol="0" anchor="ctr"/>
+          <a:lstStyle/>
+          <a:p>
+            <a:pPr algn="ctr"/>
+            <a:endParaRPr lang="ja-JP" altLang="en-US">
+              <a:solidFill>
+                <a:prstClr val="white"/>
+              </a:solidFill>
+            </a:endParaRPr>
+          </a:p>
+        </p:txBody>
+      </p:sp>
+      <p:sp>
+        <p:nvSpPr>
+          <p:cNvPr id="46" name="円/楕円 45"/>
+          <p:cNvSpPr/>
+          <p:nvPr/>
+        </p:nvSpPr>
+        <p:spPr>
+          <a:xfrm>
+            <a:off x="3383868" y="3793232"/>
+            <a:ext cx="2376264" cy="1008112"/>
+          </a:xfrm>
+          <a:prstGeom prst="ellipse">
+            <a:avLst/>
+          </a:prstGeom>
+          <a:solidFill>
+            <a:schemeClr val="bg1"/>
+          </a:solidFill>
+          <a:ln w="38100">
+            <a:solidFill>
+              <a:schemeClr val="tx1"/>
+            </a:solidFill>
+          </a:ln>
+        </p:spPr>
+        <p:style>
+          <a:lnRef idx="2">
+            <a:schemeClr val="accent1">
+              <a:shade val="50000"/>
+            </a:schemeClr>
+          </a:lnRef>
+          <a:fillRef idx="1">
+            <a:schemeClr val="accent1"/>
+          </a:fillRef>
+          <a:effectRef idx="0">
+            <a:schemeClr val="accent1"/>
+          </a:effectRef>
+          <a:fontRef idx="minor">
+            <a:schemeClr val="lt1"/>
+          </a:fontRef>
+        </p:style>
+        <p:txBody>
+          <a:bodyPr rtlCol="0" anchor="ctr"/>
+          <a:lstStyle/>
+          <a:p>
+            <a:pPr algn="ctr"/>
+            <a:endParaRPr lang="ja-JP" altLang="en-US">
+              <a:solidFill>
+                <a:prstClr val="white"/>
+              </a:solidFill>
+            </a:endParaRPr>
+          </a:p>
+        </p:txBody>
+      </p:sp>
+      <p:sp>
+        <p:nvSpPr>
+          <p:cNvPr id="47" name="円/楕円 46"/>
+          <p:cNvSpPr/>
+          <p:nvPr/>
+        </p:nvSpPr>
+        <p:spPr>
+          <a:xfrm>
+            <a:off x="1950880" y="5445224"/>
+            <a:ext cx="2376264" cy="1008112"/>
+          </a:xfrm>
+          <a:prstGeom prst="ellipse">
+            <a:avLst/>
+          </a:prstGeom>
+          <a:solidFill>
+            <a:schemeClr val="bg1"/>
+          </a:solidFill>
+          <a:ln w="38100">
+            <a:solidFill>
+              <a:schemeClr val="tx1"/>
+            </a:solidFill>
+          </a:ln>
+        </p:spPr>
+        <p:style>
+          <a:lnRef idx="2">
+            <a:schemeClr val="accent1">
+              <a:shade val="50000"/>
+            </a:schemeClr>
+          </a:lnRef>
+          <a:fillRef idx="1">
+            <a:schemeClr val="accent1"/>
+          </a:fillRef>
+          <a:effectRef idx="0">
+            <a:schemeClr val="accent1"/>
+          </a:effectRef>
+          <a:fontRef idx="minor">
+            <a:schemeClr val="lt1"/>
+          </a:fontRef>
+        </p:style>
+        <p:txBody>
+          <a:bodyPr rtlCol="0" anchor="ctr"/>
+          <a:lstStyle/>
+          <a:p>
+            <a:pPr algn="ctr"/>
+            <a:endParaRPr lang="ja-JP" altLang="en-US">
+              <a:solidFill>
+                <a:prstClr val="white"/>
+              </a:solidFill>
+            </a:endParaRPr>
+          </a:p>
+        </p:txBody>
+      </p:sp>
+      <p:sp>
+        <p:nvSpPr>
+          <p:cNvPr id="52" name="円/楕円 51"/>
+          <p:cNvSpPr/>
+          <p:nvPr/>
+        </p:nvSpPr>
+        <p:spPr>
+          <a:xfrm>
+            <a:off x="4860032" y="5445224"/>
+            <a:ext cx="2376264" cy="1008112"/>
+          </a:xfrm>
+          <a:prstGeom prst="ellipse">
+            <a:avLst/>
+          </a:prstGeom>
+          <a:solidFill>
+            <a:schemeClr val="bg1"/>
+          </a:solidFill>
+          <a:ln w="38100">
+            <a:solidFill>
+              <a:schemeClr val="tx1"/>
+            </a:solidFill>
+          </a:ln>
+        </p:spPr>
+        <p:style>
+          <a:lnRef idx="2">
+            <a:schemeClr val="accent1">
+              <a:shade val="50000"/>
+            </a:schemeClr>
+          </a:lnRef>
+          <a:fillRef idx="1">
+            <a:schemeClr val="accent1"/>
+          </a:fillRef>
+          <a:effectRef idx="0">
+            <a:schemeClr val="accent1"/>
+          </a:effectRef>
+          <a:fontRef idx="minor">
+            <a:schemeClr val="lt1"/>
+          </a:fontRef>
+        </p:style>
+        <p:txBody>
+          <a:bodyPr rtlCol="0" anchor="ctr"/>
+          <a:lstStyle/>
+          <a:p>
+            <a:pPr algn="ctr"/>
+            <a:endParaRPr lang="ja-JP" altLang="en-US">
+              <a:solidFill>
+                <a:prstClr val="white"/>
+              </a:solidFill>
+            </a:endParaRPr>
+          </a:p>
+        </p:txBody>
+      </p:sp>
+      <p:grpSp>
+        <p:nvGrpSpPr>
+          <p:cNvPr id="56" name="グループ化 55"/>
+          <p:cNvGrpSpPr/>
+          <p:nvPr/>
+        </p:nvGrpSpPr>
+        <p:grpSpPr>
+          <a:xfrm>
+            <a:off x="699124" y="3649216"/>
+            <a:ext cx="632516" cy="812496"/>
+            <a:chOff x="843244" y="4960956"/>
+            <a:chExt cx="632516" cy="812496"/>
+          </a:xfrm>
+        </p:grpSpPr>
+        <p:sp>
+          <p:nvSpPr>
+            <p:cNvPr id="68" name="円/楕円 67"/>
+            <p:cNvSpPr/>
+            <p:nvPr/>
+          </p:nvSpPr>
+          <p:spPr>
+            <a:xfrm>
+              <a:off x="843244" y="5116996"/>
+              <a:ext cx="632516" cy="656456"/>
+            </a:xfrm>
+            <a:prstGeom prst="ellipse">
+              <a:avLst/>
+            </a:prstGeom>
+            <a:solidFill>
+              <a:srgbClr val="FF0000"/>
+            </a:solidFill>
+            <a:ln w="19050">
+              <a:noFill/>
+            </a:ln>
+          </p:spPr>
+          <p:style>
+            <a:lnRef idx="2">
+              <a:schemeClr val="accent1">
+                <a:shade val="50000"/>
+              </a:schemeClr>
+            </a:lnRef>
+            <a:fillRef idx="1">
+              <a:schemeClr val="accent1"/>
+            </a:fillRef>
+            <a:effectRef idx="0">
+              <a:schemeClr val="accent1"/>
+            </a:effectRef>
+            <a:fontRef idx="minor">
+              <a:schemeClr val="lt1"/>
+            </a:fontRef>
+          </p:style>
+          <p:txBody>
+            <a:bodyPr rtlCol="0" anchor="ctr"/>
+            <a:lstStyle/>
+            <a:p>
+              <a:pPr algn="ctr"/>
+              <a:endParaRPr lang="ja-JP" altLang="en-US">
+                <a:solidFill>
+                  <a:prstClr val="white"/>
+                </a:solidFill>
+              </a:endParaRPr>
+            </a:p>
+          </p:txBody>
+        </p:sp>
+        <p:cxnSp>
+          <p:nvCxnSpPr>
+            <p:cNvPr id="69" name="直線コネクタ 68"/>
+            <p:cNvCxnSpPr/>
+            <p:nvPr/>
+          </p:nvCxnSpPr>
+          <p:spPr>
+            <a:xfrm>
+              <a:off x="1159502" y="4960956"/>
+              <a:ext cx="0" cy="288032"/>
+            </a:xfrm>
+            <a:prstGeom prst="line">
+              <a:avLst/>
+            </a:prstGeom>
+            <a:ln w="50800">
+              <a:solidFill>
+                <a:schemeClr val="tx1"/>
+              </a:solidFill>
+            </a:ln>
+          </p:spPr>
+          <p:style>
+            <a:lnRef idx="1">
+              <a:schemeClr val="accent1"/>
+            </a:lnRef>
+            <a:fillRef idx="0">
+              <a:schemeClr val="accent1"/>
+            </a:fillRef>
+            <a:effectRef idx="0">
+              <a:schemeClr val="accent1"/>
+            </a:effectRef>
+            <a:fontRef idx="minor">
+              <a:schemeClr val="tx1"/>
+            </a:fontRef>
+          </p:style>
+        </p:cxnSp>
+      </p:grpSp>
+      <p:grpSp>
+        <p:nvGrpSpPr>
+          <p:cNvPr id="57" name="グループ化 56"/>
+          <p:cNvGrpSpPr/>
+          <p:nvPr/>
+        </p:nvGrpSpPr>
+        <p:grpSpPr>
+          <a:xfrm>
+            <a:off x="1346590" y="3937248"/>
+            <a:ext cx="632516" cy="812496"/>
+            <a:chOff x="843244" y="4960956"/>
+            <a:chExt cx="632516" cy="812496"/>
+          </a:xfrm>
+        </p:grpSpPr>
+        <p:sp>
+          <p:nvSpPr>
+            <p:cNvPr id="66" name="円/楕円 65"/>
+            <p:cNvSpPr/>
+            <p:nvPr/>
+          </p:nvSpPr>
+          <p:spPr>
+            <a:xfrm>
+              <a:off x="843244" y="5116996"/>
+              <a:ext cx="632516" cy="656456"/>
+            </a:xfrm>
+            <a:prstGeom prst="ellipse">
+              <a:avLst/>
+            </a:prstGeom>
+            <a:solidFill>
+              <a:srgbClr val="FF0000"/>
+            </a:solidFill>
+            <a:ln w="19050">
+              <a:noFill/>
+            </a:ln>
+          </p:spPr>
+          <p:style>
+            <a:lnRef idx="2">
+              <a:schemeClr val="accent1">
+                <a:shade val="50000"/>
+              </a:schemeClr>
+            </a:lnRef>
+            <a:fillRef idx="1">
+              <a:schemeClr val="accent1"/>
+            </a:fillRef>
+            <a:effectRef idx="0">
+              <a:schemeClr val="accent1"/>
+            </a:effectRef>
+            <a:fontRef idx="minor">
+              <a:schemeClr val="lt1"/>
+            </a:fontRef>
+          </p:style>
+          <p:txBody>
+            <a:bodyPr rtlCol="0" anchor="ctr"/>
+            <a:lstStyle/>
+            <a:p>
+              <a:pPr algn="ctr"/>
+              <a:endParaRPr lang="ja-JP" altLang="en-US">
+                <a:solidFill>
+                  <a:prstClr val="white"/>
+                </a:solidFill>
+              </a:endParaRPr>
+            </a:p>
+          </p:txBody>
+        </p:sp>
+        <p:cxnSp>
+          <p:nvCxnSpPr>
+            <p:cNvPr id="67" name="直線コネクタ 66"/>
+            <p:cNvCxnSpPr/>
+            <p:nvPr/>
+          </p:nvCxnSpPr>
+          <p:spPr>
+            <a:xfrm>
+              <a:off x="1159502" y="4960956"/>
+              <a:ext cx="0" cy="288032"/>
+            </a:xfrm>
+            <a:prstGeom prst="line">
+              <a:avLst/>
+            </a:prstGeom>
+            <a:ln w="50800">
+              <a:solidFill>
+                <a:schemeClr val="tx1"/>
+              </a:solidFill>
+            </a:ln>
+          </p:spPr>
+          <p:style>
+            <a:lnRef idx="1">
+              <a:schemeClr val="accent1"/>
+            </a:lnRef>
+            <a:fillRef idx="0">
+              <a:schemeClr val="accent1"/>
+            </a:fillRef>
+            <a:effectRef idx="0">
+              <a:schemeClr val="accent1"/>
+            </a:effectRef>
+            <a:fontRef idx="minor">
+              <a:schemeClr val="tx1"/>
+            </a:fontRef>
+          </p:style>
+        </p:cxnSp>
+      </p:grpSp>
+      <p:grpSp>
+        <p:nvGrpSpPr>
+          <p:cNvPr id="71" name="グループ化 70"/>
+          <p:cNvGrpSpPr/>
+          <p:nvPr/>
+        </p:nvGrpSpPr>
+        <p:grpSpPr>
+          <a:xfrm>
+            <a:off x="3615751" y="3649216"/>
+            <a:ext cx="632516" cy="812496"/>
+            <a:chOff x="843244" y="4960956"/>
+            <a:chExt cx="632516" cy="812496"/>
+          </a:xfrm>
+        </p:grpSpPr>
+        <p:sp>
+          <p:nvSpPr>
+            <p:cNvPr id="78" name="円/楕円 77"/>
+            <p:cNvSpPr/>
+            <p:nvPr/>
+          </p:nvSpPr>
+          <p:spPr>
+            <a:xfrm>
+              <a:off x="843244" y="5116996"/>
+              <a:ext cx="632516" cy="656456"/>
+            </a:xfrm>
+            <a:prstGeom prst="ellipse">
+              <a:avLst/>
+            </a:prstGeom>
+            <a:solidFill>
+              <a:srgbClr val="FF0000"/>
+            </a:solidFill>
+            <a:ln w="19050">
+              <a:noFill/>
+            </a:ln>
+          </p:spPr>
+          <p:style>
+            <a:lnRef idx="2">
+              <a:schemeClr val="accent1">
+                <a:shade val="50000"/>
+              </a:schemeClr>
+            </a:lnRef>
+            <a:fillRef idx="1">
+              <a:schemeClr val="accent1"/>
+            </a:fillRef>
+            <a:effectRef idx="0">
+              <a:schemeClr val="accent1"/>
+            </a:effectRef>
+            <a:fontRef idx="minor">
+              <a:schemeClr val="lt1"/>
+            </a:fontRef>
+          </p:style>
+          <p:txBody>
+            <a:bodyPr rtlCol="0" anchor="ctr"/>
+            <a:lstStyle/>
+            <a:p>
+              <a:pPr algn="ctr"/>
+              <a:endParaRPr lang="ja-JP" altLang="en-US">
+                <a:solidFill>
+                  <a:prstClr val="white"/>
+                </a:solidFill>
+              </a:endParaRPr>
+            </a:p>
+          </p:txBody>
+        </p:sp>
+        <p:cxnSp>
+          <p:nvCxnSpPr>
+            <p:cNvPr id="79" name="直線コネクタ 78"/>
+            <p:cNvCxnSpPr/>
+            <p:nvPr/>
+          </p:nvCxnSpPr>
+          <p:spPr>
+            <a:xfrm>
+              <a:off x="1159502" y="4960956"/>
+              <a:ext cx="0" cy="288032"/>
+            </a:xfrm>
+            <a:prstGeom prst="line">
+              <a:avLst/>
+            </a:prstGeom>
+            <a:ln w="50800">
+              <a:solidFill>
+                <a:schemeClr val="tx1"/>
+              </a:solidFill>
+            </a:ln>
+          </p:spPr>
+          <p:style>
+            <a:lnRef idx="1">
+              <a:schemeClr val="accent1"/>
+            </a:lnRef>
+            <a:fillRef idx="0">
+              <a:schemeClr val="accent1"/>
+            </a:fillRef>
+            <a:effectRef idx="0">
+              <a:schemeClr val="accent1"/>
+            </a:effectRef>
+            <a:fontRef idx="minor">
+              <a:schemeClr val="tx1"/>
+            </a:fontRef>
+          </p:style>
+        </p:cxnSp>
+      </p:grpSp>
+      <p:grpSp>
+        <p:nvGrpSpPr>
+          <p:cNvPr id="72" name="グループ化 71"/>
+          <p:cNvGrpSpPr/>
+          <p:nvPr/>
+        </p:nvGrpSpPr>
+        <p:grpSpPr>
+          <a:xfrm>
+            <a:off x="4263217" y="3937248"/>
+            <a:ext cx="632516" cy="812496"/>
+            <a:chOff x="843244" y="4960956"/>
+            <a:chExt cx="632516" cy="812496"/>
+          </a:xfrm>
+        </p:grpSpPr>
+        <p:sp>
+          <p:nvSpPr>
+            <p:cNvPr id="76" name="円/楕円 75"/>
+            <p:cNvSpPr/>
+            <p:nvPr/>
+          </p:nvSpPr>
+          <p:spPr>
+            <a:xfrm>
+              <a:off x="843244" y="5116996"/>
+              <a:ext cx="632516" cy="656456"/>
+            </a:xfrm>
+            <a:prstGeom prst="ellipse">
+              <a:avLst/>
+            </a:prstGeom>
+            <a:solidFill>
+              <a:srgbClr val="FF0000"/>
+            </a:solidFill>
+            <a:ln w="19050">
+              <a:noFill/>
+            </a:ln>
+          </p:spPr>
+          <p:style>
+            <a:lnRef idx="2">
+              <a:schemeClr val="accent1">
+                <a:shade val="50000"/>
+              </a:schemeClr>
+            </a:lnRef>
+            <a:fillRef idx="1">
+              <a:schemeClr val="accent1"/>
+            </a:fillRef>
+            <a:effectRef idx="0">
+              <a:schemeClr val="accent1"/>
+            </a:effectRef>
+            <a:fontRef idx="minor">
+              <a:schemeClr val="lt1"/>
+            </a:fontRef>
+          </p:style>
+          <p:txBody>
+            <a:bodyPr rtlCol="0" anchor="ctr"/>
+            <a:lstStyle/>
+            <a:p>
+              <a:pPr algn="ctr"/>
+              <a:endParaRPr lang="ja-JP" altLang="en-US">
+                <a:solidFill>
+                  <a:prstClr val="white"/>
+                </a:solidFill>
+              </a:endParaRPr>
+            </a:p>
+          </p:txBody>
+        </p:sp>
+        <p:cxnSp>
+          <p:nvCxnSpPr>
+            <p:cNvPr id="77" name="直線コネクタ 76"/>
+            <p:cNvCxnSpPr/>
+            <p:nvPr/>
+          </p:nvCxnSpPr>
+          <p:spPr>
+            <a:xfrm>
+              <a:off x="1159502" y="4960956"/>
+              <a:ext cx="0" cy="288032"/>
+            </a:xfrm>
+            <a:prstGeom prst="line">
+              <a:avLst/>
+            </a:prstGeom>
+            <a:ln w="50800">
+              <a:solidFill>
+                <a:schemeClr val="tx1"/>
+              </a:solidFill>
+            </a:ln>
+          </p:spPr>
+          <p:style>
+            <a:lnRef idx="1">
+              <a:schemeClr val="accent1"/>
+            </a:lnRef>
+            <a:fillRef idx="0">
+              <a:schemeClr val="accent1"/>
+            </a:fillRef>
+            <a:effectRef idx="0">
+              <a:schemeClr val="accent1"/>
+            </a:effectRef>
+            <a:fontRef idx="minor">
+              <a:schemeClr val="tx1"/>
+            </a:fontRef>
+          </p:style>
+        </p:cxnSp>
+      </p:grpSp>
+      <p:grpSp>
+        <p:nvGrpSpPr>
+          <p:cNvPr id="81" name="グループ化 80"/>
+          <p:cNvGrpSpPr/>
+          <p:nvPr/>
+        </p:nvGrpSpPr>
+        <p:grpSpPr>
+          <a:xfrm>
+            <a:off x="6532075" y="3593424"/>
+            <a:ext cx="632516" cy="812496"/>
+            <a:chOff x="843244" y="4960956"/>
+            <a:chExt cx="632516" cy="812496"/>
+          </a:xfrm>
+        </p:grpSpPr>
+        <p:sp>
+          <p:nvSpPr>
+            <p:cNvPr id="88" name="円/楕円 87"/>
+            <p:cNvSpPr/>
+            <p:nvPr/>
+          </p:nvSpPr>
+          <p:spPr>
+            <a:xfrm>
+              <a:off x="843244" y="5116996"/>
+              <a:ext cx="632516" cy="656456"/>
+            </a:xfrm>
+            <a:prstGeom prst="ellipse">
+              <a:avLst/>
+            </a:prstGeom>
+            <a:solidFill>
+              <a:srgbClr val="FF0000"/>
+            </a:solidFill>
+            <a:ln w="19050">
+              <a:noFill/>
+            </a:ln>
+          </p:spPr>
+          <p:style>
+            <a:lnRef idx="2">
+              <a:schemeClr val="accent1">
+                <a:shade val="50000"/>
+              </a:schemeClr>
+            </a:lnRef>
+            <a:fillRef idx="1">
+              <a:schemeClr val="accent1"/>
+            </a:fillRef>
+            <a:effectRef idx="0">
+              <a:schemeClr val="accent1"/>
+            </a:effectRef>
+            <a:fontRef idx="minor">
+              <a:schemeClr val="lt1"/>
+            </a:fontRef>
+          </p:style>
+          <p:txBody>
+            <a:bodyPr rtlCol="0" anchor="ctr"/>
+            <a:lstStyle/>
+            <a:p>
+              <a:pPr algn="ctr"/>
+              <a:endParaRPr lang="ja-JP" altLang="en-US">
+                <a:solidFill>
+                  <a:prstClr val="white"/>
+                </a:solidFill>
+              </a:endParaRPr>
+            </a:p>
+          </p:txBody>
+        </p:sp>
+        <p:cxnSp>
+          <p:nvCxnSpPr>
+            <p:cNvPr id="89" name="直線コネクタ 88"/>
+            <p:cNvCxnSpPr/>
+            <p:nvPr/>
+          </p:nvCxnSpPr>
+          <p:spPr>
+            <a:xfrm>
+              <a:off x="1159502" y="4960956"/>
+              <a:ext cx="0" cy="288032"/>
+            </a:xfrm>
+            <a:prstGeom prst="line">
+              <a:avLst/>
+            </a:prstGeom>
+            <a:ln w="50800">
+              <a:solidFill>
+                <a:schemeClr val="tx1"/>
+              </a:solidFill>
+            </a:ln>
+          </p:spPr>
+          <p:style>
+            <a:lnRef idx="1">
+              <a:schemeClr val="accent1"/>
+            </a:lnRef>
+            <a:fillRef idx="0">
+              <a:schemeClr val="accent1"/>
+            </a:fillRef>
+            <a:effectRef idx="0">
+              <a:schemeClr val="accent1"/>
+            </a:effectRef>
+            <a:fontRef idx="minor">
+              <a:schemeClr val="tx1"/>
+            </a:fontRef>
+          </p:style>
+        </p:cxnSp>
+      </p:grpSp>
+      <p:grpSp>
+        <p:nvGrpSpPr>
+          <p:cNvPr id="82" name="グループ化 81"/>
+          <p:cNvGrpSpPr/>
+          <p:nvPr/>
+        </p:nvGrpSpPr>
+        <p:grpSpPr>
+          <a:xfrm>
+            <a:off x="7179541" y="3881456"/>
+            <a:ext cx="632516" cy="812496"/>
+            <a:chOff x="843244" y="4960956"/>
+            <a:chExt cx="632516" cy="812496"/>
+          </a:xfrm>
+        </p:grpSpPr>
+        <p:sp>
+          <p:nvSpPr>
+            <p:cNvPr id="86" name="円/楕円 85"/>
+            <p:cNvSpPr/>
+            <p:nvPr/>
+          </p:nvSpPr>
+          <p:spPr>
+            <a:xfrm>
+              <a:off x="843244" y="5116996"/>
+              <a:ext cx="632516" cy="656456"/>
+            </a:xfrm>
+            <a:prstGeom prst="ellipse">
+              <a:avLst/>
+            </a:prstGeom>
+            <a:solidFill>
+              <a:srgbClr val="FF0000"/>
+            </a:solidFill>
+            <a:ln w="19050">
+              <a:noFill/>
+            </a:ln>
+          </p:spPr>
+          <p:style>
+            <a:lnRef idx="2">
+              <a:schemeClr val="accent1">
+                <a:shade val="50000"/>
+              </a:schemeClr>
+            </a:lnRef>
+            <a:fillRef idx="1">
+              <a:schemeClr val="accent1"/>
+            </a:fillRef>
+            <a:effectRef idx="0">
+              <a:schemeClr val="accent1"/>
+            </a:effectRef>
+            <a:fontRef idx="minor">
+              <a:schemeClr val="lt1"/>
+            </a:fontRef>
+          </p:style>
+          <p:txBody>
+            <a:bodyPr rtlCol="0" anchor="ctr"/>
+            <a:lstStyle/>
+            <a:p>
+              <a:pPr algn="ctr"/>
+              <a:endParaRPr lang="ja-JP" altLang="en-US">
+                <a:solidFill>
+                  <a:prstClr val="white"/>
+                </a:solidFill>
+              </a:endParaRPr>
+            </a:p>
+          </p:txBody>
+        </p:sp>
+        <p:cxnSp>
+          <p:nvCxnSpPr>
+            <p:cNvPr id="87" name="直線コネクタ 86"/>
+            <p:cNvCxnSpPr/>
+            <p:nvPr/>
+          </p:nvCxnSpPr>
+          <p:spPr>
+            <a:xfrm>
+              <a:off x="1159502" y="4960956"/>
+              <a:ext cx="0" cy="288032"/>
+            </a:xfrm>
+            <a:prstGeom prst="line">
+              <a:avLst/>
+            </a:prstGeom>
+            <a:ln w="50800">
+              <a:solidFill>
+                <a:schemeClr val="tx1"/>
+              </a:solidFill>
+            </a:ln>
+          </p:spPr>
+          <p:style>
+            <a:lnRef idx="1">
+              <a:schemeClr val="accent1"/>
+            </a:lnRef>
+            <a:fillRef idx="0">
+              <a:schemeClr val="accent1"/>
+            </a:fillRef>
+            <a:effectRef idx="0">
+              <a:schemeClr val="accent1"/>
+            </a:effectRef>
+            <a:fontRef idx="minor">
+              <a:schemeClr val="tx1"/>
+            </a:fontRef>
+          </p:style>
+        </p:cxnSp>
+      </p:grpSp>
+      <p:grpSp>
+        <p:nvGrpSpPr>
+          <p:cNvPr id="91" name="グループ化 90"/>
+          <p:cNvGrpSpPr/>
+          <p:nvPr/>
+        </p:nvGrpSpPr>
+        <p:grpSpPr>
+          <a:xfrm>
+            <a:off x="2182763" y="5249608"/>
+            <a:ext cx="632516" cy="812496"/>
+            <a:chOff x="843244" y="4960956"/>
+            <a:chExt cx="632516" cy="812496"/>
+          </a:xfrm>
+        </p:grpSpPr>
+        <p:sp>
+          <p:nvSpPr>
+            <p:cNvPr id="98" name="円/楕円 97"/>
+            <p:cNvSpPr/>
+            <p:nvPr/>
+          </p:nvSpPr>
+          <p:spPr>
+            <a:xfrm>
+              <a:off x="843244" y="5116996"/>
+              <a:ext cx="632516" cy="656456"/>
+            </a:xfrm>
+            <a:prstGeom prst="ellipse">
+              <a:avLst/>
+            </a:prstGeom>
+            <a:solidFill>
+              <a:srgbClr val="FF0000"/>
+            </a:solidFill>
+            <a:ln w="19050">
+              <a:noFill/>
+            </a:ln>
+          </p:spPr>
+          <p:style>
+            <a:lnRef idx="2">
+              <a:schemeClr val="accent1">
+                <a:shade val="50000"/>
+              </a:schemeClr>
+            </a:lnRef>
+            <a:fillRef idx="1">
+              <a:schemeClr val="accent1"/>
+            </a:fillRef>
+            <a:effectRef idx="0">
+              <a:schemeClr val="accent1"/>
+            </a:effectRef>
+            <a:fontRef idx="minor">
+              <a:schemeClr val="lt1"/>
+            </a:fontRef>
+          </p:style>
+          <p:txBody>
+            <a:bodyPr rtlCol="0" anchor="ctr"/>
+            <a:lstStyle/>
+            <a:p>
+              <a:pPr algn="ctr"/>
+              <a:endParaRPr lang="ja-JP" altLang="en-US">
+                <a:solidFill>
+                  <a:prstClr val="white"/>
+                </a:solidFill>
+              </a:endParaRPr>
+            </a:p>
+          </p:txBody>
+        </p:sp>
+        <p:cxnSp>
+          <p:nvCxnSpPr>
+            <p:cNvPr id="99" name="直線コネクタ 98"/>
+            <p:cNvCxnSpPr/>
+            <p:nvPr/>
+          </p:nvCxnSpPr>
+          <p:spPr>
+            <a:xfrm>
+              <a:off x="1159502" y="4960956"/>
+              <a:ext cx="0" cy="288032"/>
+            </a:xfrm>
+            <a:prstGeom prst="line">
+              <a:avLst/>
+            </a:prstGeom>
+            <a:ln w="50800">
+              <a:solidFill>
+                <a:schemeClr val="tx1"/>
+              </a:solidFill>
+            </a:ln>
+          </p:spPr>
+          <p:style>
+            <a:lnRef idx="1">
+              <a:schemeClr val="accent1"/>
+            </a:lnRef>
+            <a:fillRef idx="0">
+              <a:schemeClr val="accent1"/>
+            </a:fillRef>
+            <a:effectRef idx="0">
+              <a:schemeClr val="accent1"/>
+            </a:effectRef>
+            <a:fontRef idx="minor">
+              <a:schemeClr val="tx1"/>
+            </a:fontRef>
+          </p:style>
+        </p:cxnSp>
+      </p:grpSp>
+      <p:grpSp>
+        <p:nvGrpSpPr>
+          <p:cNvPr id="92" name="グループ化 91"/>
+          <p:cNvGrpSpPr/>
+          <p:nvPr/>
+        </p:nvGrpSpPr>
+        <p:grpSpPr>
+          <a:xfrm>
+            <a:off x="2830229" y="5537640"/>
+            <a:ext cx="632516" cy="812496"/>
+            <a:chOff x="843244" y="4960956"/>
+            <a:chExt cx="632516" cy="812496"/>
+          </a:xfrm>
+        </p:grpSpPr>
+        <p:sp>
+          <p:nvSpPr>
+            <p:cNvPr id="96" name="円/楕円 95"/>
+            <p:cNvSpPr/>
+            <p:nvPr/>
+          </p:nvSpPr>
+          <p:spPr>
+            <a:xfrm>
+              <a:off x="843244" y="5116996"/>
+              <a:ext cx="632516" cy="656456"/>
+            </a:xfrm>
+            <a:prstGeom prst="ellipse">
+              <a:avLst/>
+            </a:prstGeom>
+            <a:solidFill>
+              <a:srgbClr val="FF0000"/>
+            </a:solidFill>
+            <a:ln w="19050">
+              <a:noFill/>
+            </a:ln>
+          </p:spPr>
+          <p:style>
+            <a:lnRef idx="2">
+              <a:schemeClr val="accent1">
+                <a:shade val="50000"/>
+              </a:schemeClr>
+            </a:lnRef>
+            <a:fillRef idx="1">
+              <a:schemeClr val="accent1"/>
+            </a:fillRef>
+            <a:effectRef idx="0">
+              <a:schemeClr val="accent1"/>
+            </a:effectRef>
+            <a:fontRef idx="minor">
+              <a:schemeClr val="lt1"/>
+            </a:fontRef>
+          </p:style>
+          <p:txBody>
+            <a:bodyPr rtlCol="0" anchor="ctr"/>
+            <a:lstStyle/>
+            <a:p>
+              <a:pPr algn="ctr"/>
+              <a:endParaRPr lang="ja-JP" altLang="en-US">
+                <a:solidFill>
+                  <a:prstClr val="white"/>
+                </a:solidFill>
+              </a:endParaRPr>
+            </a:p>
+          </p:txBody>
+        </p:sp>
+        <p:cxnSp>
+          <p:nvCxnSpPr>
+            <p:cNvPr id="97" name="直線コネクタ 96"/>
+            <p:cNvCxnSpPr/>
+            <p:nvPr/>
+          </p:nvCxnSpPr>
+          <p:spPr>
+            <a:xfrm>
+              <a:off x="1159502" y="4960956"/>
+              <a:ext cx="0" cy="288032"/>
+            </a:xfrm>
+            <a:prstGeom prst="line">
+              <a:avLst/>
+            </a:prstGeom>
+            <a:ln w="50800">
+              <a:solidFill>
+                <a:schemeClr val="tx1"/>
+              </a:solidFill>
+            </a:ln>
+          </p:spPr>
+          <p:style>
+            <a:lnRef idx="1">
+              <a:schemeClr val="accent1"/>
+            </a:lnRef>
+            <a:fillRef idx="0">
+              <a:schemeClr val="accent1"/>
+            </a:fillRef>
+            <a:effectRef idx="0">
+              <a:schemeClr val="accent1"/>
+            </a:effectRef>
+            <a:fontRef idx="minor">
+              <a:schemeClr val="tx1"/>
+            </a:fontRef>
+          </p:style>
+        </p:cxnSp>
+      </p:grpSp>
+      <p:grpSp>
+        <p:nvGrpSpPr>
+          <p:cNvPr id="101" name="グループ化 100"/>
+          <p:cNvGrpSpPr/>
+          <p:nvPr/>
+        </p:nvGrpSpPr>
+        <p:grpSpPr>
+          <a:xfrm>
+            <a:off x="5091915" y="5285612"/>
+            <a:ext cx="632516" cy="812496"/>
+            <a:chOff x="843244" y="4960956"/>
+            <a:chExt cx="632516" cy="812496"/>
+          </a:xfrm>
+        </p:grpSpPr>
+        <p:sp>
+          <p:nvSpPr>
+            <p:cNvPr id="108" name="円/楕円 107"/>
+            <p:cNvSpPr/>
+            <p:nvPr/>
+          </p:nvSpPr>
+          <p:spPr>
+            <a:xfrm>
+              <a:off x="843244" y="5116996"/>
+              <a:ext cx="632516" cy="656456"/>
+            </a:xfrm>
+            <a:prstGeom prst="ellipse">
+              <a:avLst/>
+            </a:prstGeom>
+            <a:solidFill>
+              <a:srgbClr val="FF0000"/>
+            </a:solidFill>
+            <a:ln w="19050">
+              <a:noFill/>
+            </a:ln>
+          </p:spPr>
+          <p:style>
+            <a:lnRef idx="2">
+              <a:schemeClr val="accent1">
+                <a:shade val="50000"/>
+              </a:schemeClr>
+            </a:lnRef>
+            <a:fillRef idx="1">
+              <a:schemeClr val="accent1"/>
+            </a:fillRef>
+            <a:effectRef idx="0">
+              <a:schemeClr val="accent1"/>
+            </a:effectRef>
+            <a:fontRef idx="minor">
+              <a:schemeClr val="lt1"/>
+            </a:fontRef>
+          </p:style>
+          <p:txBody>
+            <a:bodyPr rtlCol="0" anchor="ctr"/>
+            <a:lstStyle/>
+            <a:p>
+              <a:pPr algn="ctr"/>
+              <a:endParaRPr lang="ja-JP" altLang="en-US">
+                <a:solidFill>
+                  <a:prstClr val="white"/>
+                </a:solidFill>
+              </a:endParaRPr>
+            </a:p>
+          </p:txBody>
+        </p:sp>
+        <p:cxnSp>
+          <p:nvCxnSpPr>
+            <p:cNvPr id="109" name="直線コネクタ 108"/>
+            <p:cNvCxnSpPr/>
+            <p:nvPr/>
+          </p:nvCxnSpPr>
+          <p:spPr>
+            <a:xfrm>
+              <a:off x="1159502" y="4960956"/>
+              <a:ext cx="0" cy="288032"/>
+            </a:xfrm>
+            <a:prstGeom prst="line">
+              <a:avLst/>
+            </a:prstGeom>
+            <a:ln w="50800">
+              <a:solidFill>
+                <a:schemeClr val="tx1"/>
+              </a:solidFill>
+            </a:ln>
+          </p:spPr>
+          <p:style>
+            <a:lnRef idx="1">
+              <a:schemeClr val="accent1"/>
+            </a:lnRef>
+            <a:fillRef idx="0">
+              <a:schemeClr val="accent1"/>
+            </a:fillRef>
+            <a:effectRef idx="0">
+              <a:schemeClr val="accent1"/>
+            </a:effectRef>
+            <a:fontRef idx="minor">
+              <a:schemeClr val="tx1"/>
+            </a:fontRef>
+          </p:style>
+        </p:cxnSp>
+      </p:grpSp>
+      <p:grpSp>
+        <p:nvGrpSpPr>
+          <p:cNvPr id="102" name="グループ化 101"/>
+          <p:cNvGrpSpPr/>
+          <p:nvPr/>
+        </p:nvGrpSpPr>
+        <p:grpSpPr>
+          <a:xfrm>
+            <a:off x="5739381" y="5573644"/>
+            <a:ext cx="632516" cy="812496"/>
+            <a:chOff x="843244" y="4960956"/>
+            <a:chExt cx="632516" cy="812496"/>
+          </a:xfrm>
+        </p:grpSpPr>
+        <p:sp>
+          <p:nvSpPr>
+            <p:cNvPr id="106" name="円/楕円 105"/>
+            <p:cNvSpPr/>
+            <p:nvPr/>
+          </p:nvSpPr>
+          <p:spPr>
+            <a:xfrm>
+              <a:off x="843244" y="5116996"/>
+              <a:ext cx="632516" cy="656456"/>
+            </a:xfrm>
+            <a:prstGeom prst="ellipse">
+              <a:avLst/>
+            </a:prstGeom>
+            <a:solidFill>
+              <a:srgbClr val="FF0000"/>
+            </a:solidFill>
+            <a:ln w="19050">
+              <a:noFill/>
+            </a:ln>
+          </p:spPr>
+          <p:style>
+            <a:lnRef idx="2">
+              <a:schemeClr val="accent1">
+                <a:shade val="50000"/>
+              </a:schemeClr>
+            </a:lnRef>
+            <a:fillRef idx="1">
+              <a:schemeClr val="accent1"/>
+            </a:fillRef>
+            <a:effectRef idx="0">
+              <a:schemeClr val="accent1"/>
+            </a:effectRef>
+            <a:fontRef idx="minor">
+              <a:schemeClr val="lt1"/>
+            </a:fontRef>
+          </p:style>
+          <p:txBody>
+            <a:bodyPr rtlCol="0" anchor="ctr"/>
+            <a:lstStyle/>
+            <a:p>
+              <a:pPr algn="ctr"/>
+              <a:endParaRPr lang="ja-JP" altLang="en-US">
+                <a:solidFill>
+                  <a:prstClr val="white"/>
+                </a:solidFill>
+              </a:endParaRPr>
+            </a:p>
+          </p:txBody>
+        </p:sp>
+        <p:cxnSp>
+          <p:nvCxnSpPr>
+            <p:cNvPr id="107" name="直線コネクタ 106"/>
+            <p:cNvCxnSpPr/>
+            <p:nvPr/>
+          </p:nvCxnSpPr>
+          <p:spPr>
+            <a:xfrm>
+              <a:off x="1159502" y="4960956"/>
+              <a:ext cx="0" cy="288032"/>
+            </a:xfrm>
+            <a:prstGeom prst="line">
+              <a:avLst/>
+            </a:prstGeom>
+            <a:ln w="50800">
+              <a:solidFill>
+                <a:schemeClr val="tx1"/>
+              </a:solidFill>
+            </a:ln>
+          </p:spPr>
+          <p:style>
+            <a:lnRef idx="1">
+              <a:schemeClr val="accent1"/>
+            </a:lnRef>
+            <a:fillRef idx="0">
+              <a:schemeClr val="accent1"/>
+            </a:fillRef>
+            <a:effectRef idx="0">
+              <a:schemeClr val="accent1"/>
+            </a:effectRef>
+            <a:fontRef idx="minor">
+              <a:schemeClr val="tx1"/>
+            </a:fontRef>
+          </p:style>
+        </p:cxnSp>
+      </p:grpSp>
+      <p:sp>
+        <p:nvSpPr>
+          <p:cNvPr id="40" name="正方形/長方形 39"/>
+          <p:cNvSpPr/>
+          <p:nvPr/>
+        </p:nvSpPr>
+        <p:spPr>
+          <a:xfrm>
+            <a:off x="467544" y="548680"/>
+            <a:ext cx="8208912" cy="1944216"/>
+          </a:xfrm>
+          <a:prstGeom prst="rect">
+            <a:avLst/>
+          </a:prstGeom>
+          <a:solidFill>
+            <a:schemeClr val="accent6">
+              <a:lumMod val="20000"/>
+              <a:lumOff val="80000"/>
+            </a:schemeClr>
+          </a:solidFill>
+          <a:ln>
+            <a:solidFill>
+              <a:schemeClr val="accent6">
+                <a:lumMod val="60000"/>
+                <a:lumOff val="40000"/>
+              </a:schemeClr>
+            </a:solidFill>
+          </a:ln>
+        </p:spPr>
+        <p:style>
+          <a:lnRef idx="2">
+            <a:schemeClr val="accent1">
+              <a:shade val="50000"/>
+            </a:schemeClr>
+          </a:lnRef>
+          <a:fillRef idx="1">
+            <a:schemeClr val="accent1"/>
+          </a:fillRef>
+          <a:effectRef idx="0">
+            <a:schemeClr val="accent1"/>
+          </a:effectRef>
+          <a:fontRef idx="minor">
+            <a:schemeClr val="lt1"/>
+          </a:fontRef>
+        </p:style>
+        <p:txBody>
+          <a:bodyPr rtlCol="0" anchor="ctr"/>
+          <a:lstStyle/>
+          <a:p>
+            <a:r>
+              <a:rPr lang="ja-JP" altLang="en-US" sz="3200" b="1" dirty="0">
+                <a:solidFill>
+                  <a:schemeClr val="tx1"/>
+                </a:solidFill>
+                <a:latin typeface="HGHangle" panose="020B0800000000000000" pitchFamily="34" charset="-127"/>
+                <a:ea typeface="HGHangle" panose="020B0800000000000000" pitchFamily="34" charset="-127"/>
+              </a:rPr>
+              <a:t> </a:t>
+            </a:r>
+            <a:r>
+              <a:rPr lang="ko-KR" altLang="ja-JP" sz="3200" b="1" dirty="0" smtClean="0">
+                <a:solidFill>
+                  <a:schemeClr val="tx1"/>
+                </a:solidFill>
+                <a:latin typeface="HGHangle" panose="020B0800000000000000" pitchFamily="34" charset="-127"/>
+                <a:ea typeface="HGHangle" panose="020B0800000000000000" pitchFamily="34" charset="-127"/>
+              </a:rPr>
+              <a:t>접시가</a:t>
+            </a:r>
+            <a:r>
+              <a:rPr lang="en-US" altLang="ja-JP" sz="3200" b="1" dirty="0" smtClean="0">
+                <a:solidFill>
+                  <a:schemeClr val="tx1"/>
+                </a:solidFill>
+                <a:latin typeface="HGHangle" panose="020B0800000000000000" pitchFamily="34" charset="-127"/>
+                <a:ea typeface="HGHangle" panose="020B0800000000000000" pitchFamily="34" charset="-127"/>
+              </a:rPr>
+              <a:t> </a:t>
+            </a:r>
+            <a:r>
+              <a:rPr lang="en-US" altLang="ja-JP" sz="3200" b="1" dirty="0">
+                <a:solidFill>
+                  <a:schemeClr val="tx1"/>
+                </a:solidFill>
+                <a:latin typeface="HGHangle" panose="020B0800000000000000" pitchFamily="34" charset="-127"/>
+                <a:ea typeface="HGHangle" panose="020B0800000000000000" pitchFamily="34" charset="-127"/>
+              </a:rPr>
+              <a:t>5</a:t>
+            </a:r>
+            <a:r>
+              <a:rPr lang="ko-KR" altLang="ja-JP" sz="3200" b="1" dirty="0">
+                <a:solidFill>
+                  <a:schemeClr val="tx1"/>
+                </a:solidFill>
+                <a:latin typeface="HGHangle" panose="020B0800000000000000" pitchFamily="34" charset="-127"/>
+                <a:ea typeface="HGHangle" panose="020B0800000000000000" pitchFamily="34" charset="-127"/>
+              </a:rPr>
+              <a:t>장 있습니다</a:t>
+            </a:r>
+            <a:r>
+              <a:rPr lang="en-US" altLang="ja-JP" sz="3200" b="1" dirty="0" smtClean="0">
+                <a:solidFill>
+                  <a:schemeClr val="tx1"/>
+                </a:solidFill>
+                <a:latin typeface="HGHangle" panose="020B0800000000000000" pitchFamily="34" charset="-127"/>
+                <a:ea typeface="HGHangle" panose="020B0800000000000000" pitchFamily="34" charset="-127"/>
+              </a:rPr>
+              <a:t>.</a:t>
+            </a:r>
+          </a:p>
+          <a:p>
+            <a:r>
+              <a:rPr lang="ja-JP" altLang="en-US" sz="3200" b="1" dirty="0">
+                <a:solidFill>
+                  <a:srgbClr val="C00000"/>
+                </a:solidFill>
+                <a:latin typeface="HGHangle" panose="020B0800000000000000" pitchFamily="34" charset="-127"/>
+                <a:ea typeface="HGHangle" panose="020B0800000000000000" pitchFamily="34" charset="-127"/>
+              </a:rPr>
+              <a:t> </a:t>
+            </a:r>
+            <a:r>
+              <a:rPr lang="ko-KR" altLang="en-US" sz="3200" b="1" dirty="0" smtClean="0">
+                <a:solidFill>
+                  <a:srgbClr val="C00000"/>
+                </a:solidFill>
+                <a:latin typeface="HGHangle" panose="020B0800000000000000" pitchFamily="34" charset="-127"/>
+                <a:ea typeface="HGHangle" panose="020B0800000000000000" pitchFamily="34" charset="-127"/>
+              </a:rPr>
+              <a:t>한접시에 </a:t>
+            </a:r>
+            <a:r>
+              <a:rPr lang="ko-KR" altLang="en-US" sz="3200" b="1" dirty="0">
+                <a:solidFill>
+                  <a:srgbClr val="C00000"/>
+                </a:solidFill>
+                <a:latin typeface="HGHangle" panose="020B0800000000000000" pitchFamily="34" charset="-127"/>
+                <a:ea typeface="HGHangle" panose="020B0800000000000000" pitchFamily="34" charset="-127"/>
+              </a:rPr>
+              <a:t>사과 </a:t>
+            </a:r>
+            <a:r>
+              <a:rPr lang="en-US" altLang="ko-KR" sz="3200" b="1" dirty="0">
+                <a:solidFill>
+                  <a:srgbClr val="C00000"/>
+                </a:solidFill>
+                <a:latin typeface="HGHangle" panose="020B0800000000000000" pitchFamily="34" charset="-127"/>
+                <a:ea typeface="HGHangle" panose="020B0800000000000000" pitchFamily="34" charset="-127"/>
+              </a:rPr>
+              <a:t>3</a:t>
+            </a:r>
+            <a:r>
+              <a:rPr lang="ko-KR" altLang="en-US" sz="3200" b="1" dirty="0">
+                <a:solidFill>
+                  <a:srgbClr val="C00000"/>
+                </a:solidFill>
+                <a:latin typeface="HGHangle" panose="020B0800000000000000" pitchFamily="34" charset="-127"/>
+                <a:ea typeface="HGHangle" panose="020B0800000000000000" pitchFamily="34" charset="-127"/>
+              </a:rPr>
+              <a:t>개씩을 담을 </a:t>
+            </a:r>
+            <a:r>
+              <a:rPr lang="ko-KR" altLang="en-US" sz="3200" b="1" dirty="0" smtClean="0">
+                <a:solidFill>
+                  <a:srgbClr val="C00000"/>
+                </a:solidFill>
+                <a:latin typeface="HGHangle" panose="020B0800000000000000" pitchFamily="34" charset="-127"/>
+                <a:ea typeface="HGHangle" panose="020B0800000000000000" pitchFamily="34" charset="-127"/>
+              </a:rPr>
+              <a:t>경우</a:t>
+            </a:r>
+            <a:endParaRPr lang="en-US" altLang="ja-JP" sz="3200" b="1" dirty="0" smtClean="0">
+              <a:solidFill>
+                <a:srgbClr val="C00000"/>
+              </a:solidFill>
+              <a:latin typeface="HGHangle" panose="020B0800000000000000" pitchFamily="34" charset="-127"/>
+              <a:ea typeface="HGHangle" panose="020B0800000000000000" pitchFamily="34" charset="-127"/>
+            </a:endParaRPr>
+          </a:p>
+          <a:p>
+            <a:r>
+              <a:rPr lang="ja-JP" altLang="en-US" sz="3200" b="1" dirty="0">
+                <a:solidFill>
+                  <a:schemeClr val="tx1"/>
+                </a:solidFill>
+                <a:latin typeface="HGHangle" panose="020B0800000000000000" pitchFamily="34" charset="-127"/>
+                <a:ea typeface="HGHangle" panose="020B0800000000000000" pitchFamily="34" charset="-127"/>
+              </a:rPr>
+              <a:t> </a:t>
+            </a:r>
+            <a:r>
+              <a:rPr lang="ko-KR" altLang="ja-JP" sz="3200" b="1" dirty="0" smtClean="0">
+                <a:solidFill>
+                  <a:schemeClr val="tx1"/>
+                </a:solidFill>
+                <a:latin typeface="HGHangle" panose="020B0800000000000000" pitchFamily="34" charset="-127"/>
+                <a:ea typeface="HGHangle" panose="020B0800000000000000" pitchFamily="34" charset="-127"/>
+              </a:rPr>
+              <a:t>사과가 </a:t>
+            </a:r>
+            <a:r>
+              <a:rPr lang="ko-KR" altLang="ja-JP" sz="3200" b="1" dirty="0">
+                <a:solidFill>
+                  <a:schemeClr val="tx1"/>
+                </a:solidFill>
+                <a:latin typeface="HGHangle" panose="020B0800000000000000" pitchFamily="34" charset="-127"/>
+                <a:ea typeface="HGHangle" panose="020B0800000000000000" pitchFamily="34" charset="-127"/>
+              </a:rPr>
+              <a:t>모두 몇개 있을까요</a:t>
+            </a:r>
+            <a:r>
+              <a:rPr lang="en-US" altLang="ja-JP" sz="3200" b="1" dirty="0">
+                <a:solidFill>
+                  <a:schemeClr val="tx1"/>
+                </a:solidFill>
+                <a:latin typeface="HGHangle" panose="020B0800000000000000" pitchFamily="34" charset="-127"/>
+                <a:ea typeface="HGHangle" panose="020B0800000000000000" pitchFamily="34" charset="-127"/>
+              </a:rPr>
+              <a:t>?</a:t>
+            </a:r>
+            <a:endParaRPr lang="ja-JP" altLang="en-US" sz="3200" b="1" dirty="0">
+              <a:solidFill>
+                <a:schemeClr val="tx1"/>
+              </a:solidFill>
+              <a:latin typeface="HGHangle" panose="020B0800000000000000" pitchFamily="34" charset="-127"/>
+              <a:ea typeface="Gungsuh" panose="02030600000101010101" pitchFamily="18" charset="-127"/>
+            </a:endParaRPr>
+          </a:p>
+        </p:txBody>
+      </p:sp>
+      <p:sp>
+        <p:nvSpPr>
+          <p:cNvPr id="41" name="テキスト ボックス 40"/>
+          <p:cNvSpPr txBox="1"/>
+          <p:nvPr/>
+        </p:nvSpPr>
+        <p:spPr>
+          <a:xfrm>
+            <a:off x="2949814" y="2492896"/>
+            <a:ext cx="1332416" cy="923330"/>
+          </a:xfrm>
+          <a:prstGeom prst="rect">
+            <a:avLst/>
+          </a:prstGeom>
+          <a:noFill/>
+        </p:spPr>
+        <p:txBody>
+          <a:bodyPr wrap="none" rtlCol="0">
+            <a:spAutoFit/>
+          </a:bodyPr>
+          <a:lstStyle/>
+          <a:p>
+            <a:r>
+              <a:rPr lang="en-US" altLang="ja-JP" sz="5400" b="1" dirty="0" smtClean="0">
+                <a:solidFill>
+                  <a:schemeClr val="tx2">
+                    <a:lumMod val="75000"/>
+                  </a:schemeClr>
+                </a:solidFill>
+                <a:latin typeface="HGHangle" panose="020B0800000000000000" pitchFamily="34" charset="-127"/>
+                <a:ea typeface="HGHangle" panose="020B0800000000000000" pitchFamily="34" charset="-127"/>
+              </a:rPr>
+              <a:t>5+5</a:t>
+            </a:r>
+            <a:endParaRPr kumimoji="1" lang="ja-JP" altLang="en-US" sz="5400" b="1" dirty="0">
+              <a:solidFill>
+                <a:schemeClr val="tx2">
+                  <a:lumMod val="75000"/>
+                </a:schemeClr>
+              </a:solidFill>
+              <a:latin typeface="HGHangle" panose="020B0800000000000000" pitchFamily="34" charset="-127"/>
+              <a:ea typeface="HG創英角ﾎﾟｯﾌﾟ体" panose="040B0A09000000000000" pitchFamily="49" charset="-128"/>
+            </a:endParaRPr>
+          </a:p>
+        </p:txBody>
+      </p:sp>
+      <p:sp>
+        <p:nvSpPr>
+          <p:cNvPr id="43" name="テキスト ボックス 42"/>
+          <p:cNvSpPr txBox="1"/>
+          <p:nvPr/>
+        </p:nvSpPr>
+        <p:spPr>
+          <a:xfrm>
+            <a:off x="7905715" y="87015"/>
+            <a:ext cx="798617" cy="461665"/>
+          </a:xfrm>
+          <a:prstGeom prst="rect">
+            <a:avLst/>
+          </a:prstGeom>
+          <a:noFill/>
+        </p:spPr>
+        <p:txBody>
+          <a:bodyPr wrap="none" rtlCol="0">
+            <a:spAutoFit/>
+          </a:bodyPr>
+          <a:lstStyle/>
+          <a:p>
+            <a:pPr algn="r"/>
+            <a:r>
+              <a:rPr lang="en-US" altLang="ja-JP" sz="2400" b="1" dirty="0">
+                <a:solidFill>
+                  <a:prstClr val="black"/>
+                </a:solidFill>
+                <a:latin typeface="HGHangle" panose="020B0800000000000000" pitchFamily="34" charset="-127"/>
+                <a:ea typeface="HGS創英角ﾎﾟｯﾌﾟ体" pitchFamily="50" charset="-128"/>
+              </a:rPr>
+              <a:t>4</a:t>
+            </a:r>
+            <a:r>
+              <a:rPr lang="en-US" altLang="ja-JP" sz="2400" b="1" dirty="0" smtClean="0">
+                <a:solidFill>
+                  <a:prstClr val="black"/>
+                </a:solidFill>
+                <a:latin typeface="HGHangle" panose="020B0800000000000000" pitchFamily="34" charset="-127"/>
+                <a:ea typeface="HGS創英角ﾎﾟｯﾌﾟ体" pitchFamily="50" charset="-128"/>
+              </a:rPr>
+              <a:t> / 6</a:t>
+            </a:r>
+            <a:endParaRPr lang="ja-JP" altLang="en-US" sz="2400" b="1" dirty="0">
+              <a:solidFill>
+                <a:prstClr val="black"/>
+              </a:solidFill>
+              <a:latin typeface="HGHangle" panose="020B0800000000000000" pitchFamily="34" charset="-127"/>
+              <a:ea typeface="HGS創英角ﾎﾟｯﾌﾟ体" pitchFamily="50" charset="-128"/>
+            </a:endParaRPr>
+          </a:p>
+        </p:txBody>
+      </p:sp>
+    </p:spTree>
+    <p:extLst>
+      <p:ext uri="{BB962C8B-B14F-4D97-AF65-F5344CB8AC3E}">
+        <p14:creationId xmlns:p14="http://schemas.microsoft.com/office/powerpoint/2010/main" val="2244313759"/>
+      </p:ext>
+    </p:extLst>
+  </p:cSld>
+  <p:clrMapOvr>
+    <a:masterClrMapping/>
+  </p:clrMapOvr>
+  <p:timing>
+    <p:tnLst>
+      <p:par>
+        <p:cTn id="1" dur="indefinite" restart="never" nodeType="tmRoot"/>
+      </p:par>
+    </p:tnLst>
+  </p:timing>
+</p:sld>
+</file>
+
+<file path=ppt/slides/slide19.xml><?xml version="1.0" encoding="utf-8"?>
+<p:sld xmlns:a="http://schemas.openxmlformats.org/drawingml/2006/main" xmlns:r="http://schemas.openxmlformats.org/officeDocument/2006/relationships" xmlns:p="http://schemas.openxmlformats.org/presentationml/2006/main">
+  <p:cSld>
+    <p:spTree>
+      <p:nvGrpSpPr>
+        <p:cNvPr id="1" name=""/>
+        <p:cNvGrpSpPr/>
+        <p:nvPr/>
+      </p:nvGrpSpPr>
+      <p:grpSpPr>
+        <a:xfrm>
+          <a:off x="0" y="0"/>
+          <a:ext cx="0" cy="0"/>
+          <a:chOff x="0" y="0"/>
+          <a:chExt cx="0" cy="0"/>
+        </a:xfrm>
+      </p:grpSpPr>
+      <p:sp>
+        <p:nvSpPr>
+          <p:cNvPr id="5" name="円/楕円 4"/>
+          <p:cNvSpPr/>
+          <p:nvPr/>
+        </p:nvSpPr>
+        <p:spPr>
+          <a:xfrm>
+            <a:off x="474716" y="3793232"/>
+            <a:ext cx="2376264" cy="1008112"/>
+          </a:xfrm>
+          <a:prstGeom prst="ellipse">
+            <a:avLst/>
+          </a:prstGeom>
+          <a:solidFill>
+            <a:schemeClr val="bg1"/>
+          </a:solidFill>
+          <a:ln w="38100">
+            <a:solidFill>
+              <a:schemeClr val="tx1"/>
+            </a:solidFill>
+          </a:ln>
+        </p:spPr>
+        <p:style>
+          <a:lnRef idx="2">
+            <a:schemeClr val="accent1">
+              <a:shade val="50000"/>
+            </a:schemeClr>
+          </a:lnRef>
+          <a:fillRef idx="1">
+            <a:schemeClr val="accent1"/>
+          </a:fillRef>
+          <a:effectRef idx="0">
+            <a:schemeClr val="accent1"/>
+          </a:effectRef>
+          <a:fontRef idx="minor">
+            <a:schemeClr val="lt1"/>
+          </a:fontRef>
+        </p:style>
+        <p:txBody>
+          <a:bodyPr rtlCol="0" anchor="ctr"/>
+          <a:lstStyle/>
+          <a:p>
+            <a:pPr algn="ctr"/>
+            <a:endParaRPr lang="ja-JP" altLang="en-US">
+              <a:solidFill>
+                <a:prstClr val="white"/>
+              </a:solidFill>
+            </a:endParaRPr>
+          </a:p>
+        </p:txBody>
+      </p:sp>
+      <p:sp>
+        <p:nvSpPr>
+          <p:cNvPr id="6" name="円/楕円 5"/>
+          <p:cNvSpPr/>
+          <p:nvPr/>
+        </p:nvSpPr>
+        <p:spPr>
+          <a:xfrm>
+            <a:off x="6300192" y="3793232"/>
+            <a:ext cx="2376264" cy="1008112"/>
+          </a:xfrm>
+          <a:prstGeom prst="ellipse">
+            <a:avLst/>
+          </a:prstGeom>
+          <a:solidFill>
+            <a:schemeClr val="bg1"/>
+          </a:solidFill>
+          <a:ln w="38100">
+            <a:solidFill>
+              <a:schemeClr val="tx1"/>
+            </a:solidFill>
+          </a:ln>
+        </p:spPr>
+        <p:style>
+          <a:lnRef idx="2">
+            <a:schemeClr val="accent1">
+              <a:shade val="50000"/>
+            </a:schemeClr>
+          </a:lnRef>
+          <a:fillRef idx="1">
+            <a:schemeClr val="accent1"/>
+          </a:fillRef>
+          <a:effectRef idx="0">
+            <a:schemeClr val="accent1"/>
+          </a:effectRef>
+          <a:fontRef idx="minor">
+            <a:schemeClr val="lt1"/>
+          </a:fontRef>
+        </p:style>
+        <p:txBody>
+          <a:bodyPr rtlCol="0" anchor="ctr"/>
+          <a:lstStyle/>
+          <a:p>
+            <a:pPr algn="ctr"/>
+            <a:endParaRPr lang="ja-JP" altLang="en-US">
+              <a:solidFill>
+                <a:prstClr val="white"/>
+              </a:solidFill>
+            </a:endParaRPr>
+          </a:p>
+        </p:txBody>
+      </p:sp>
+      <p:sp>
+        <p:nvSpPr>
+          <p:cNvPr id="7" name="円/楕円 6"/>
+          <p:cNvSpPr/>
+          <p:nvPr/>
+        </p:nvSpPr>
+        <p:spPr>
+          <a:xfrm>
+            <a:off x="3383868" y="3793232"/>
+            <a:ext cx="2376264" cy="1008112"/>
+          </a:xfrm>
+          <a:prstGeom prst="ellipse">
+            <a:avLst/>
+          </a:prstGeom>
+          <a:solidFill>
+            <a:schemeClr val="bg1"/>
+          </a:solidFill>
+          <a:ln w="38100">
+            <a:solidFill>
+              <a:schemeClr val="tx1"/>
+            </a:solidFill>
+          </a:ln>
+        </p:spPr>
+        <p:style>
+          <a:lnRef idx="2">
+            <a:schemeClr val="accent1">
+              <a:shade val="50000"/>
+            </a:schemeClr>
+          </a:lnRef>
+          <a:fillRef idx="1">
+            <a:schemeClr val="accent1"/>
+          </a:fillRef>
+          <a:effectRef idx="0">
+            <a:schemeClr val="accent1"/>
+          </a:effectRef>
+          <a:fontRef idx="minor">
+            <a:schemeClr val="lt1"/>
+          </a:fontRef>
+        </p:style>
+        <p:txBody>
+          <a:bodyPr rtlCol="0" anchor="ctr"/>
+          <a:lstStyle/>
+          <a:p>
+            <a:pPr algn="ctr"/>
+            <a:endParaRPr lang="ja-JP" altLang="en-US">
+              <a:solidFill>
+                <a:prstClr val="white"/>
+              </a:solidFill>
+            </a:endParaRPr>
+          </a:p>
+        </p:txBody>
+      </p:sp>
+      <p:sp>
+        <p:nvSpPr>
+          <p:cNvPr id="8" name="円/楕円 7"/>
+          <p:cNvSpPr/>
+          <p:nvPr/>
+        </p:nvSpPr>
+        <p:spPr>
+          <a:xfrm>
+            <a:off x="1950880" y="5445224"/>
+            <a:ext cx="2376264" cy="1008112"/>
+          </a:xfrm>
+          <a:prstGeom prst="ellipse">
+            <a:avLst/>
+          </a:prstGeom>
+          <a:solidFill>
+            <a:schemeClr val="bg1"/>
+          </a:solidFill>
+          <a:ln w="38100">
+            <a:solidFill>
+              <a:schemeClr val="tx1"/>
+            </a:solidFill>
+          </a:ln>
+        </p:spPr>
+        <p:style>
+          <a:lnRef idx="2">
+            <a:schemeClr val="accent1">
+              <a:shade val="50000"/>
+            </a:schemeClr>
+          </a:lnRef>
+          <a:fillRef idx="1">
+            <a:schemeClr val="accent1"/>
+          </a:fillRef>
+          <a:effectRef idx="0">
+            <a:schemeClr val="accent1"/>
+          </a:effectRef>
+          <a:fontRef idx="minor">
+            <a:schemeClr val="lt1"/>
+          </a:fontRef>
+        </p:style>
+        <p:txBody>
+          <a:bodyPr rtlCol="0" anchor="ctr"/>
+          <a:lstStyle/>
+          <a:p>
+            <a:pPr algn="ctr"/>
+            <a:endParaRPr lang="ja-JP" altLang="en-US">
+              <a:solidFill>
+                <a:prstClr val="white"/>
+              </a:solidFill>
+            </a:endParaRPr>
+          </a:p>
+        </p:txBody>
+      </p:sp>
+      <p:sp>
+        <p:nvSpPr>
+          <p:cNvPr id="9" name="円/楕円 8"/>
+          <p:cNvSpPr/>
+          <p:nvPr/>
+        </p:nvSpPr>
+        <p:spPr>
+          <a:xfrm>
+            <a:off x="4860032" y="5445224"/>
+            <a:ext cx="2376264" cy="1008112"/>
+          </a:xfrm>
+          <a:prstGeom prst="ellipse">
+            <a:avLst/>
+          </a:prstGeom>
+          <a:solidFill>
+            <a:schemeClr val="bg1"/>
+          </a:solidFill>
+          <a:ln w="38100">
+            <a:solidFill>
+              <a:schemeClr val="tx1"/>
+            </a:solidFill>
+          </a:ln>
+        </p:spPr>
+        <p:style>
+          <a:lnRef idx="2">
+            <a:schemeClr val="accent1">
+              <a:shade val="50000"/>
+            </a:schemeClr>
+          </a:lnRef>
+          <a:fillRef idx="1">
+            <a:schemeClr val="accent1"/>
+          </a:fillRef>
+          <a:effectRef idx="0">
+            <a:schemeClr val="accent1"/>
+          </a:effectRef>
+          <a:fontRef idx="minor">
+            <a:schemeClr val="lt1"/>
+          </a:fontRef>
+        </p:style>
+        <p:txBody>
+          <a:bodyPr rtlCol="0" anchor="ctr"/>
+          <a:lstStyle/>
+          <a:p>
+            <a:pPr algn="ctr"/>
+            <a:endParaRPr lang="ja-JP" altLang="en-US">
+              <a:solidFill>
+                <a:prstClr val="white"/>
+              </a:solidFill>
+            </a:endParaRPr>
+          </a:p>
+        </p:txBody>
+      </p:sp>
+      <p:grpSp>
+        <p:nvGrpSpPr>
+          <p:cNvPr id="21" name="グループ化 20"/>
+          <p:cNvGrpSpPr/>
+          <p:nvPr/>
+        </p:nvGrpSpPr>
+        <p:grpSpPr>
+          <a:xfrm>
+            <a:off x="699124" y="3628808"/>
+            <a:ext cx="1912498" cy="1120936"/>
+            <a:chOff x="699124" y="2976544"/>
+            <a:chExt cx="1912498" cy="1120936"/>
+          </a:xfrm>
+        </p:grpSpPr>
+        <p:grpSp>
+          <p:nvGrpSpPr>
+            <p:cNvPr id="14" name="グループ化 13"/>
+            <p:cNvGrpSpPr/>
+            <p:nvPr/>
+          </p:nvGrpSpPr>
+          <p:grpSpPr>
+            <a:xfrm>
+              <a:off x="699124" y="2996952"/>
+              <a:ext cx="632516" cy="812496"/>
+              <a:chOff x="843244" y="4960956"/>
+              <a:chExt cx="632516" cy="812496"/>
+            </a:xfrm>
+          </p:grpSpPr>
+          <p:sp>
+            <p:nvSpPr>
+              <p:cNvPr id="10" name="円/楕円 9"/>
+              <p:cNvSpPr/>
+              <p:nvPr/>
+            </p:nvSpPr>
+            <p:spPr>
+              <a:xfrm>
+                <a:off x="843244" y="5116996"/>
+                <a:ext cx="632516" cy="656456"/>
+              </a:xfrm>
+              <a:prstGeom prst="ellipse">
+                <a:avLst/>
+              </a:prstGeom>
+              <a:solidFill>
+                <a:srgbClr val="FF0000"/>
+              </a:solidFill>
+              <a:ln w="19050">
+                <a:noFill/>
+              </a:ln>
+            </p:spPr>
+            <p:style>
+              <a:lnRef idx="2">
+                <a:schemeClr val="accent1">
+                  <a:shade val="50000"/>
+                </a:schemeClr>
+              </a:lnRef>
+              <a:fillRef idx="1">
+                <a:schemeClr val="accent1"/>
+              </a:fillRef>
+              <a:effectRef idx="0">
+                <a:schemeClr val="accent1"/>
+              </a:effectRef>
+              <a:fontRef idx="minor">
+                <a:schemeClr val="lt1"/>
+              </a:fontRef>
+            </p:style>
+            <p:txBody>
+              <a:bodyPr rtlCol="0" anchor="ctr"/>
+              <a:lstStyle/>
+              <a:p>
+                <a:pPr algn="ctr"/>
+                <a:endParaRPr lang="ja-JP" altLang="en-US">
+                  <a:solidFill>
+                    <a:prstClr val="white"/>
+                  </a:solidFill>
+                </a:endParaRPr>
+              </a:p>
+            </p:txBody>
+          </p:sp>
+          <p:cxnSp>
+            <p:nvCxnSpPr>
+              <p:cNvPr id="12" name="直線コネクタ 11"/>
+              <p:cNvCxnSpPr/>
+              <p:nvPr/>
+            </p:nvCxnSpPr>
+            <p:spPr>
+              <a:xfrm>
+                <a:off x="1159502" y="4960956"/>
+                <a:ext cx="0" cy="288032"/>
+              </a:xfrm>
+              <a:prstGeom prst="line">
+                <a:avLst/>
+              </a:prstGeom>
+              <a:ln w="50800">
+                <a:solidFill>
+                  <a:schemeClr val="tx1"/>
+                </a:solidFill>
+              </a:ln>
+            </p:spPr>
+            <p:style>
+              <a:lnRef idx="1">
+                <a:schemeClr val="accent1"/>
+              </a:lnRef>
+              <a:fillRef idx="0">
+                <a:schemeClr val="accent1"/>
+              </a:fillRef>
+              <a:effectRef idx="0">
+                <a:schemeClr val="accent1"/>
+              </a:effectRef>
+              <a:fontRef idx="minor">
+                <a:schemeClr val="tx1"/>
+              </a:fontRef>
+            </p:style>
+          </p:cxnSp>
+        </p:grpSp>
+        <p:grpSp>
+          <p:nvGrpSpPr>
+            <p:cNvPr id="15" name="グループ化 14"/>
+            <p:cNvGrpSpPr/>
+            <p:nvPr/>
+          </p:nvGrpSpPr>
+          <p:grpSpPr>
+            <a:xfrm>
+              <a:off x="1346590" y="3284984"/>
+              <a:ext cx="632516" cy="812496"/>
+              <a:chOff x="843244" y="4960956"/>
+              <a:chExt cx="632516" cy="812496"/>
+            </a:xfrm>
+          </p:grpSpPr>
+          <p:sp>
+            <p:nvSpPr>
+              <p:cNvPr id="16" name="円/楕円 15"/>
+              <p:cNvSpPr/>
+              <p:nvPr/>
+            </p:nvSpPr>
+            <p:spPr>
+              <a:xfrm>
+                <a:off x="843244" y="5116996"/>
+                <a:ext cx="632516" cy="656456"/>
+              </a:xfrm>
+              <a:prstGeom prst="ellipse">
+                <a:avLst/>
+              </a:prstGeom>
+              <a:solidFill>
+                <a:srgbClr val="FF0000"/>
+              </a:solidFill>
+              <a:ln w="19050">
+                <a:noFill/>
+              </a:ln>
+            </p:spPr>
+            <p:style>
+              <a:lnRef idx="2">
+                <a:schemeClr val="accent1">
+                  <a:shade val="50000"/>
+                </a:schemeClr>
+              </a:lnRef>
+              <a:fillRef idx="1">
+                <a:schemeClr val="accent1"/>
+              </a:fillRef>
+              <a:effectRef idx="0">
+                <a:schemeClr val="accent1"/>
+              </a:effectRef>
+              <a:fontRef idx="minor">
+                <a:schemeClr val="lt1"/>
+              </a:fontRef>
+            </p:style>
+            <p:txBody>
+              <a:bodyPr rtlCol="0" anchor="ctr"/>
+              <a:lstStyle/>
+              <a:p>
+                <a:pPr algn="ctr"/>
+                <a:endParaRPr lang="ja-JP" altLang="en-US">
+                  <a:solidFill>
+                    <a:prstClr val="white"/>
+                  </a:solidFill>
+                </a:endParaRPr>
+              </a:p>
+            </p:txBody>
+          </p:sp>
+          <p:cxnSp>
+            <p:nvCxnSpPr>
+              <p:cNvPr id="17" name="直線コネクタ 16"/>
+              <p:cNvCxnSpPr/>
+              <p:nvPr/>
+            </p:nvCxnSpPr>
+            <p:spPr>
+              <a:xfrm>
+                <a:off x="1159502" y="4960956"/>
+                <a:ext cx="0" cy="288032"/>
+              </a:xfrm>
+              <a:prstGeom prst="line">
+                <a:avLst/>
+              </a:prstGeom>
+              <a:ln w="50800">
+                <a:solidFill>
+                  <a:schemeClr val="tx1"/>
+                </a:solidFill>
+              </a:ln>
+            </p:spPr>
+            <p:style>
+              <a:lnRef idx="1">
+                <a:schemeClr val="accent1"/>
+              </a:lnRef>
+              <a:fillRef idx="0">
+                <a:schemeClr val="accent1"/>
+              </a:fillRef>
+              <a:effectRef idx="0">
+                <a:schemeClr val="accent1"/>
+              </a:effectRef>
+              <a:fontRef idx="minor">
+                <a:schemeClr val="tx1"/>
+              </a:fontRef>
+            </p:style>
+          </p:cxnSp>
+        </p:grpSp>
+        <p:grpSp>
+          <p:nvGrpSpPr>
+            <p:cNvPr id="18" name="グループ化 17"/>
+            <p:cNvGrpSpPr/>
+            <p:nvPr/>
+          </p:nvGrpSpPr>
+          <p:grpSpPr>
+            <a:xfrm>
+              <a:off x="1979106" y="2976544"/>
+              <a:ext cx="632516" cy="812496"/>
+              <a:chOff x="843244" y="4960956"/>
+              <a:chExt cx="632516" cy="812496"/>
+            </a:xfrm>
+          </p:grpSpPr>
+          <p:sp>
+            <p:nvSpPr>
+              <p:cNvPr id="19" name="円/楕円 18"/>
+              <p:cNvSpPr/>
+              <p:nvPr/>
+            </p:nvSpPr>
+            <p:spPr>
+              <a:xfrm>
+                <a:off x="843244" y="5116996"/>
+                <a:ext cx="632516" cy="656456"/>
+              </a:xfrm>
+              <a:prstGeom prst="ellipse">
+                <a:avLst/>
+              </a:prstGeom>
+              <a:solidFill>
+                <a:srgbClr val="FF0000"/>
+              </a:solidFill>
+              <a:ln w="19050">
+                <a:noFill/>
+              </a:ln>
+            </p:spPr>
+            <p:style>
+              <a:lnRef idx="2">
+                <a:schemeClr val="accent1">
+                  <a:shade val="50000"/>
+                </a:schemeClr>
+              </a:lnRef>
+              <a:fillRef idx="1">
+                <a:schemeClr val="accent1"/>
+              </a:fillRef>
+              <a:effectRef idx="0">
+                <a:schemeClr val="accent1"/>
+              </a:effectRef>
+              <a:fontRef idx="minor">
+                <a:schemeClr val="lt1"/>
+              </a:fontRef>
+            </p:style>
+            <p:txBody>
+              <a:bodyPr rtlCol="0" anchor="ctr"/>
+              <a:lstStyle/>
+              <a:p>
+                <a:pPr algn="ctr"/>
+                <a:endParaRPr lang="ja-JP" altLang="en-US">
+                  <a:solidFill>
+                    <a:prstClr val="white"/>
+                  </a:solidFill>
+                </a:endParaRPr>
+              </a:p>
+            </p:txBody>
+          </p:sp>
+          <p:cxnSp>
+            <p:nvCxnSpPr>
+              <p:cNvPr id="20" name="直線コネクタ 19"/>
+              <p:cNvCxnSpPr/>
+              <p:nvPr/>
+            </p:nvCxnSpPr>
+            <p:spPr>
+              <a:xfrm>
+                <a:off x="1159502" y="4960956"/>
+                <a:ext cx="0" cy="288032"/>
+              </a:xfrm>
+              <a:prstGeom prst="line">
+                <a:avLst/>
+              </a:prstGeom>
+              <a:ln w="50800">
+                <a:solidFill>
+                  <a:schemeClr val="tx1"/>
+                </a:solidFill>
+              </a:ln>
+            </p:spPr>
+            <p:style>
+              <a:lnRef idx="1">
+                <a:schemeClr val="accent1"/>
+              </a:lnRef>
+              <a:fillRef idx="0">
+                <a:schemeClr val="accent1"/>
+              </a:fillRef>
+              <a:effectRef idx="0">
+                <a:schemeClr val="accent1"/>
+              </a:effectRef>
+              <a:fontRef idx="minor">
+                <a:schemeClr val="tx1"/>
+              </a:fontRef>
+            </p:style>
+          </p:cxnSp>
+        </p:grpSp>
+      </p:grpSp>
+      <p:grpSp>
+        <p:nvGrpSpPr>
+          <p:cNvPr id="22" name="グループ化 21"/>
+          <p:cNvGrpSpPr/>
+          <p:nvPr/>
+        </p:nvGrpSpPr>
+        <p:grpSpPr>
+          <a:xfrm>
+            <a:off x="3615751" y="3628808"/>
+            <a:ext cx="1912498" cy="1120936"/>
+            <a:chOff x="699124" y="2976544"/>
+            <a:chExt cx="1912498" cy="1120936"/>
+          </a:xfrm>
+        </p:grpSpPr>
+        <p:grpSp>
+          <p:nvGrpSpPr>
+            <p:cNvPr id="23" name="グループ化 22"/>
+            <p:cNvGrpSpPr/>
+            <p:nvPr/>
+          </p:nvGrpSpPr>
+          <p:grpSpPr>
+            <a:xfrm>
+              <a:off x="699124" y="2996952"/>
+              <a:ext cx="632516" cy="812496"/>
+              <a:chOff x="843244" y="4960956"/>
+              <a:chExt cx="632516" cy="812496"/>
+            </a:xfrm>
+          </p:grpSpPr>
+          <p:sp>
+            <p:nvSpPr>
+              <p:cNvPr id="30" name="円/楕円 29"/>
+              <p:cNvSpPr/>
+              <p:nvPr/>
+            </p:nvSpPr>
+            <p:spPr>
+              <a:xfrm>
+                <a:off x="843244" y="5116996"/>
+                <a:ext cx="632516" cy="656456"/>
+              </a:xfrm>
+              <a:prstGeom prst="ellipse">
+                <a:avLst/>
+              </a:prstGeom>
+              <a:solidFill>
+                <a:srgbClr val="FF0000"/>
+              </a:solidFill>
+              <a:ln w="19050">
+                <a:noFill/>
+              </a:ln>
+            </p:spPr>
+            <p:style>
+              <a:lnRef idx="2">
+                <a:schemeClr val="accent1">
+                  <a:shade val="50000"/>
+                </a:schemeClr>
+              </a:lnRef>
+              <a:fillRef idx="1">
+                <a:schemeClr val="accent1"/>
+              </a:fillRef>
+              <a:effectRef idx="0">
+                <a:schemeClr val="accent1"/>
+              </a:effectRef>
+              <a:fontRef idx="minor">
+                <a:schemeClr val="lt1"/>
+              </a:fontRef>
+            </p:style>
+            <p:txBody>
+              <a:bodyPr rtlCol="0" anchor="ctr"/>
+              <a:lstStyle/>
+              <a:p>
+                <a:pPr algn="ctr"/>
+                <a:endParaRPr lang="ja-JP" altLang="en-US">
+                  <a:solidFill>
+                    <a:prstClr val="white"/>
+                  </a:solidFill>
+                </a:endParaRPr>
+              </a:p>
+            </p:txBody>
+          </p:sp>
+          <p:cxnSp>
+            <p:nvCxnSpPr>
+              <p:cNvPr id="31" name="直線コネクタ 30"/>
+              <p:cNvCxnSpPr/>
+              <p:nvPr/>
+            </p:nvCxnSpPr>
+            <p:spPr>
+              <a:xfrm>
+                <a:off x="1159502" y="4960956"/>
+                <a:ext cx="0" cy="288032"/>
+              </a:xfrm>
+              <a:prstGeom prst="line">
+                <a:avLst/>
+              </a:prstGeom>
+              <a:ln w="50800">
+                <a:solidFill>
+                  <a:schemeClr val="tx1"/>
+                </a:solidFill>
+              </a:ln>
+            </p:spPr>
+            <p:style>
+              <a:lnRef idx="1">
+                <a:schemeClr val="accent1"/>
+              </a:lnRef>
+              <a:fillRef idx="0">
+                <a:schemeClr val="accent1"/>
+              </a:fillRef>
+              <a:effectRef idx="0">
+                <a:schemeClr val="accent1"/>
+              </a:effectRef>
+              <a:fontRef idx="minor">
+                <a:schemeClr val="tx1"/>
+              </a:fontRef>
+            </p:style>
+          </p:cxnSp>
+        </p:grpSp>
+        <p:grpSp>
+          <p:nvGrpSpPr>
+            <p:cNvPr id="24" name="グループ化 23"/>
+            <p:cNvGrpSpPr/>
+            <p:nvPr/>
+          </p:nvGrpSpPr>
+          <p:grpSpPr>
+            <a:xfrm>
+              <a:off x="1346590" y="3284984"/>
+              <a:ext cx="632516" cy="812496"/>
+              <a:chOff x="843244" y="4960956"/>
+              <a:chExt cx="632516" cy="812496"/>
+            </a:xfrm>
+          </p:grpSpPr>
+          <p:sp>
+            <p:nvSpPr>
+              <p:cNvPr id="28" name="円/楕円 27"/>
+              <p:cNvSpPr/>
+              <p:nvPr/>
+            </p:nvSpPr>
+            <p:spPr>
+              <a:xfrm>
+                <a:off x="843244" y="5116996"/>
+                <a:ext cx="632516" cy="656456"/>
+              </a:xfrm>
+              <a:prstGeom prst="ellipse">
+                <a:avLst/>
+              </a:prstGeom>
+              <a:solidFill>
+                <a:srgbClr val="FF0000"/>
+              </a:solidFill>
+              <a:ln w="19050">
+                <a:noFill/>
+              </a:ln>
+            </p:spPr>
+            <p:style>
+              <a:lnRef idx="2">
+                <a:schemeClr val="accent1">
+                  <a:shade val="50000"/>
+                </a:schemeClr>
+              </a:lnRef>
+              <a:fillRef idx="1">
+                <a:schemeClr val="accent1"/>
+              </a:fillRef>
+              <a:effectRef idx="0">
+                <a:schemeClr val="accent1"/>
+              </a:effectRef>
+              <a:fontRef idx="minor">
+                <a:schemeClr val="lt1"/>
+              </a:fontRef>
+            </p:style>
+            <p:txBody>
+              <a:bodyPr rtlCol="0" anchor="ctr"/>
+              <a:lstStyle/>
+              <a:p>
+                <a:pPr algn="ctr"/>
+                <a:endParaRPr lang="ja-JP" altLang="en-US">
+                  <a:solidFill>
+                    <a:prstClr val="white"/>
+                  </a:solidFill>
+                </a:endParaRPr>
+              </a:p>
+            </p:txBody>
+          </p:sp>
+          <p:cxnSp>
+            <p:nvCxnSpPr>
+              <p:cNvPr id="29" name="直線コネクタ 28"/>
+              <p:cNvCxnSpPr/>
+              <p:nvPr/>
+            </p:nvCxnSpPr>
+            <p:spPr>
+              <a:xfrm>
+                <a:off x="1159502" y="4960956"/>
+                <a:ext cx="0" cy="288032"/>
+              </a:xfrm>
+              <a:prstGeom prst="line">
+                <a:avLst/>
+              </a:prstGeom>
+              <a:ln w="50800">
+                <a:solidFill>
+                  <a:schemeClr val="tx1"/>
+                </a:solidFill>
+              </a:ln>
+            </p:spPr>
+            <p:style>
+              <a:lnRef idx="1">
+                <a:schemeClr val="accent1"/>
+              </a:lnRef>
+              <a:fillRef idx="0">
+                <a:schemeClr val="accent1"/>
+              </a:fillRef>
+              <a:effectRef idx="0">
+                <a:schemeClr val="accent1"/>
+              </a:effectRef>
+              <a:fontRef idx="minor">
+                <a:schemeClr val="tx1"/>
+              </a:fontRef>
+            </p:style>
+          </p:cxnSp>
+        </p:grpSp>
+        <p:grpSp>
+          <p:nvGrpSpPr>
+            <p:cNvPr id="25" name="グループ化 24"/>
+            <p:cNvGrpSpPr/>
+            <p:nvPr/>
+          </p:nvGrpSpPr>
+          <p:grpSpPr>
+            <a:xfrm>
+              <a:off x="1979106" y="2976544"/>
+              <a:ext cx="632516" cy="812496"/>
+              <a:chOff x="843244" y="4960956"/>
+              <a:chExt cx="632516" cy="812496"/>
+            </a:xfrm>
+          </p:grpSpPr>
+          <p:sp>
+            <p:nvSpPr>
+              <p:cNvPr id="26" name="円/楕円 25"/>
+              <p:cNvSpPr/>
+              <p:nvPr/>
+            </p:nvSpPr>
+            <p:spPr>
+              <a:xfrm>
+                <a:off x="843244" y="5116996"/>
+                <a:ext cx="632516" cy="656456"/>
+              </a:xfrm>
+              <a:prstGeom prst="ellipse">
+                <a:avLst/>
+              </a:prstGeom>
+              <a:solidFill>
+                <a:srgbClr val="FF0000"/>
+              </a:solidFill>
+              <a:ln w="19050">
+                <a:noFill/>
+              </a:ln>
+            </p:spPr>
+            <p:style>
+              <a:lnRef idx="2">
+                <a:schemeClr val="accent1">
+                  <a:shade val="50000"/>
+                </a:schemeClr>
+              </a:lnRef>
+              <a:fillRef idx="1">
+                <a:schemeClr val="accent1"/>
+              </a:fillRef>
+              <a:effectRef idx="0">
+                <a:schemeClr val="accent1"/>
+              </a:effectRef>
+              <a:fontRef idx="minor">
+                <a:schemeClr val="lt1"/>
+              </a:fontRef>
+            </p:style>
+            <p:txBody>
+              <a:bodyPr rtlCol="0" anchor="ctr"/>
+              <a:lstStyle/>
+              <a:p>
+                <a:pPr algn="ctr"/>
+                <a:endParaRPr lang="ja-JP" altLang="en-US">
+                  <a:solidFill>
+                    <a:prstClr val="white"/>
+                  </a:solidFill>
+                </a:endParaRPr>
+              </a:p>
+            </p:txBody>
+          </p:sp>
+          <p:cxnSp>
+            <p:nvCxnSpPr>
+              <p:cNvPr id="27" name="直線コネクタ 26"/>
+              <p:cNvCxnSpPr/>
+              <p:nvPr/>
+            </p:nvCxnSpPr>
+            <p:spPr>
+              <a:xfrm>
+                <a:off x="1159502" y="4960956"/>
+                <a:ext cx="0" cy="288032"/>
+              </a:xfrm>
+              <a:prstGeom prst="line">
+                <a:avLst/>
+              </a:prstGeom>
+              <a:ln w="50800">
+                <a:solidFill>
+                  <a:schemeClr val="tx1"/>
+                </a:solidFill>
+              </a:ln>
+            </p:spPr>
+            <p:style>
+              <a:lnRef idx="1">
+                <a:schemeClr val="accent1"/>
+              </a:lnRef>
+              <a:fillRef idx="0">
+                <a:schemeClr val="accent1"/>
+              </a:fillRef>
+              <a:effectRef idx="0">
+                <a:schemeClr val="accent1"/>
+              </a:effectRef>
+              <a:fontRef idx="minor">
+                <a:schemeClr val="tx1"/>
+              </a:fontRef>
+            </p:style>
+          </p:cxnSp>
+        </p:grpSp>
+      </p:grpSp>
+      <p:grpSp>
+        <p:nvGrpSpPr>
+          <p:cNvPr id="32" name="グループ化 31"/>
+          <p:cNvGrpSpPr/>
+          <p:nvPr/>
+        </p:nvGrpSpPr>
+        <p:grpSpPr>
+          <a:xfrm>
+            <a:off x="6532075" y="3573016"/>
+            <a:ext cx="1912498" cy="1120936"/>
+            <a:chOff x="699124" y="2976544"/>
+            <a:chExt cx="1912498" cy="1120936"/>
+          </a:xfrm>
+        </p:grpSpPr>
+        <p:grpSp>
+          <p:nvGrpSpPr>
+            <p:cNvPr id="33" name="グループ化 32"/>
+            <p:cNvGrpSpPr/>
+            <p:nvPr/>
+          </p:nvGrpSpPr>
+          <p:grpSpPr>
+            <a:xfrm>
+              <a:off x="699124" y="2996952"/>
+              <a:ext cx="632516" cy="812496"/>
+              <a:chOff x="843244" y="4960956"/>
+              <a:chExt cx="632516" cy="812496"/>
+            </a:xfrm>
+          </p:grpSpPr>
+          <p:sp>
+            <p:nvSpPr>
+              <p:cNvPr id="40" name="円/楕円 39"/>
+              <p:cNvSpPr/>
+              <p:nvPr/>
+            </p:nvSpPr>
+            <p:spPr>
+              <a:xfrm>
+                <a:off x="843244" y="5116996"/>
+                <a:ext cx="632516" cy="656456"/>
+              </a:xfrm>
+              <a:prstGeom prst="ellipse">
+                <a:avLst/>
+              </a:prstGeom>
+              <a:solidFill>
+                <a:srgbClr val="FF0000"/>
+              </a:solidFill>
+              <a:ln w="19050">
+                <a:noFill/>
+              </a:ln>
+            </p:spPr>
+            <p:style>
+              <a:lnRef idx="2">
+                <a:schemeClr val="accent1">
+                  <a:shade val="50000"/>
+                </a:schemeClr>
+              </a:lnRef>
+              <a:fillRef idx="1">
+                <a:schemeClr val="accent1"/>
+              </a:fillRef>
+              <a:effectRef idx="0">
+                <a:schemeClr val="accent1"/>
+              </a:effectRef>
+              <a:fontRef idx="minor">
+                <a:schemeClr val="lt1"/>
+              </a:fontRef>
+            </p:style>
+            <p:txBody>
+              <a:bodyPr rtlCol="0" anchor="ctr"/>
+              <a:lstStyle/>
+              <a:p>
+                <a:pPr algn="ctr"/>
+                <a:endParaRPr lang="ja-JP" altLang="en-US">
+                  <a:solidFill>
+                    <a:prstClr val="white"/>
+                  </a:solidFill>
+                </a:endParaRPr>
+              </a:p>
+            </p:txBody>
+          </p:sp>
+          <p:cxnSp>
+            <p:nvCxnSpPr>
+              <p:cNvPr id="41" name="直線コネクタ 40"/>
+              <p:cNvCxnSpPr/>
+              <p:nvPr/>
+            </p:nvCxnSpPr>
+            <p:spPr>
+              <a:xfrm>
+                <a:off x="1159502" y="4960956"/>
+                <a:ext cx="0" cy="288032"/>
+              </a:xfrm>
+              <a:prstGeom prst="line">
+                <a:avLst/>
+              </a:prstGeom>
+              <a:ln w="50800">
+                <a:solidFill>
+                  <a:schemeClr val="tx1"/>
+                </a:solidFill>
+              </a:ln>
+            </p:spPr>
+            <p:style>
+              <a:lnRef idx="1">
+                <a:schemeClr val="accent1"/>
+              </a:lnRef>
+              <a:fillRef idx="0">
+                <a:schemeClr val="accent1"/>
+              </a:fillRef>
+              <a:effectRef idx="0">
+                <a:schemeClr val="accent1"/>
+              </a:effectRef>
+              <a:fontRef idx="minor">
+                <a:schemeClr val="tx1"/>
+              </a:fontRef>
+            </p:style>
+          </p:cxnSp>
+        </p:grpSp>
+        <p:grpSp>
+          <p:nvGrpSpPr>
+            <p:cNvPr id="34" name="グループ化 33"/>
+            <p:cNvGrpSpPr/>
+            <p:nvPr/>
+          </p:nvGrpSpPr>
+          <p:grpSpPr>
+            <a:xfrm>
+              <a:off x="1346590" y="3284984"/>
+              <a:ext cx="632516" cy="812496"/>
+              <a:chOff x="843244" y="4960956"/>
+              <a:chExt cx="632516" cy="812496"/>
+            </a:xfrm>
+          </p:grpSpPr>
+          <p:sp>
+            <p:nvSpPr>
+              <p:cNvPr id="38" name="円/楕円 37"/>
+              <p:cNvSpPr/>
+              <p:nvPr/>
+            </p:nvSpPr>
+            <p:spPr>
+              <a:xfrm>
+                <a:off x="843244" y="5116996"/>
+                <a:ext cx="632516" cy="656456"/>
+              </a:xfrm>
+              <a:prstGeom prst="ellipse">
+                <a:avLst/>
+              </a:prstGeom>
+              <a:solidFill>
+                <a:srgbClr val="FF0000"/>
+              </a:solidFill>
+              <a:ln w="19050">
+                <a:noFill/>
+              </a:ln>
+            </p:spPr>
+            <p:style>
+              <a:lnRef idx="2">
+                <a:schemeClr val="accent1">
+                  <a:shade val="50000"/>
+                </a:schemeClr>
+              </a:lnRef>
+              <a:fillRef idx="1">
+                <a:schemeClr val="accent1"/>
+              </a:fillRef>
+              <a:effectRef idx="0">
+                <a:schemeClr val="accent1"/>
+              </a:effectRef>
+              <a:fontRef idx="minor">
+                <a:schemeClr val="lt1"/>
+              </a:fontRef>
+            </p:style>
+            <p:txBody>
+              <a:bodyPr rtlCol="0" anchor="ctr"/>
+              <a:lstStyle/>
+              <a:p>
+                <a:pPr algn="ctr"/>
+                <a:endParaRPr lang="ja-JP" altLang="en-US">
+                  <a:solidFill>
+                    <a:prstClr val="white"/>
+                  </a:solidFill>
+                </a:endParaRPr>
+              </a:p>
+            </p:txBody>
+          </p:sp>
+          <p:cxnSp>
+            <p:nvCxnSpPr>
+              <p:cNvPr id="39" name="直線コネクタ 38"/>
+              <p:cNvCxnSpPr/>
+              <p:nvPr/>
+            </p:nvCxnSpPr>
+            <p:spPr>
+              <a:xfrm>
+                <a:off x="1159502" y="4960956"/>
+                <a:ext cx="0" cy="288032"/>
+              </a:xfrm>
+              <a:prstGeom prst="line">
+                <a:avLst/>
+              </a:prstGeom>
+              <a:ln w="50800">
+                <a:solidFill>
+                  <a:schemeClr val="tx1"/>
+                </a:solidFill>
+              </a:ln>
+            </p:spPr>
+            <p:style>
+              <a:lnRef idx="1">
+                <a:schemeClr val="accent1"/>
+              </a:lnRef>
+              <a:fillRef idx="0">
+                <a:schemeClr val="accent1"/>
+              </a:fillRef>
+              <a:effectRef idx="0">
+                <a:schemeClr val="accent1"/>
+              </a:effectRef>
+              <a:fontRef idx="minor">
+                <a:schemeClr val="tx1"/>
+              </a:fontRef>
+            </p:style>
+          </p:cxnSp>
+        </p:grpSp>
+        <p:grpSp>
+          <p:nvGrpSpPr>
+            <p:cNvPr id="35" name="グループ化 34"/>
+            <p:cNvGrpSpPr/>
+            <p:nvPr/>
+          </p:nvGrpSpPr>
+          <p:grpSpPr>
+            <a:xfrm>
+              <a:off x="1979106" y="2976544"/>
+              <a:ext cx="632516" cy="812496"/>
+              <a:chOff x="843244" y="4960956"/>
+              <a:chExt cx="632516" cy="812496"/>
+            </a:xfrm>
+          </p:grpSpPr>
+          <p:sp>
+            <p:nvSpPr>
+              <p:cNvPr id="36" name="円/楕円 35"/>
+              <p:cNvSpPr/>
+              <p:nvPr/>
+            </p:nvSpPr>
+            <p:spPr>
+              <a:xfrm>
+                <a:off x="843244" y="5116996"/>
+                <a:ext cx="632516" cy="656456"/>
+              </a:xfrm>
+              <a:prstGeom prst="ellipse">
+                <a:avLst/>
+              </a:prstGeom>
+              <a:solidFill>
+                <a:srgbClr val="FF0000"/>
+              </a:solidFill>
+              <a:ln w="19050">
+                <a:noFill/>
+              </a:ln>
+            </p:spPr>
+            <p:style>
+              <a:lnRef idx="2">
+                <a:schemeClr val="accent1">
+                  <a:shade val="50000"/>
+                </a:schemeClr>
+              </a:lnRef>
+              <a:fillRef idx="1">
+                <a:schemeClr val="accent1"/>
+              </a:fillRef>
+              <a:effectRef idx="0">
+                <a:schemeClr val="accent1"/>
+              </a:effectRef>
+              <a:fontRef idx="minor">
+                <a:schemeClr val="lt1"/>
+              </a:fontRef>
+            </p:style>
+            <p:txBody>
+              <a:bodyPr rtlCol="0" anchor="ctr"/>
+              <a:lstStyle/>
+              <a:p>
+                <a:pPr algn="ctr"/>
+                <a:endParaRPr lang="ja-JP" altLang="en-US">
+                  <a:solidFill>
+                    <a:prstClr val="white"/>
+                  </a:solidFill>
+                </a:endParaRPr>
+              </a:p>
+            </p:txBody>
+          </p:sp>
+          <p:cxnSp>
+            <p:nvCxnSpPr>
+              <p:cNvPr id="37" name="直線コネクタ 36"/>
+              <p:cNvCxnSpPr/>
+              <p:nvPr/>
+            </p:nvCxnSpPr>
+            <p:spPr>
+              <a:xfrm>
+                <a:off x="1159502" y="4960956"/>
+                <a:ext cx="0" cy="288032"/>
+              </a:xfrm>
+              <a:prstGeom prst="line">
+                <a:avLst/>
+              </a:prstGeom>
+              <a:ln w="50800">
+                <a:solidFill>
+                  <a:schemeClr val="tx1"/>
+                </a:solidFill>
+              </a:ln>
+            </p:spPr>
+            <p:style>
+              <a:lnRef idx="1">
+                <a:schemeClr val="accent1"/>
+              </a:lnRef>
+              <a:fillRef idx="0">
+                <a:schemeClr val="accent1"/>
+              </a:fillRef>
+              <a:effectRef idx="0">
+                <a:schemeClr val="accent1"/>
+              </a:effectRef>
+              <a:fontRef idx="minor">
+                <a:schemeClr val="tx1"/>
+              </a:fontRef>
+            </p:style>
+          </p:cxnSp>
+        </p:grpSp>
+      </p:grpSp>
+      <p:grpSp>
+        <p:nvGrpSpPr>
+          <p:cNvPr id="42" name="グループ化 41"/>
+          <p:cNvGrpSpPr/>
+          <p:nvPr/>
+        </p:nvGrpSpPr>
+        <p:grpSpPr>
+          <a:xfrm>
+            <a:off x="2182763" y="5229200"/>
+            <a:ext cx="1912498" cy="1120936"/>
+            <a:chOff x="699124" y="2976544"/>
+            <a:chExt cx="1912498" cy="1120936"/>
+          </a:xfrm>
+        </p:grpSpPr>
+        <p:grpSp>
+          <p:nvGrpSpPr>
+            <p:cNvPr id="43" name="グループ化 42"/>
+            <p:cNvGrpSpPr/>
+            <p:nvPr/>
+          </p:nvGrpSpPr>
+          <p:grpSpPr>
+            <a:xfrm>
+              <a:off x="699124" y="2996952"/>
+              <a:ext cx="632516" cy="812496"/>
+              <a:chOff x="843244" y="4960956"/>
+              <a:chExt cx="632516" cy="812496"/>
+            </a:xfrm>
+          </p:grpSpPr>
+          <p:sp>
+            <p:nvSpPr>
+              <p:cNvPr id="50" name="円/楕円 49"/>
+              <p:cNvSpPr/>
+              <p:nvPr/>
+            </p:nvSpPr>
+            <p:spPr>
+              <a:xfrm>
+                <a:off x="843244" y="5116996"/>
+                <a:ext cx="632516" cy="656456"/>
+              </a:xfrm>
+              <a:prstGeom prst="ellipse">
+                <a:avLst/>
+              </a:prstGeom>
+              <a:solidFill>
+                <a:srgbClr val="FF0000"/>
+              </a:solidFill>
+              <a:ln w="19050">
+                <a:noFill/>
+              </a:ln>
+            </p:spPr>
+            <p:style>
+              <a:lnRef idx="2">
+                <a:schemeClr val="accent1">
+                  <a:shade val="50000"/>
+                </a:schemeClr>
+              </a:lnRef>
+              <a:fillRef idx="1">
+                <a:schemeClr val="accent1"/>
+              </a:fillRef>
+              <a:effectRef idx="0">
+                <a:schemeClr val="accent1"/>
+              </a:effectRef>
+              <a:fontRef idx="minor">
+                <a:schemeClr val="lt1"/>
+              </a:fontRef>
+            </p:style>
+            <p:txBody>
+              <a:bodyPr rtlCol="0" anchor="ctr"/>
+              <a:lstStyle/>
+              <a:p>
+                <a:pPr algn="ctr"/>
+                <a:endParaRPr lang="ja-JP" altLang="en-US">
+                  <a:solidFill>
+                    <a:prstClr val="white"/>
+                  </a:solidFill>
+                </a:endParaRPr>
+              </a:p>
+            </p:txBody>
+          </p:sp>
+          <p:cxnSp>
+            <p:nvCxnSpPr>
+              <p:cNvPr id="51" name="直線コネクタ 50"/>
+              <p:cNvCxnSpPr/>
+              <p:nvPr/>
+            </p:nvCxnSpPr>
+            <p:spPr>
+              <a:xfrm>
+                <a:off x="1159502" y="4960956"/>
+                <a:ext cx="0" cy="288032"/>
+              </a:xfrm>
+              <a:prstGeom prst="line">
+                <a:avLst/>
+              </a:prstGeom>
+              <a:ln w="50800">
+                <a:solidFill>
+                  <a:schemeClr val="tx1"/>
+                </a:solidFill>
+              </a:ln>
+            </p:spPr>
+            <p:style>
+              <a:lnRef idx="1">
+                <a:schemeClr val="accent1"/>
+              </a:lnRef>
+              <a:fillRef idx="0">
+                <a:schemeClr val="accent1"/>
+              </a:fillRef>
+              <a:effectRef idx="0">
+                <a:schemeClr val="accent1"/>
+              </a:effectRef>
+              <a:fontRef idx="minor">
+                <a:schemeClr val="tx1"/>
+              </a:fontRef>
+            </p:style>
+          </p:cxnSp>
+        </p:grpSp>
+        <p:grpSp>
+          <p:nvGrpSpPr>
+            <p:cNvPr id="44" name="グループ化 43"/>
+            <p:cNvGrpSpPr/>
+            <p:nvPr/>
+          </p:nvGrpSpPr>
+          <p:grpSpPr>
+            <a:xfrm>
+              <a:off x="1346590" y="3284984"/>
+              <a:ext cx="632516" cy="812496"/>
+              <a:chOff x="843244" y="4960956"/>
+              <a:chExt cx="632516" cy="812496"/>
+            </a:xfrm>
+          </p:grpSpPr>
+          <p:sp>
+            <p:nvSpPr>
+              <p:cNvPr id="48" name="円/楕円 47"/>
+              <p:cNvSpPr/>
+              <p:nvPr/>
+            </p:nvSpPr>
+            <p:spPr>
+              <a:xfrm>
+                <a:off x="843244" y="5116996"/>
+                <a:ext cx="632516" cy="656456"/>
+              </a:xfrm>
+              <a:prstGeom prst="ellipse">
+                <a:avLst/>
+              </a:prstGeom>
+              <a:solidFill>
+                <a:srgbClr val="FF0000"/>
+              </a:solidFill>
+              <a:ln w="19050">
+                <a:noFill/>
+              </a:ln>
+            </p:spPr>
+            <p:style>
+              <a:lnRef idx="2">
+                <a:schemeClr val="accent1">
+                  <a:shade val="50000"/>
+                </a:schemeClr>
+              </a:lnRef>
+              <a:fillRef idx="1">
+                <a:schemeClr val="accent1"/>
+              </a:fillRef>
+              <a:effectRef idx="0">
+                <a:schemeClr val="accent1"/>
+              </a:effectRef>
+              <a:fontRef idx="minor">
+                <a:schemeClr val="lt1"/>
+              </a:fontRef>
+            </p:style>
+            <p:txBody>
+              <a:bodyPr rtlCol="0" anchor="ctr"/>
+              <a:lstStyle/>
+              <a:p>
+                <a:pPr algn="ctr"/>
+                <a:endParaRPr lang="ja-JP" altLang="en-US">
+                  <a:solidFill>
+                    <a:prstClr val="white"/>
+                  </a:solidFill>
+                </a:endParaRPr>
+              </a:p>
+            </p:txBody>
+          </p:sp>
+          <p:cxnSp>
+            <p:nvCxnSpPr>
+              <p:cNvPr id="49" name="直線コネクタ 48"/>
+              <p:cNvCxnSpPr/>
+              <p:nvPr/>
+            </p:nvCxnSpPr>
+            <p:spPr>
+              <a:xfrm>
+                <a:off x="1159502" y="4960956"/>
+                <a:ext cx="0" cy="288032"/>
+              </a:xfrm>
+              <a:prstGeom prst="line">
+                <a:avLst/>
+              </a:prstGeom>
+              <a:ln w="50800">
+                <a:solidFill>
+                  <a:schemeClr val="tx1"/>
+                </a:solidFill>
+              </a:ln>
+            </p:spPr>
+            <p:style>
+              <a:lnRef idx="1">
+                <a:schemeClr val="accent1"/>
+              </a:lnRef>
+              <a:fillRef idx="0">
+                <a:schemeClr val="accent1"/>
+              </a:fillRef>
+              <a:effectRef idx="0">
+                <a:schemeClr val="accent1"/>
+              </a:effectRef>
+              <a:fontRef idx="minor">
+                <a:schemeClr val="tx1"/>
+              </a:fontRef>
+            </p:style>
+          </p:cxnSp>
+        </p:grpSp>
+        <p:grpSp>
+          <p:nvGrpSpPr>
+            <p:cNvPr id="45" name="グループ化 44"/>
+            <p:cNvGrpSpPr/>
+            <p:nvPr/>
+          </p:nvGrpSpPr>
+          <p:grpSpPr>
+            <a:xfrm>
+              <a:off x="1979106" y="2976544"/>
+              <a:ext cx="632516" cy="812496"/>
+              <a:chOff x="843244" y="4960956"/>
+              <a:chExt cx="632516" cy="812496"/>
+            </a:xfrm>
+          </p:grpSpPr>
+          <p:sp>
+            <p:nvSpPr>
+              <p:cNvPr id="46" name="円/楕円 45"/>
+              <p:cNvSpPr/>
+              <p:nvPr/>
+            </p:nvSpPr>
+            <p:spPr>
+              <a:xfrm>
+                <a:off x="843244" y="5116996"/>
+                <a:ext cx="632516" cy="656456"/>
+              </a:xfrm>
+              <a:prstGeom prst="ellipse">
+                <a:avLst/>
+              </a:prstGeom>
+              <a:solidFill>
+                <a:srgbClr val="FF0000"/>
+              </a:solidFill>
+              <a:ln w="19050">
+                <a:noFill/>
+              </a:ln>
+            </p:spPr>
+            <p:style>
+              <a:lnRef idx="2">
+                <a:schemeClr val="accent1">
+                  <a:shade val="50000"/>
+                </a:schemeClr>
+              </a:lnRef>
+              <a:fillRef idx="1">
+                <a:schemeClr val="accent1"/>
+              </a:fillRef>
+              <a:effectRef idx="0">
+                <a:schemeClr val="accent1"/>
+              </a:effectRef>
+              <a:fontRef idx="minor">
+                <a:schemeClr val="lt1"/>
+              </a:fontRef>
+            </p:style>
+            <p:txBody>
+              <a:bodyPr rtlCol="0" anchor="ctr"/>
+              <a:lstStyle/>
+              <a:p>
+                <a:pPr algn="ctr"/>
+                <a:endParaRPr lang="ja-JP" altLang="en-US">
+                  <a:solidFill>
+                    <a:prstClr val="white"/>
+                  </a:solidFill>
+                </a:endParaRPr>
+              </a:p>
+            </p:txBody>
+          </p:sp>
+          <p:cxnSp>
+            <p:nvCxnSpPr>
+              <p:cNvPr id="47" name="直線コネクタ 46"/>
+              <p:cNvCxnSpPr/>
+              <p:nvPr/>
+            </p:nvCxnSpPr>
+            <p:spPr>
+              <a:xfrm>
+                <a:off x="1159502" y="4960956"/>
+                <a:ext cx="0" cy="288032"/>
+              </a:xfrm>
+              <a:prstGeom prst="line">
+                <a:avLst/>
+              </a:prstGeom>
+              <a:ln w="50800">
+                <a:solidFill>
+                  <a:schemeClr val="tx1"/>
+                </a:solidFill>
+              </a:ln>
+            </p:spPr>
+            <p:style>
+              <a:lnRef idx="1">
+                <a:schemeClr val="accent1"/>
+              </a:lnRef>
+              <a:fillRef idx="0">
+                <a:schemeClr val="accent1"/>
+              </a:fillRef>
+              <a:effectRef idx="0">
+                <a:schemeClr val="accent1"/>
+              </a:effectRef>
+              <a:fontRef idx="minor">
+                <a:schemeClr val="tx1"/>
+              </a:fontRef>
+            </p:style>
+          </p:cxnSp>
+        </p:grpSp>
+      </p:grpSp>
+      <p:grpSp>
+        <p:nvGrpSpPr>
+          <p:cNvPr id="52" name="グループ化 51"/>
+          <p:cNvGrpSpPr/>
+          <p:nvPr/>
+        </p:nvGrpSpPr>
+        <p:grpSpPr>
+          <a:xfrm>
+            <a:off x="5091915" y="5265204"/>
+            <a:ext cx="1912498" cy="1120936"/>
+            <a:chOff x="699124" y="2976544"/>
+            <a:chExt cx="1912498" cy="1120936"/>
+          </a:xfrm>
+        </p:grpSpPr>
+        <p:grpSp>
+          <p:nvGrpSpPr>
+            <p:cNvPr id="53" name="グループ化 52"/>
+            <p:cNvGrpSpPr/>
+            <p:nvPr/>
+          </p:nvGrpSpPr>
+          <p:grpSpPr>
+            <a:xfrm>
+              <a:off x="699124" y="2996952"/>
+              <a:ext cx="632516" cy="812496"/>
+              <a:chOff x="843244" y="4960956"/>
+              <a:chExt cx="632516" cy="812496"/>
+            </a:xfrm>
+          </p:grpSpPr>
+          <p:sp>
+            <p:nvSpPr>
+              <p:cNvPr id="60" name="円/楕円 59"/>
+              <p:cNvSpPr/>
+              <p:nvPr/>
+            </p:nvSpPr>
+            <p:spPr>
+              <a:xfrm>
+                <a:off x="843244" y="5116996"/>
+                <a:ext cx="632516" cy="656456"/>
+              </a:xfrm>
+              <a:prstGeom prst="ellipse">
+                <a:avLst/>
+              </a:prstGeom>
+              <a:solidFill>
+                <a:srgbClr val="FF0000"/>
+              </a:solidFill>
+              <a:ln w="19050">
+                <a:noFill/>
+              </a:ln>
+            </p:spPr>
+            <p:style>
+              <a:lnRef idx="2">
+                <a:schemeClr val="accent1">
+                  <a:shade val="50000"/>
+                </a:schemeClr>
+              </a:lnRef>
+              <a:fillRef idx="1">
+                <a:schemeClr val="accent1"/>
+              </a:fillRef>
+              <a:effectRef idx="0">
+                <a:schemeClr val="accent1"/>
+              </a:effectRef>
+              <a:fontRef idx="minor">
+                <a:schemeClr val="lt1"/>
+              </a:fontRef>
+            </p:style>
+            <p:txBody>
+              <a:bodyPr rtlCol="0" anchor="ctr"/>
+              <a:lstStyle/>
+              <a:p>
+                <a:pPr algn="ctr"/>
+                <a:endParaRPr lang="ja-JP" altLang="en-US">
+                  <a:solidFill>
+                    <a:prstClr val="white"/>
+                  </a:solidFill>
+                </a:endParaRPr>
+              </a:p>
+            </p:txBody>
+          </p:sp>
+          <p:cxnSp>
+            <p:nvCxnSpPr>
+              <p:cNvPr id="61" name="直線コネクタ 60"/>
+              <p:cNvCxnSpPr/>
+              <p:nvPr/>
+            </p:nvCxnSpPr>
+            <p:spPr>
+              <a:xfrm>
+                <a:off x="1159502" y="4960956"/>
+                <a:ext cx="0" cy="288032"/>
+              </a:xfrm>
+              <a:prstGeom prst="line">
+                <a:avLst/>
+              </a:prstGeom>
+              <a:ln w="50800">
+                <a:solidFill>
+                  <a:schemeClr val="tx1"/>
+                </a:solidFill>
+              </a:ln>
+            </p:spPr>
+            <p:style>
+              <a:lnRef idx="1">
+                <a:schemeClr val="accent1"/>
+              </a:lnRef>
+              <a:fillRef idx="0">
+                <a:schemeClr val="accent1"/>
+              </a:fillRef>
+              <a:effectRef idx="0">
+                <a:schemeClr val="accent1"/>
+              </a:effectRef>
+              <a:fontRef idx="minor">
+                <a:schemeClr val="tx1"/>
+              </a:fontRef>
+            </p:style>
+          </p:cxnSp>
+        </p:grpSp>
+        <p:grpSp>
+          <p:nvGrpSpPr>
+            <p:cNvPr id="54" name="グループ化 53"/>
+            <p:cNvGrpSpPr/>
+            <p:nvPr/>
+          </p:nvGrpSpPr>
+          <p:grpSpPr>
+            <a:xfrm>
+              <a:off x="1346590" y="3284984"/>
+              <a:ext cx="632516" cy="812496"/>
+              <a:chOff x="843244" y="4960956"/>
+              <a:chExt cx="632516" cy="812496"/>
+            </a:xfrm>
+          </p:grpSpPr>
+          <p:sp>
+            <p:nvSpPr>
+              <p:cNvPr id="58" name="円/楕円 57"/>
+              <p:cNvSpPr/>
+              <p:nvPr/>
+            </p:nvSpPr>
+            <p:spPr>
+              <a:xfrm>
+                <a:off x="843244" y="5116996"/>
+                <a:ext cx="632516" cy="656456"/>
+              </a:xfrm>
+              <a:prstGeom prst="ellipse">
+                <a:avLst/>
+              </a:prstGeom>
+              <a:solidFill>
+                <a:srgbClr val="FF0000"/>
+              </a:solidFill>
+              <a:ln w="19050">
+                <a:noFill/>
+              </a:ln>
+            </p:spPr>
+            <p:style>
+              <a:lnRef idx="2">
+                <a:schemeClr val="accent1">
+                  <a:shade val="50000"/>
+                </a:schemeClr>
+              </a:lnRef>
+              <a:fillRef idx="1">
+                <a:schemeClr val="accent1"/>
+              </a:fillRef>
+              <a:effectRef idx="0">
+                <a:schemeClr val="accent1"/>
+              </a:effectRef>
+              <a:fontRef idx="minor">
+                <a:schemeClr val="lt1"/>
+              </a:fontRef>
+            </p:style>
+            <p:txBody>
+              <a:bodyPr rtlCol="0" anchor="ctr"/>
+              <a:lstStyle/>
+              <a:p>
+                <a:pPr algn="ctr"/>
+                <a:endParaRPr lang="ja-JP" altLang="en-US">
+                  <a:solidFill>
+                    <a:prstClr val="white"/>
+                  </a:solidFill>
+                </a:endParaRPr>
+              </a:p>
+            </p:txBody>
+          </p:sp>
+          <p:cxnSp>
+            <p:nvCxnSpPr>
+              <p:cNvPr id="59" name="直線コネクタ 58"/>
+              <p:cNvCxnSpPr/>
+              <p:nvPr/>
+            </p:nvCxnSpPr>
+            <p:spPr>
+              <a:xfrm>
+                <a:off x="1159502" y="4960956"/>
+                <a:ext cx="0" cy="288032"/>
+              </a:xfrm>
+              <a:prstGeom prst="line">
+                <a:avLst/>
+              </a:prstGeom>
+              <a:ln w="50800">
+                <a:solidFill>
+                  <a:schemeClr val="tx1"/>
+                </a:solidFill>
+              </a:ln>
+            </p:spPr>
+            <p:style>
+              <a:lnRef idx="1">
+                <a:schemeClr val="accent1"/>
+              </a:lnRef>
+              <a:fillRef idx="0">
+                <a:schemeClr val="accent1"/>
+              </a:fillRef>
+              <a:effectRef idx="0">
+                <a:schemeClr val="accent1"/>
+              </a:effectRef>
+              <a:fontRef idx="minor">
+                <a:schemeClr val="tx1"/>
+              </a:fontRef>
+            </p:style>
+          </p:cxnSp>
+        </p:grpSp>
+        <p:grpSp>
+          <p:nvGrpSpPr>
+            <p:cNvPr id="55" name="グループ化 54"/>
+            <p:cNvGrpSpPr/>
+            <p:nvPr/>
+          </p:nvGrpSpPr>
+          <p:grpSpPr>
+            <a:xfrm>
+              <a:off x="1979106" y="2976544"/>
+              <a:ext cx="632516" cy="812496"/>
+              <a:chOff x="843244" y="4960956"/>
+              <a:chExt cx="632516" cy="812496"/>
+            </a:xfrm>
+          </p:grpSpPr>
+          <p:sp>
+            <p:nvSpPr>
+              <p:cNvPr id="56" name="円/楕円 55"/>
+              <p:cNvSpPr/>
+              <p:nvPr/>
+            </p:nvSpPr>
+            <p:spPr>
+              <a:xfrm>
+                <a:off x="843244" y="5116996"/>
+                <a:ext cx="632516" cy="656456"/>
+              </a:xfrm>
+              <a:prstGeom prst="ellipse">
+                <a:avLst/>
+              </a:prstGeom>
+              <a:solidFill>
+                <a:srgbClr val="FF0000"/>
+              </a:solidFill>
+              <a:ln w="19050">
+                <a:noFill/>
+              </a:ln>
+            </p:spPr>
+            <p:style>
+              <a:lnRef idx="2">
+                <a:schemeClr val="accent1">
+                  <a:shade val="50000"/>
+                </a:schemeClr>
+              </a:lnRef>
+              <a:fillRef idx="1">
+                <a:schemeClr val="accent1"/>
+              </a:fillRef>
+              <a:effectRef idx="0">
+                <a:schemeClr val="accent1"/>
+              </a:effectRef>
+              <a:fontRef idx="minor">
+                <a:schemeClr val="lt1"/>
+              </a:fontRef>
+            </p:style>
+            <p:txBody>
+              <a:bodyPr rtlCol="0" anchor="ctr"/>
+              <a:lstStyle/>
+              <a:p>
+                <a:pPr algn="ctr"/>
+                <a:endParaRPr lang="ja-JP" altLang="en-US">
+                  <a:solidFill>
+                    <a:prstClr val="white"/>
+                  </a:solidFill>
+                </a:endParaRPr>
+              </a:p>
+            </p:txBody>
+          </p:sp>
+          <p:cxnSp>
+            <p:nvCxnSpPr>
+              <p:cNvPr id="57" name="直線コネクタ 56"/>
+              <p:cNvCxnSpPr/>
+              <p:nvPr/>
+            </p:nvCxnSpPr>
+            <p:spPr>
+              <a:xfrm>
+                <a:off x="1159502" y="4960956"/>
+                <a:ext cx="0" cy="288032"/>
+              </a:xfrm>
+              <a:prstGeom prst="line">
+                <a:avLst/>
+              </a:prstGeom>
+              <a:ln w="50800">
+                <a:solidFill>
+                  <a:schemeClr val="tx1"/>
+                </a:solidFill>
+              </a:ln>
+            </p:spPr>
+            <p:style>
+              <a:lnRef idx="1">
+                <a:schemeClr val="accent1"/>
+              </a:lnRef>
+              <a:fillRef idx="0">
+                <a:schemeClr val="accent1"/>
+              </a:fillRef>
+              <a:effectRef idx="0">
+                <a:schemeClr val="accent1"/>
+              </a:effectRef>
+              <a:fontRef idx="minor">
+                <a:schemeClr val="tx1"/>
+              </a:fontRef>
+            </p:style>
+          </p:cxnSp>
+        </p:grpSp>
+      </p:grpSp>
+      <p:sp>
+        <p:nvSpPr>
+          <p:cNvPr id="2" name="テキスト ボックス 1"/>
+          <p:cNvSpPr txBox="1"/>
+          <p:nvPr/>
+        </p:nvSpPr>
+        <p:spPr>
+          <a:xfrm>
+            <a:off x="2949814" y="2492896"/>
+            <a:ext cx="3251211" cy="923330"/>
+          </a:xfrm>
+          <a:prstGeom prst="rect">
+            <a:avLst/>
+          </a:prstGeom>
+          <a:noFill/>
+        </p:spPr>
+        <p:txBody>
+          <a:bodyPr wrap="none" rtlCol="0">
+            <a:spAutoFit/>
+          </a:bodyPr>
+          <a:lstStyle/>
+          <a:p>
+            <a:r>
+              <a:rPr lang="en-US" altLang="ja-JP" sz="5400" b="1" dirty="0" smtClean="0">
+                <a:solidFill>
+                  <a:schemeClr val="tx2">
+                    <a:lumMod val="75000"/>
+                  </a:schemeClr>
+                </a:solidFill>
+                <a:latin typeface="HGHangle" panose="020B0800000000000000" pitchFamily="34" charset="-127"/>
+                <a:ea typeface="HGHangle" panose="020B0800000000000000" pitchFamily="34" charset="-127"/>
+              </a:rPr>
+              <a:t>5+5+5=15</a:t>
+            </a:r>
+            <a:endParaRPr kumimoji="1" lang="ja-JP" altLang="en-US" sz="5400" b="1" dirty="0">
+              <a:solidFill>
+                <a:schemeClr val="tx2">
+                  <a:lumMod val="75000"/>
+                </a:schemeClr>
+              </a:solidFill>
+              <a:latin typeface="HGHangle" panose="020B0800000000000000" pitchFamily="34" charset="-127"/>
+              <a:ea typeface="HG創英角ﾎﾟｯﾌﾟ体" panose="040B0A09000000000000" pitchFamily="49" charset="-128"/>
+            </a:endParaRPr>
+          </a:p>
+        </p:txBody>
+      </p:sp>
+      <p:sp>
+        <p:nvSpPr>
+          <p:cNvPr id="63" name="正方形/長方形 62"/>
+          <p:cNvSpPr/>
+          <p:nvPr/>
+        </p:nvSpPr>
+        <p:spPr>
+          <a:xfrm>
+            <a:off x="467544" y="548680"/>
+            <a:ext cx="8208912" cy="1944216"/>
+          </a:xfrm>
+          <a:prstGeom prst="rect">
+            <a:avLst/>
+          </a:prstGeom>
+          <a:solidFill>
+            <a:schemeClr val="accent6">
+              <a:lumMod val="20000"/>
+              <a:lumOff val="80000"/>
+            </a:schemeClr>
+          </a:solidFill>
+          <a:ln>
+            <a:solidFill>
+              <a:schemeClr val="accent6">
+                <a:lumMod val="60000"/>
+                <a:lumOff val="40000"/>
+              </a:schemeClr>
+            </a:solidFill>
+          </a:ln>
+        </p:spPr>
+        <p:style>
+          <a:lnRef idx="2">
+            <a:schemeClr val="accent1">
+              <a:shade val="50000"/>
+            </a:schemeClr>
+          </a:lnRef>
+          <a:fillRef idx="1">
+            <a:schemeClr val="accent1"/>
+          </a:fillRef>
+          <a:effectRef idx="0">
+            <a:schemeClr val="accent1"/>
+          </a:effectRef>
+          <a:fontRef idx="minor">
+            <a:schemeClr val="lt1"/>
+          </a:fontRef>
+        </p:style>
+        <p:txBody>
+          <a:bodyPr rtlCol="0" anchor="ctr"/>
+          <a:lstStyle/>
+          <a:p>
+            <a:r>
+              <a:rPr lang="ja-JP" altLang="en-US" sz="3200" b="1" dirty="0">
+                <a:solidFill>
+                  <a:schemeClr val="tx1"/>
+                </a:solidFill>
+                <a:latin typeface="HGHangle" panose="020B0800000000000000" pitchFamily="34" charset="-127"/>
+                <a:ea typeface="HGHangle" panose="020B0800000000000000" pitchFamily="34" charset="-127"/>
+              </a:rPr>
+              <a:t> </a:t>
+            </a:r>
+            <a:r>
+              <a:rPr lang="ko-KR" altLang="ja-JP" sz="3200" b="1" dirty="0" smtClean="0">
+                <a:solidFill>
+                  <a:schemeClr val="tx1"/>
+                </a:solidFill>
+                <a:latin typeface="HGHangle" panose="020B0800000000000000" pitchFamily="34" charset="-127"/>
+                <a:ea typeface="HGHangle" panose="020B0800000000000000" pitchFamily="34" charset="-127"/>
+              </a:rPr>
+              <a:t>접시가</a:t>
+            </a:r>
+            <a:r>
+              <a:rPr lang="en-US" altLang="ja-JP" sz="3200" b="1" dirty="0" smtClean="0">
+                <a:solidFill>
+                  <a:schemeClr val="tx1"/>
+                </a:solidFill>
+                <a:latin typeface="HGHangle" panose="020B0800000000000000" pitchFamily="34" charset="-127"/>
+                <a:ea typeface="HGHangle" panose="020B0800000000000000" pitchFamily="34" charset="-127"/>
+              </a:rPr>
+              <a:t> </a:t>
+            </a:r>
+            <a:r>
+              <a:rPr lang="en-US" altLang="ja-JP" sz="3200" b="1" dirty="0">
+                <a:solidFill>
+                  <a:schemeClr val="tx1"/>
+                </a:solidFill>
+                <a:latin typeface="HGHangle" panose="020B0800000000000000" pitchFamily="34" charset="-127"/>
+                <a:ea typeface="HGHangle" panose="020B0800000000000000" pitchFamily="34" charset="-127"/>
+              </a:rPr>
+              <a:t>5</a:t>
+            </a:r>
+            <a:r>
+              <a:rPr lang="ko-KR" altLang="ja-JP" sz="3200" b="1" dirty="0">
+                <a:solidFill>
+                  <a:schemeClr val="tx1"/>
+                </a:solidFill>
+                <a:latin typeface="HGHangle" panose="020B0800000000000000" pitchFamily="34" charset="-127"/>
+                <a:ea typeface="HGHangle" panose="020B0800000000000000" pitchFamily="34" charset="-127"/>
+              </a:rPr>
+              <a:t>장 있습니다</a:t>
+            </a:r>
+            <a:r>
+              <a:rPr lang="en-US" altLang="ja-JP" sz="3200" b="1" dirty="0" smtClean="0">
+                <a:solidFill>
+                  <a:schemeClr val="tx1"/>
+                </a:solidFill>
+                <a:latin typeface="HGHangle" panose="020B0800000000000000" pitchFamily="34" charset="-127"/>
+                <a:ea typeface="HGHangle" panose="020B0800000000000000" pitchFamily="34" charset="-127"/>
+              </a:rPr>
+              <a:t>.</a:t>
+            </a:r>
+          </a:p>
+          <a:p>
+            <a:r>
+              <a:rPr lang="ja-JP" altLang="en-US" sz="3200" b="1" dirty="0">
+                <a:solidFill>
+                  <a:schemeClr val="tx1"/>
+                </a:solidFill>
+                <a:latin typeface="HGHangle" panose="020B0800000000000000" pitchFamily="34" charset="-127"/>
+                <a:ea typeface="HGHangle" panose="020B0800000000000000" pitchFamily="34" charset="-127"/>
+              </a:rPr>
+              <a:t> </a:t>
+            </a:r>
+            <a:r>
+              <a:rPr lang="ko-KR" altLang="en-US" sz="3200" b="1" dirty="0" smtClean="0">
+                <a:solidFill>
+                  <a:schemeClr val="tx1"/>
+                </a:solidFill>
+                <a:latin typeface="HGHangle" panose="020B0800000000000000" pitchFamily="34" charset="-127"/>
+                <a:ea typeface="HGHangle" panose="020B0800000000000000" pitchFamily="34" charset="-127"/>
+              </a:rPr>
+              <a:t>한접시에 </a:t>
+            </a:r>
+            <a:r>
+              <a:rPr lang="ko-KR" altLang="en-US" sz="3200" b="1" dirty="0">
+                <a:solidFill>
+                  <a:schemeClr val="tx1"/>
+                </a:solidFill>
+                <a:latin typeface="HGHangle" panose="020B0800000000000000" pitchFamily="34" charset="-127"/>
+                <a:ea typeface="HGHangle" panose="020B0800000000000000" pitchFamily="34" charset="-127"/>
+              </a:rPr>
+              <a:t>사과 </a:t>
+            </a:r>
+            <a:r>
+              <a:rPr lang="en-US" altLang="ko-KR" sz="3200" b="1" dirty="0">
+                <a:solidFill>
+                  <a:schemeClr val="tx1"/>
+                </a:solidFill>
+                <a:latin typeface="HGHangle" panose="020B0800000000000000" pitchFamily="34" charset="-127"/>
+                <a:ea typeface="HGHangle" panose="020B0800000000000000" pitchFamily="34" charset="-127"/>
+              </a:rPr>
+              <a:t>3</a:t>
+            </a:r>
+            <a:r>
+              <a:rPr lang="ko-KR" altLang="en-US" sz="3200" b="1" dirty="0">
+                <a:solidFill>
+                  <a:schemeClr val="tx1"/>
+                </a:solidFill>
+                <a:latin typeface="HGHangle" panose="020B0800000000000000" pitchFamily="34" charset="-127"/>
+                <a:ea typeface="HGHangle" panose="020B0800000000000000" pitchFamily="34" charset="-127"/>
+              </a:rPr>
+              <a:t>개씩을 담을 </a:t>
+            </a:r>
+            <a:r>
+              <a:rPr lang="ko-KR" altLang="en-US" sz="3200" b="1" dirty="0" smtClean="0">
+                <a:solidFill>
+                  <a:schemeClr val="tx1"/>
+                </a:solidFill>
+                <a:latin typeface="HGHangle" panose="020B0800000000000000" pitchFamily="34" charset="-127"/>
+                <a:ea typeface="HGHangle" panose="020B0800000000000000" pitchFamily="34" charset="-127"/>
+              </a:rPr>
+              <a:t>경우</a:t>
+            </a:r>
+            <a:endParaRPr lang="en-US" altLang="ja-JP" sz="3200" b="1" dirty="0" smtClean="0">
+              <a:solidFill>
+                <a:schemeClr val="tx1"/>
+              </a:solidFill>
+              <a:latin typeface="HGHangle" panose="020B0800000000000000" pitchFamily="34" charset="-127"/>
+              <a:ea typeface="HGHangle" panose="020B0800000000000000" pitchFamily="34" charset="-127"/>
+            </a:endParaRPr>
+          </a:p>
+          <a:p>
+            <a:r>
+              <a:rPr lang="ja-JP" altLang="en-US" sz="3200" b="1" dirty="0">
+                <a:solidFill>
+                  <a:srgbClr val="C00000"/>
+                </a:solidFill>
+                <a:latin typeface="HGHangle" panose="020B0800000000000000" pitchFamily="34" charset="-127"/>
+                <a:ea typeface="HGHangle" panose="020B0800000000000000" pitchFamily="34" charset="-127"/>
+              </a:rPr>
+              <a:t> </a:t>
+            </a:r>
+            <a:r>
+              <a:rPr lang="ko-KR" altLang="ja-JP" sz="3200" b="1" dirty="0" smtClean="0">
+                <a:solidFill>
+                  <a:srgbClr val="C00000"/>
+                </a:solidFill>
+                <a:latin typeface="HGHangle" panose="020B0800000000000000" pitchFamily="34" charset="-127"/>
+                <a:ea typeface="HGHangle" panose="020B0800000000000000" pitchFamily="34" charset="-127"/>
+              </a:rPr>
+              <a:t>사과가 </a:t>
+            </a:r>
+            <a:r>
+              <a:rPr lang="ko-KR" altLang="ja-JP" sz="3200" b="1" dirty="0">
+                <a:solidFill>
+                  <a:srgbClr val="C00000"/>
+                </a:solidFill>
+                <a:latin typeface="HGHangle" panose="020B0800000000000000" pitchFamily="34" charset="-127"/>
+                <a:ea typeface="HGHangle" panose="020B0800000000000000" pitchFamily="34" charset="-127"/>
+              </a:rPr>
+              <a:t>모두 몇개 있을까요</a:t>
+            </a:r>
+            <a:r>
+              <a:rPr lang="en-US" altLang="ja-JP" sz="3200" b="1" dirty="0">
+                <a:solidFill>
+                  <a:srgbClr val="C00000"/>
+                </a:solidFill>
+                <a:latin typeface="HGHangle" panose="020B0800000000000000" pitchFamily="34" charset="-127"/>
+                <a:ea typeface="HGHangle" panose="020B0800000000000000" pitchFamily="34" charset="-127"/>
+              </a:rPr>
+              <a:t>?</a:t>
+            </a:r>
+            <a:endParaRPr lang="ja-JP" altLang="en-US" sz="3200" b="1" dirty="0">
+              <a:solidFill>
+                <a:srgbClr val="C00000"/>
+              </a:solidFill>
+              <a:latin typeface="HGHangle" panose="020B0800000000000000" pitchFamily="34" charset="-127"/>
+              <a:ea typeface="Gungsuh" panose="02030600000101010101" pitchFamily="18" charset="-127"/>
+            </a:endParaRPr>
+          </a:p>
+        </p:txBody>
+      </p:sp>
+      <p:sp>
+        <p:nvSpPr>
+          <p:cNvPr id="64" name="テキスト ボックス 63"/>
+          <p:cNvSpPr txBox="1"/>
+          <p:nvPr/>
+        </p:nvSpPr>
+        <p:spPr>
+          <a:xfrm>
+            <a:off x="7905715" y="87015"/>
+            <a:ext cx="798617" cy="461665"/>
+          </a:xfrm>
+          <a:prstGeom prst="rect">
+            <a:avLst/>
+          </a:prstGeom>
+          <a:noFill/>
+        </p:spPr>
+        <p:txBody>
+          <a:bodyPr wrap="none" rtlCol="0">
+            <a:spAutoFit/>
+          </a:bodyPr>
+          <a:lstStyle/>
+          <a:p>
+            <a:pPr algn="r"/>
+            <a:r>
+              <a:rPr lang="en-US" altLang="ja-JP" sz="2400" b="1" dirty="0">
+                <a:solidFill>
+                  <a:prstClr val="black"/>
+                </a:solidFill>
+                <a:latin typeface="HGHangle" panose="020B0800000000000000" pitchFamily="34" charset="-127"/>
+                <a:ea typeface="HGS創英角ﾎﾟｯﾌﾟ体" pitchFamily="50" charset="-128"/>
+              </a:rPr>
+              <a:t>5</a:t>
+            </a:r>
+            <a:r>
+              <a:rPr lang="en-US" altLang="ja-JP" sz="2400" b="1" dirty="0" smtClean="0">
+                <a:solidFill>
+                  <a:prstClr val="black"/>
+                </a:solidFill>
+                <a:latin typeface="HGHangle" panose="020B0800000000000000" pitchFamily="34" charset="-127"/>
+                <a:ea typeface="HGS創英角ﾎﾟｯﾌﾟ体" pitchFamily="50" charset="-128"/>
+              </a:rPr>
+              <a:t> / 6</a:t>
+            </a:r>
+            <a:endParaRPr lang="ja-JP" altLang="en-US" sz="2400" b="1" dirty="0">
+              <a:solidFill>
+                <a:prstClr val="black"/>
+              </a:solidFill>
+              <a:latin typeface="HGHangle" panose="020B0800000000000000" pitchFamily="34" charset="-127"/>
+              <a:ea typeface="HGS創英角ﾎﾟｯﾌﾟ体" pitchFamily="50" charset="-128"/>
+            </a:endParaRPr>
+          </a:p>
+        </p:txBody>
+      </p:sp>
+    </p:spTree>
+    <p:extLst>
+      <p:ext uri="{BB962C8B-B14F-4D97-AF65-F5344CB8AC3E}">
+        <p14:creationId xmlns:p14="http://schemas.microsoft.com/office/powerpoint/2010/main" val="3543694988"/>
+      </p:ext>
+    </p:extLst>
+  </p:cSld>
+  <p:clrMapOvr>
+    <a:masterClrMapping/>
+  </p:clrMapOvr>
+  <p:timing>
+    <p:tnLst>
+      <p:par>
+        <p:cTn id="1" dur="indefinite" restart="never" nodeType="tmRoot"/>
+      </p:par>
+    </p:tnLst>
+  </p:timing>
+</p:sld>
+</file>
+
 <file path=ppt/slides/slide2.xml><?xml version="1.0" encoding="utf-8"?>
 <p:sld xmlns:a="http://schemas.openxmlformats.org/drawingml/2006/main" xmlns:r="http://schemas.openxmlformats.org/officeDocument/2006/relationships" xmlns:p="http://schemas.openxmlformats.org/presentationml/2006/main">
   <p:cSld>
@@ -12582,7 +19140,7 @@
         <p:spPr>
           <a:xfrm>
             <a:off x="951335" y="6464931"/>
-            <a:ext cx="4492512" cy="369332"/>
+            <a:ext cx="4460003" cy="369332"/>
           </a:xfrm>
           <a:prstGeom prst="rect">
             <a:avLst/>
@@ -12597,14 +19155,18 @@
           <a:p>
             <a:r>
               <a:rPr lang="ja-JP" altLang="en-US" dirty="0"/>
-              <a:t>最終更新日時：</a:t>
-            </a:r>
-            <a:r>
-              <a:rPr lang="en-US" altLang="ja-JP" dirty="0"/>
-              <a:t>Sun Nov 17 07:16:41 JST </a:t>
-            </a:r>
-            <a:r>
-              <a:rPr lang="en-US" altLang="ja-JP" dirty="0" smtClean="0"/>
+              <a:t>最終更新日時</a:t>
+            </a:r>
+            <a:r>
+              <a:rPr lang="ja-JP" altLang="en-US" dirty="0" smtClean="0"/>
+              <a:t>：</a:t>
+            </a:r>
+            <a:r>
+              <a:rPr lang="fr-FR" altLang="ja-JP" dirty="0"/>
+              <a:t>Tue Dec 03 01:40:31 JST </a:t>
+            </a:r>
+            <a:r>
+              <a:rPr lang="fr-FR" altLang="ja-JP" dirty="0" smtClean="0"/>
               <a:t>2013</a:t>
             </a:r>
             <a:endParaRPr kumimoji="1" lang="ja-JP" altLang="en-US" dirty="0"/>
@@ -12615,6 +19177,2197 @@
     <p:extLst>
       <p:ext uri="{BB962C8B-B14F-4D97-AF65-F5344CB8AC3E}">
         <p14:creationId xmlns:p14="http://schemas.microsoft.com/office/powerpoint/2010/main" val="3685310459"/>
+      </p:ext>
+    </p:extLst>
+  </p:cSld>
+  <p:clrMapOvr>
+    <a:masterClrMapping/>
+  </p:clrMapOvr>
+  <p:timing>
+    <p:tnLst>
+      <p:par>
+        <p:cTn id="1" dur="indefinite" restart="never" nodeType="tmRoot"/>
+      </p:par>
+    </p:tnLst>
+  </p:timing>
+</p:sld>
+</file>
+
+<file path=ppt/slides/slide20.xml><?xml version="1.0" encoding="utf-8"?>
+<p:sld xmlns:a="http://schemas.openxmlformats.org/drawingml/2006/main" xmlns:r="http://schemas.openxmlformats.org/officeDocument/2006/relationships" xmlns:p="http://schemas.openxmlformats.org/presentationml/2006/main">
+  <p:cSld>
+    <p:spTree>
+      <p:nvGrpSpPr>
+        <p:cNvPr id="1" name=""/>
+        <p:cNvGrpSpPr/>
+        <p:nvPr/>
+      </p:nvGrpSpPr>
+      <p:grpSpPr>
+        <a:xfrm>
+          <a:off x="0" y="0"/>
+          <a:ext cx="0" cy="0"/>
+          <a:chOff x="0" y="0"/>
+          <a:chExt cx="0" cy="0"/>
+        </a:xfrm>
+      </p:grpSpPr>
+      <p:sp>
+        <p:nvSpPr>
+          <p:cNvPr id="4" name="正方形/長方形 3"/>
+          <p:cNvSpPr/>
+          <p:nvPr/>
+        </p:nvSpPr>
+        <p:spPr>
+          <a:xfrm>
+            <a:off x="467544" y="548680"/>
+            <a:ext cx="8208912" cy="1944216"/>
+          </a:xfrm>
+          <a:prstGeom prst="rect">
+            <a:avLst/>
+          </a:prstGeom>
+          <a:solidFill>
+            <a:schemeClr val="accent6">
+              <a:lumMod val="20000"/>
+              <a:lumOff val="80000"/>
+            </a:schemeClr>
+          </a:solidFill>
+          <a:ln>
+            <a:solidFill>
+              <a:schemeClr val="accent6">
+                <a:lumMod val="60000"/>
+                <a:lumOff val="40000"/>
+              </a:schemeClr>
+            </a:solidFill>
+          </a:ln>
+        </p:spPr>
+        <p:style>
+          <a:lnRef idx="2">
+            <a:schemeClr val="accent1">
+              <a:shade val="50000"/>
+            </a:schemeClr>
+          </a:lnRef>
+          <a:fillRef idx="1">
+            <a:schemeClr val="accent1"/>
+          </a:fillRef>
+          <a:effectRef idx="0">
+            <a:schemeClr val="accent1"/>
+          </a:effectRef>
+          <a:fontRef idx="minor">
+            <a:schemeClr val="lt1"/>
+          </a:fontRef>
+        </p:style>
+        <p:txBody>
+          <a:bodyPr rtlCol="0" anchor="ctr"/>
+          <a:lstStyle/>
+          <a:p>
+            <a:r>
+              <a:rPr lang="ja-JP" altLang="en-US" sz="3200" b="1" dirty="0">
+                <a:solidFill>
+                  <a:schemeClr val="tx1"/>
+                </a:solidFill>
+                <a:latin typeface="HGHangle" panose="020B0800000000000000" pitchFamily="34" charset="-127"/>
+                <a:ea typeface="HGHangle" panose="020B0800000000000000" pitchFamily="34" charset="-127"/>
+              </a:rPr>
+              <a:t> </a:t>
+            </a:r>
+            <a:r>
+              <a:rPr lang="ko-KR" altLang="ja-JP" sz="3200" b="1" dirty="0" smtClean="0">
+                <a:solidFill>
+                  <a:schemeClr val="tx1"/>
+                </a:solidFill>
+                <a:latin typeface="HGHangle" panose="020B0800000000000000" pitchFamily="34" charset="-127"/>
+                <a:ea typeface="HGHangle" panose="020B0800000000000000" pitchFamily="34" charset="-127"/>
+              </a:rPr>
+              <a:t>접시가</a:t>
+            </a:r>
+            <a:r>
+              <a:rPr lang="en-US" altLang="ja-JP" sz="3200" b="1" dirty="0" smtClean="0">
+                <a:solidFill>
+                  <a:schemeClr val="tx1"/>
+                </a:solidFill>
+                <a:latin typeface="HGHangle" panose="020B0800000000000000" pitchFamily="34" charset="-127"/>
+                <a:ea typeface="HGHangle" panose="020B0800000000000000" pitchFamily="34" charset="-127"/>
+              </a:rPr>
+              <a:t> </a:t>
+            </a:r>
+            <a:r>
+              <a:rPr lang="en-US" altLang="ja-JP" sz="3200" b="1" dirty="0">
+                <a:solidFill>
+                  <a:schemeClr val="tx1"/>
+                </a:solidFill>
+                <a:latin typeface="HGHangle" panose="020B0800000000000000" pitchFamily="34" charset="-127"/>
+                <a:ea typeface="HGHangle" panose="020B0800000000000000" pitchFamily="34" charset="-127"/>
+              </a:rPr>
+              <a:t>5</a:t>
+            </a:r>
+            <a:r>
+              <a:rPr lang="ko-KR" altLang="ja-JP" sz="3200" b="1" dirty="0">
+                <a:solidFill>
+                  <a:schemeClr val="tx1"/>
+                </a:solidFill>
+                <a:latin typeface="HGHangle" panose="020B0800000000000000" pitchFamily="34" charset="-127"/>
+                <a:ea typeface="HGHangle" panose="020B0800000000000000" pitchFamily="34" charset="-127"/>
+              </a:rPr>
+              <a:t>장 있습니다</a:t>
+            </a:r>
+            <a:r>
+              <a:rPr lang="en-US" altLang="ja-JP" sz="3200" b="1" dirty="0" smtClean="0">
+                <a:solidFill>
+                  <a:schemeClr val="tx1"/>
+                </a:solidFill>
+                <a:latin typeface="HGHangle" panose="020B0800000000000000" pitchFamily="34" charset="-127"/>
+                <a:ea typeface="HGHangle" panose="020B0800000000000000" pitchFamily="34" charset="-127"/>
+              </a:rPr>
+              <a:t>.</a:t>
+            </a:r>
+          </a:p>
+          <a:p>
+            <a:r>
+              <a:rPr lang="ja-JP" altLang="en-US" sz="3200" b="1" dirty="0">
+                <a:solidFill>
+                  <a:schemeClr val="tx1"/>
+                </a:solidFill>
+                <a:latin typeface="HGHangle" panose="020B0800000000000000" pitchFamily="34" charset="-127"/>
+                <a:ea typeface="HGHangle" panose="020B0800000000000000" pitchFamily="34" charset="-127"/>
+              </a:rPr>
+              <a:t> </a:t>
+            </a:r>
+            <a:r>
+              <a:rPr lang="ko-KR" altLang="en-US" sz="3200" b="1" dirty="0" smtClean="0">
+                <a:solidFill>
+                  <a:schemeClr val="tx1"/>
+                </a:solidFill>
+                <a:latin typeface="HGHangle" panose="020B0800000000000000" pitchFamily="34" charset="-127"/>
+                <a:ea typeface="HGHangle" panose="020B0800000000000000" pitchFamily="34" charset="-127"/>
+              </a:rPr>
+              <a:t>한접시에 </a:t>
+            </a:r>
+            <a:r>
+              <a:rPr lang="ko-KR" altLang="en-US" sz="3200" b="1" dirty="0">
+                <a:solidFill>
+                  <a:schemeClr val="tx1"/>
+                </a:solidFill>
+                <a:latin typeface="HGHangle" panose="020B0800000000000000" pitchFamily="34" charset="-127"/>
+                <a:ea typeface="HGHangle" panose="020B0800000000000000" pitchFamily="34" charset="-127"/>
+              </a:rPr>
+              <a:t>사과 </a:t>
+            </a:r>
+            <a:r>
+              <a:rPr lang="en-US" altLang="ko-KR" sz="3200" b="1" dirty="0">
+                <a:solidFill>
+                  <a:schemeClr val="tx1"/>
+                </a:solidFill>
+                <a:latin typeface="HGHangle" panose="020B0800000000000000" pitchFamily="34" charset="-127"/>
+                <a:ea typeface="HGHangle" panose="020B0800000000000000" pitchFamily="34" charset="-127"/>
+              </a:rPr>
+              <a:t>3</a:t>
+            </a:r>
+            <a:r>
+              <a:rPr lang="ko-KR" altLang="en-US" sz="3200" b="1" dirty="0">
+                <a:solidFill>
+                  <a:schemeClr val="tx1"/>
+                </a:solidFill>
+                <a:latin typeface="HGHangle" panose="020B0800000000000000" pitchFamily="34" charset="-127"/>
+                <a:ea typeface="HGHangle" panose="020B0800000000000000" pitchFamily="34" charset="-127"/>
+              </a:rPr>
+              <a:t>개씩을 담을 </a:t>
+            </a:r>
+            <a:r>
+              <a:rPr lang="ko-KR" altLang="en-US" sz="3200" b="1" dirty="0" smtClean="0">
+                <a:solidFill>
+                  <a:schemeClr val="tx1"/>
+                </a:solidFill>
+                <a:latin typeface="HGHangle" panose="020B0800000000000000" pitchFamily="34" charset="-127"/>
+                <a:ea typeface="HGHangle" panose="020B0800000000000000" pitchFamily="34" charset="-127"/>
+              </a:rPr>
+              <a:t>경우</a:t>
+            </a:r>
+            <a:endParaRPr lang="en-US" altLang="ja-JP" sz="3200" b="1" dirty="0" smtClean="0">
+              <a:solidFill>
+                <a:schemeClr val="tx1"/>
+              </a:solidFill>
+              <a:latin typeface="HGHangle" panose="020B0800000000000000" pitchFamily="34" charset="-127"/>
+              <a:ea typeface="HGHangle" panose="020B0800000000000000" pitchFamily="34" charset="-127"/>
+            </a:endParaRPr>
+          </a:p>
+          <a:p>
+            <a:r>
+              <a:rPr lang="ja-JP" altLang="en-US" sz="3200" b="1" dirty="0">
+                <a:solidFill>
+                  <a:srgbClr val="C00000"/>
+                </a:solidFill>
+                <a:latin typeface="HGHangle" panose="020B0800000000000000" pitchFamily="34" charset="-127"/>
+                <a:ea typeface="HGHangle" panose="020B0800000000000000" pitchFamily="34" charset="-127"/>
+              </a:rPr>
+              <a:t> </a:t>
+            </a:r>
+            <a:r>
+              <a:rPr lang="ko-KR" altLang="ja-JP" sz="3200" b="1" dirty="0" smtClean="0">
+                <a:solidFill>
+                  <a:srgbClr val="C00000"/>
+                </a:solidFill>
+                <a:latin typeface="HGHangle" panose="020B0800000000000000" pitchFamily="34" charset="-127"/>
+                <a:ea typeface="HGHangle" panose="020B0800000000000000" pitchFamily="34" charset="-127"/>
+              </a:rPr>
+              <a:t>사과가 </a:t>
+            </a:r>
+            <a:r>
+              <a:rPr lang="ko-KR" altLang="ja-JP" sz="3200" b="1" dirty="0">
+                <a:solidFill>
+                  <a:srgbClr val="C00000"/>
+                </a:solidFill>
+                <a:latin typeface="HGHangle" panose="020B0800000000000000" pitchFamily="34" charset="-127"/>
+                <a:ea typeface="HGHangle" panose="020B0800000000000000" pitchFamily="34" charset="-127"/>
+              </a:rPr>
+              <a:t>모두 몇개 있을까요</a:t>
+            </a:r>
+            <a:r>
+              <a:rPr lang="en-US" altLang="ja-JP" sz="3200" b="1" dirty="0">
+                <a:solidFill>
+                  <a:srgbClr val="C00000"/>
+                </a:solidFill>
+                <a:latin typeface="HGHangle" panose="020B0800000000000000" pitchFamily="34" charset="-127"/>
+                <a:ea typeface="HGHangle" panose="020B0800000000000000" pitchFamily="34" charset="-127"/>
+              </a:rPr>
+              <a:t>?</a:t>
+            </a:r>
+            <a:endParaRPr lang="ja-JP" altLang="en-US" sz="3200" b="1" dirty="0">
+              <a:solidFill>
+                <a:srgbClr val="C00000"/>
+              </a:solidFill>
+              <a:latin typeface="HGHangle" panose="020B0800000000000000" pitchFamily="34" charset="-127"/>
+              <a:ea typeface="Gungsuh" panose="02030600000101010101" pitchFamily="18" charset="-127"/>
+            </a:endParaRPr>
+          </a:p>
+        </p:txBody>
+      </p:sp>
+      <p:sp>
+        <p:nvSpPr>
+          <p:cNvPr id="5" name="円/楕円 4"/>
+          <p:cNvSpPr/>
+          <p:nvPr/>
+        </p:nvSpPr>
+        <p:spPr>
+          <a:xfrm>
+            <a:off x="474716" y="3793232"/>
+            <a:ext cx="2376264" cy="1008112"/>
+          </a:xfrm>
+          <a:prstGeom prst="ellipse">
+            <a:avLst/>
+          </a:prstGeom>
+          <a:solidFill>
+            <a:schemeClr val="bg1"/>
+          </a:solidFill>
+          <a:ln w="38100">
+            <a:solidFill>
+              <a:schemeClr val="tx1"/>
+            </a:solidFill>
+          </a:ln>
+        </p:spPr>
+        <p:style>
+          <a:lnRef idx="2">
+            <a:schemeClr val="accent1">
+              <a:shade val="50000"/>
+            </a:schemeClr>
+          </a:lnRef>
+          <a:fillRef idx="1">
+            <a:schemeClr val="accent1"/>
+          </a:fillRef>
+          <a:effectRef idx="0">
+            <a:schemeClr val="accent1"/>
+          </a:effectRef>
+          <a:fontRef idx="minor">
+            <a:schemeClr val="lt1"/>
+          </a:fontRef>
+        </p:style>
+        <p:txBody>
+          <a:bodyPr rtlCol="0" anchor="ctr"/>
+          <a:lstStyle/>
+          <a:p>
+            <a:pPr algn="ctr"/>
+            <a:endParaRPr lang="ja-JP" altLang="en-US">
+              <a:solidFill>
+                <a:prstClr val="white"/>
+              </a:solidFill>
+            </a:endParaRPr>
+          </a:p>
+        </p:txBody>
+      </p:sp>
+      <p:sp>
+        <p:nvSpPr>
+          <p:cNvPr id="6" name="円/楕円 5"/>
+          <p:cNvSpPr/>
+          <p:nvPr/>
+        </p:nvSpPr>
+        <p:spPr>
+          <a:xfrm>
+            <a:off x="6300192" y="3793232"/>
+            <a:ext cx="2376264" cy="1008112"/>
+          </a:xfrm>
+          <a:prstGeom prst="ellipse">
+            <a:avLst/>
+          </a:prstGeom>
+          <a:solidFill>
+            <a:schemeClr val="bg1"/>
+          </a:solidFill>
+          <a:ln w="38100">
+            <a:solidFill>
+              <a:schemeClr val="tx1"/>
+            </a:solidFill>
+          </a:ln>
+        </p:spPr>
+        <p:style>
+          <a:lnRef idx="2">
+            <a:schemeClr val="accent1">
+              <a:shade val="50000"/>
+            </a:schemeClr>
+          </a:lnRef>
+          <a:fillRef idx="1">
+            <a:schemeClr val="accent1"/>
+          </a:fillRef>
+          <a:effectRef idx="0">
+            <a:schemeClr val="accent1"/>
+          </a:effectRef>
+          <a:fontRef idx="minor">
+            <a:schemeClr val="lt1"/>
+          </a:fontRef>
+        </p:style>
+        <p:txBody>
+          <a:bodyPr rtlCol="0" anchor="ctr"/>
+          <a:lstStyle/>
+          <a:p>
+            <a:pPr algn="ctr"/>
+            <a:endParaRPr lang="ja-JP" altLang="en-US">
+              <a:solidFill>
+                <a:prstClr val="white"/>
+              </a:solidFill>
+            </a:endParaRPr>
+          </a:p>
+        </p:txBody>
+      </p:sp>
+      <p:sp>
+        <p:nvSpPr>
+          <p:cNvPr id="7" name="円/楕円 6"/>
+          <p:cNvSpPr/>
+          <p:nvPr/>
+        </p:nvSpPr>
+        <p:spPr>
+          <a:xfrm>
+            <a:off x="3383868" y="3793232"/>
+            <a:ext cx="2376264" cy="1008112"/>
+          </a:xfrm>
+          <a:prstGeom prst="ellipse">
+            <a:avLst/>
+          </a:prstGeom>
+          <a:solidFill>
+            <a:schemeClr val="bg1"/>
+          </a:solidFill>
+          <a:ln w="38100">
+            <a:solidFill>
+              <a:schemeClr val="tx1"/>
+            </a:solidFill>
+          </a:ln>
+        </p:spPr>
+        <p:style>
+          <a:lnRef idx="2">
+            <a:schemeClr val="accent1">
+              <a:shade val="50000"/>
+            </a:schemeClr>
+          </a:lnRef>
+          <a:fillRef idx="1">
+            <a:schemeClr val="accent1"/>
+          </a:fillRef>
+          <a:effectRef idx="0">
+            <a:schemeClr val="accent1"/>
+          </a:effectRef>
+          <a:fontRef idx="minor">
+            <a:schemeClr val="lt1"/>
+          </a:fontRef>
+        </p:style>
+        <p:txBody>
+          <a:bodyPr rtlCol="0" anchor="ctr"/>
+          <a:lstStyle/>
+          <a:p>
+            <a:pPr algn="ctr"/>
+            <a:endParaRPr lang="ja-JP" altLang="en-US">
+              <a:solidFill>
+                <a:prstClr val="white"/>
+              </a:solidFill>
+            </a:endParaRPr>
+          </a:p>
+        </p:txBody>
+      </p:sp>
+      <p:sp>
+        <p:nvSpPr>
+          <p:cNvPr id="8" name="円/楕円 7"/>
+          <p:cNvSpPr/>
+          <p:nvPr/>
+        </p:nvSpPr>
+        <p:spPr>
+          <a:xfrm>
+            <a:off x="1950880" y="5445224"/>
+            <a:ext cx="2376264" cy="1008112"/>
+          </a:xfrm>
+          <a:prstGeom prst="ellipse">
+            <a:avLst/>
+          </a:prstGeom>
+          <a:solidFill>
+            <a:schemeClr val="bg1"/>
+          </a:solidFill>
+          <a:ln w="38100">
+            <a:solidFill>
+              <a:schemeClr val="tx1"/>
+            </a:solidFill>
+          </a:ln>
+        </p:spPr>
+        <p:style>
+          <a:lnRef idx="2">
+            <a:schemeClr val="accent1">
+              <a:shade val="50000"/>
+            </a:schemeClr>
+          </a:lnRef>
+          <a:fillRef idx="1">
+            <a:schemeClr val="accent1"/>
+          </a:fillRef>
+          <a:effectRef idx="0">
+            <a:schemeClr val="accent1"/>
+          </a:effectRef>
+          <a:fontRef idx="minor">
+            <a:schemeClr val="lt1"/>
+          </a:fontRef>
+        </p:style>
+        <p:txBody>
+          <a:bodyPr rtlCol="0" anchor="ctr"/>
+          <a:lstStyle/>
+          <a:p>
+            <a:pPr algn="ctr"/>
+            <a:endParaRPr lang="ja-JP" altLang="en-US">
+              <a:solidFill>
+                <a:prstClr val="white"/>
+              </a:solidFill>
+            </a:endParaRPr>
+          </a:p>
+        </p:txBody>
+      </p:sp>
+      <p:sp>
+        <p:nvSpPr>
+          <p:cNvPr id="9" name="円/楕円 8"/>
+          <p:cNvSpPr/>
+          <p:nvPr/>
+        </p:nvSpPr>
+        <p:spPr>
+          <a:xfrm>
+            <a:off x="4860032" y="5445224"/>
+            <a:ext cx="2376264" cy="1008112"/>
+          </a:xfrm>
+          <a:prstGeom prst="ellipse">
+            <a:avLst/>
+          </a:prstGeom>
+          <a:solidFill>
+            <a:schemeClr val="bg1"/>
+          </a:solidFill>
+          <a:ln w="38100">
+            <a:solidFill>
+              <a:schemeClr val="tx1"/>
+            </a:solidFill>
+          </a:ln>
+        </p:spPr>
+        <p:style>
+          <a:lnRef idx="2">
+            <a:schemeClr val="accent1">
+              <a:shade val="50000"/>
+            </a:schemeClr>
+          </a:lnRef>
+          <a:fillRef idx="1">
+            <a:schemeClr val="accent1"/>
+          </a:fillRef>
+          <a:effectRef idx="0">
+            <a:schemeClr val="accent1"/>
+          </a:effectRef>
+          <a:fontRef idx="minor">
+            <a:schemeClr val="lt1"/>
+          </a:fontRef>
+        </p:style>
+        <p:txBody>
+          <a:bodyPr rtlCol="0" anchor="ctr"/>
+          <a:lstStyle/>
+          <a:p>
+            <a:pPr algn="ctr"/>
+            <a:endParaRPr lang="ja-JP" altLang="en-US">
+              <a:solidFill>
+                <a:prstClr val="white"/>
+              </a:solidFill>
+            </a:endParaRPr>
+          </a:p>
+        </p:txBody>
+      </p:sp>
+      <p:grpSp>
+        <p:nvGrpSpPr>
+          <p:cNvPr id="21" name="グループ化 20"/>
+          <p:cNvGrpSpPr/>
+          <p:nvPr/>
+        </p:nvGrpSpPr>
+        <p:grpSpPr>
+          <a:xfrm>
+            <a:off x="699124" y="3628808"/>
+            <a:ext cx="1912498" cy="1120936"/>
+            <a:chOff x="699124" y="2976544"/>
+            <a:chExt cx="1912498" cy="1120936"/>
+          </a:xfrm>
+        </p:grpSpPr>
+        <p:grpSp>
+          <p:nvGrpSpPr>
+            <p:cNvPr id="14" name="グループ化 13"/>
+            <p:cNvGrpSpPr/>
+            <p:nvPr/>
+          </p:nvGrpSpPr>
+          <p:grpSpPr>
+            <a:xfrm>
+              <a:off x="699124" y="2996952"/>
+              <a:ext cx="632516" cy="812496"/>
+              <a:chOff x="843244" y="4960956"/>
+              <a:chExt cx="632516" cy="812496"/>
+            </a:xfrm>
+          </p:grpSpPr>
+          <p:sp>
+            <p:nvSpPr>
+              <p:cNvPr id="10" name="円/楕円 9"/>
+              <p:cNvSpPr/>
+              <p:nvPr/>
+            </p:nvSpPr>
+            <p:spPr>
+              <a:xfrm>
+                <a:off x="843244" y="5116996"/>
+                <a:ext cx="632516" cy="656456"/>
+              </a:xfrm>
+              <a:prstGeom prst="ellipse">
+                <a:avLst/>
+              </a:prstGeom>
+              <a:solidFill>
+                <a:srgbClr val="FF0000"/>
+              </a:solidFill>
+              <a:ln w="19050">
+                <a:noFill/>
+              </a:ln>
+            </p:spPr>
+            <p:style>
+              <a:lnRef idx="2">
+                <a:schemeClr val="accent1">
+                  <a:shade val="50000"/>
+                </a:schemeClr>
+              </a:lnRef>
+              <a:fillRef idx="1">
+                <a:schemeClr val="accent1"/>
+              </a:fillRef>
+              <a:effectRef idx="0">
+                <a:schemeClr val="accent1"/>
+              </a:effectRef>
+              <a:fontRef idx="minor">
+                <a:schemeClr val="lt1"/>
+              </a:fontRef>
+            </p:style>
+            <p:txBody>
+              <a:bodyPr rtlCol="0" anchor="ctr"/>
+              <a:lstStyle/>
+              <a:p>
+                <a:pPr algn="ctr"/>
+                <a:endParaRPr lang="ja-JP" altLang="en-US">
+                  <a:solidFill>
+                    <a:prstClr val="white"/>
+                  </a:solidFill>
+                </a:endParaRPr>
+              </a:p>
+            </p:txBody>
+          </p:sp>
+          <p:cxnSp>
+            <p:nvCxnSpPr>
+              <p:cNvPr id="12" name="直線コネクタ 11"/>
+              <p:cNvCxnSpPr/>
+              <p:nvPr/>
+            </p:nvCxnSpPr>
+            <p:spPr>
+              <a:xfrm>
+                <a:off x="1159502" y="4960956"/>
+                <a:ext cx="0" cy="288032"/>
+              </a:xfrm>
+              <a:prstGeom prst="line">
+                <a:avLst/>
+              </a:prstGeom>
+              <a:ln w="50800">
+                <a:solidFill>
+                  <a:schemeClr val="tx1"/>
+                </a:solidFill>
+              </a:ln>
+            </p:spPr>
+            <p:style>
+              <a:lnRef idx="1">
+                <a:schemeClr val="accent1"/>
+              </a:lnRef>
+              <a:fillRef idx="0">
+                <a:schemeClr val="accent1"/>
+              </a:fillRef>
+              <a:effectRef idx="0">
+                <a:schemeClr val="accent1"/>
+              </a:effectRef>
+              <a:fontRef idx="minor">
+                <a:schemeClr val="tx1"/>
+              </a:fontRef>
+            </p:style>
+          </p:cxnSp>
+        </p:grpSp>
+        <p:grpSp>
+          <p:nvGrpSpPr>
+            <p:cNvPr id="15" name="グループ化 14"/>
+            <p:cNvGrpSpPr/>
+            <p:nvPr/>
+          </p:nvGrpSpPr>
+          <p:grpSpPr>
+            <a:xfrm>
+              <a:off x="1346590" y="3284984"/>
+              <a:ext cx="632516" cy="812496"/>
+              <a:chOff x="843244" y="4960956"/>
+              <a:chExt cx="632516" cy="812496"/>
+            </a:xfrm>
+          </p:grpSpPr>
+          <p:sp>
+            <p:nvSpPr>
+              <p:cNvPr id="16" name="円/楕円 15"/>
+              <p:cNvSpPr/>
+              <p:nvPr/>
+            </p:nvSpPr>
+            <p:spPr>
+              <a:xfrm>
+                <a:off x="843244" y="5116996"/>
+                <a:ext cx="632516" cy="656456"/>
+              </a:xfrm>
+              <a:prstGeom prst="ellipse">
+                <a:avLst/>
+              </a:prstGeom>
+              <a:solidFill>
+                <a:srgbClr val="FF0000"/>
+              </a:solidFill>
+              <a:ln w="19050">
+                <a:noFill/>
+              </a:ln>
+            </p:spPr>
+            <p:style>
+              <a:lnRef idx="2">
+                <a:schemeClr val="accent1">
+                  <a:shade val="50000"/>
+                </a:schemeClr>
+              </a:lnRef>
+              <a:fillRef idx="1">
+                <a:schemeClr val="accent1"/>
+              </a:fillRef>
+              <a:effectRef idx="0">
+                <a:schemeClr val="accent1"/>
+              </a:effectRef>
+              <a:fontRef idx="minor">
+                <a:schemeClr val="lt1"/>
+              </a:fontRef>
+            </p:style>
+            <p:txBody>
+              <a:bodyPr rtlCol="0" anchor="ctr"/>
+              <a:lstStyle/>
+              <a:p>
+                <a:pPr algn="ctr"/>
+                <a:endParaRPr lang="ja-JP" altLang="en-US">
+                  <a:solidFill>
+                    <a:prstClr val="white"/>
+                  </a:solidFill>
+                </a:endParaRPr>
+              </a:p>
+            </p:txBody>
+          </p:sp>
+          <p:cxnSp>
+            <p:nvCxnSpPr>
+              <p:cNvPr id="17" name="直線コネクタ 16"/>
+              <p:cNvCxnSpPr/>
+              <p:nvPr/>
+            </p:nvCxnSpPr>
+            <p:spPr>
+              <a:xfrm>
+                <a:off x="1159502" y="4960956"/>
+                <a:ext cx="0" cy="288032"/>
+              </a:xfrm>
+              <a:prstGeom prst="line">
+                <a:avLst/>
+              </a:prstGeom>
+              <a:ln w="50800">
+                <a:solidFill>
+                  <a:schemeClr val="tx1"/>
+                </a:solidFill>
+              </a:ln>
+            </p:spPr>
+            <p:style>
+              <a:lnRef idx="1">
+                <a:schemeClr val="accent1"/>
+              </a:lnRef>
+              <a:fillRef idx="0">
+                <a:schemeClr val="accent1"/>
+              </a:fillRef>
+              <a:effectRef idx="0">
+                <a:schemeClr val="accent1"/>
+              </a:effectRef>
+              <a:fontRef idx="minor">
+                <a:schemeClr val="tx1"/>
+              </a:fontRef>
+            </p:style>
+          </p:cxnSp>
+        </p:grpSp>
+        <p:grpSp>
+          <p:nvGrpSpPr>
+            <p:cNvPr id="18" name="グループ化 17"/>
+            <p:cNvGrpSpPr/>
+            <p:nvPr/>
+          </p:nvGrpSpPr>
+          <p:grpSpPr>
+            <a:xfrm>
+              <a:off x="1979106" y="2976544"/>
+              <a:ext cx="632516" cy="812496"/>
+              <a:chOff x="843244" y="4960956"/>
+              <a:chExt cx="632516" cy="812496"/>
+            </a:xfrm>
+          </p:grpSpPr>
+          <p:sp>
+            <p:nvSpPr>
+              <p:cNvPr id="19" name="円/楕円 18"/>
+              <p:cNvSpPr/>
+              <p:nvPr/>
+            </p:nvSpPr>
+            <p:spPr>
+              <a:xfrm>
+                <a:off x="843244" y="5116996"/>
+                <a:ext cx="632516" cy="656456"/>
+              </a:xfrm>
+              <a:prstGeom prst="ellipse">
+                <a:avLst/>
+              </a:prstGeom>
+              <a:solidFill>
+                <a:srgbClr val="FF0000"/>
+              </a:solidFill>
+              <a:ln w="19050">
+                <a:noFill/>
+              </a:ln>
+            </p:spPr>
+            <p:style>
+              <a:lnRef idx="2">
+                <a:schemeClr val="accent1">
+                  <a:shade val="50000"/>
+                </a:schemeClr>
+              </a:lnRef>
+              <a:fillRef idx="1">
+                <a:schemeClr val="accent1"/>
+              </a:fillRef>
+              <a:effectRef idx="0">
+                <a:schemeClr val="accent1"/>
+              </a:effectRef>
+              <a:fontRef idx="minor">
+                <a:schemeClr val="lt1"/>
+              </a:fontRef>
+            </p:style>
+            <p:txBody>
+              <a:bodyPr rtlCol="0" anchor="ctr"/>
+              <a:lstStyle/>
+              <a:p>
+                <a:pPr algn="ctr"/>
+                <a:endParaRPr lang="ja-JP" altLang="en-US">
+                  <a:solidFill>
+                    <a:prstClr val="white"/>
+                  </a:solidFill>
+                </a:endParaRPr>
+              </a:p>
+            </p:txBody>
+          </p:sp>
+          <p:cxnSp>
+            <p:nvCxnSpPr>
+              <p:cNvPr id="20" name="直線コネクタ 19"/>
+              <p:cNvCxnSpPr/>
+              <p:nvPr/>
+            </p:nvCxnSpPr>
+            <p:spPr>
+              <a:xfrm>
+                <a:off x="1159502" y="4960956"/>
+                <a:ext cx="0" cy="288032"/>
+              </a:xfrm>
+              <a:prstGeom prst="line">
+                <a:avLst/>
+              </a:prstGeom>
+              <a:ln w="50800">
+                <a:solidFill>
+                  <a:schemeClr val="tx1"/>
+                </a:solidFill>
+              </a:ln>
+            </p:spPr>
+            <p:style>
+              <a:lnRef idx="1">
+                <a:schemeClr val="accent1"/>
+              </a:lnRef>
+              <a:fillRef idx="0">
+                <a:schemeClr val="accent1"/>
+              </a:fillRef>
+              <a:effectRef idx="0">
+                <a:schemeClr val="accent1"/>
+              </a:effectRef>
+              <a:fontRef idx="minor">
+                <a:schemeClr val="tx1"/>
+              </a:fontRef>
+            </p:style>
+          </p:cxnSp>
+        </p:grpSp>
+      </p:grpSp>
+      <p:grpSp>
+        <p:nvGrpSpPr>
+          <p:cNvPr id="22" name="グループ化 21"/>
+          <p:cNvGrpSpPr/>
+          <p:nvPr/>
+        </p:nvGrpSpPr>
+        <p:grpSpPr>
+          <a:xfrm>
+            <a:off x="3615751" y="3628808"/>
+            <a:ext cx="1912498" cy="1120936"/>
+            <a:chOff x="699124" y="2976544"/>
+            <a:chExt cx="1912498" cy="1120936"/>
+          </a:xfrm>
+        </p:grpSpPr>
+        <p:grpSp>
+          <p:nvGrpSpPr>
+            <p:cNvPr id="23" name="グループ化 22"/>
+            <p:cNvGrpSpPr/>
+            <p:nvPr/>
+          </p:nvGrpSpPr>
+          <p:grpSpPr>
+            <a:xfrm>
+              <a:off x="699124" y="2996952"/>
+              <a:ext cx="632516" cy="812496"/>
+              <a:chOff x="843244" y="4960956"/>
+              <a:chExt cx="632516" cy="812496"/>
+            </a:xfrm>
+          </p:grpSpPr>
+          <p:sp>
+            <p:nvSpPr>
+              <p:cNvPr id="30" name="円/楕円 29"/>
+              <p:cNvSpPr/>
+              <p:nvPr/>
+            </p:nvSpPr>
+            <p:spPr>
+              <a:xfrm>
+                <a:off x="843244" y="5116996"/>
+                <a:ext cx="632516" cy="656456"/>
+              </a:xfrm>
+              <a:prstGeom prst="ellipse">
+                <a:avLst/>
+              </a:prstGeom>
+              <a:solidFill>
+                <a:srgbClr val="FF0000"/>
+              </a:solidFill>
+              <a:ln w="19050">
+                <a:noFill/>
+              </a:ln>
+            </p:spPr>
+            <p:style>
+              <a:lnRef idx="2">
+                <a:schemeClr val="accent1">
+                  <a:shade val="50000"/>
+                </a:schemeClr>
+              </a:lnRef>
+              <a:fillRef idx="1">
+                <a:schemeClr val="accent1"/>
+              </a:fillRef>
+              <a:effectRef idx="0">
+                <a:schemeClr val="accent1"/>
+              </a:effectRef>
+              <a:fontRef idx="minor">
+                <a:schemeClr val="lt1"/>
+              </a:fontRef>
+            </p:style>
+            <p:txBody>
+              <a:bodyPr rtlCol="0" anchor="ctr"/>
+              <a:lstStyle/>
+              <a:p>
+                <a:pPr algn="ctr"/>
+                <a:endParaRPr lang="ja-JP" altLang="en-US">
+                  <a:solidFill>
+                    <a:prstClr val="white"/>
+                  </a:solidFill>
+                </a:endParaRPr>
+              </a:p>
+            </p:txBody>
+          </p:sp>
+          <p:cxnSp>
+            <p:nvCxnSpPr>
+              <p:cNvPr id="31" name="直線コネクタ 30"/>
+              <p:cNvCxnSpPr/>
+              <p:nvPr/>
+            </p:nvCxnSpPr>
+            <p:spPr>
+              <a:xfrm>
+                <a:off x="1159502" y="4960956"/>
+                <a:ext cx="0" cy="288032"/>
+              </a:xfrm>
+              <a:prstGeom prst="line">
+                <a:avLst/>
+              </a:prstGeom>
+              <a:ln w="50800">
+                <a:solidFill>
+                  <a:schemeClr val="tx1"/>
+                </a:solidFill>
+              </a:ln>
+            </p:spPr>
+            <p:style>
+              <a:lnRef idx="1">
+                <a:schemeClr val="accent1"/>
+              </a:lnRef>
+              <a:fillRef idx="0">
+                <a:schemeClr val="accent1"/>
+              </a:fillRef>
+              <a:effectRef idx="0">
+                <a:schemeClr val="accent1"/>
+              </a:effectRef>
+              <a:fontRef idx="minor">
+                <a:schemeClr val="tx1"/>
+              </a:fontRef>
+            </p:style>
+          </p:cxnSp>
+        </p:grpSp>
+        <p:grpSp>
+          <p:nvGrpSpPr>
+            <p:cNvPr id="24" name="グループ化 23"/>
+            <p:cNvGrpSpPr/>
+            <p:nvPr/>
+          </p:nvGrpSpPr>
+          <p:grpSpPr>
+            <a:xfrm>
+              <a:off x="1346590" y="3284984"/>
+              <a:ext cx="632516" cy="812496"/>
+              <a:chOff x="843244" y="4960956"/>
+              <a:chExt cx="632516" cy="812496"/>
+            </a:xfrm>
+          </p:grpSpPr>
+          <p:sp>
+            <p:nvSpPr>
+              <p:cNvPr id="28" name="円/楕円 27"/>
+              <p:cNvSpPr/>
+              <p:nvPr/>
+            </p:nvSpPr>
+            <p:spPr>
+              <a:xfrm>
+                <a:off x="843244" y="5116996"/>
+                <a:ext cx="632516" cy="656456"/>
+              </a:xfrm>
+              <a:prstGeom prst="ellipse">
+                <a:avLst/>
+              </a:prstGeom>
+              <a:solidFill>
+                <a:srgbClr val="FF0000"/>
+              </a:solidFill>
+              <a:ln w="19050">
+                <a:noFill/>
+              </a:ln>
+            </p:spPr>
+            <p:style>
+              <a:lnRef idx="2">
+                <a:schemeClr val="accent1">
+                  <a:shade val="50000"/>
+                </a:schemeClr>
+              </a:lnRef>
+              <a:fillRef idx="1">
+                <a:schemeClr val="accent1"/>
+              </a:fillRef>
+              <a:effectRef idx="0">
+                <a:schemeClr val="accent1"/>
+              </a:effectRef>
+              <a:fontRef idx="minor">
+                <a:schemeClr val="lt1"/>
+              </a:fontRef>
+            </p:style>
+            <p:txBody>
+              <a:bodyPr rtlCol="0" anchor="ctr"/>
+              <a:lstStyle/>
+              <a:p>
+                <a:pPr algn="ctr"/>
+                <a:endParaRPr lang="ja-JP" altLang="en-US">
+                  <a:solidFill>
+                    <a:prstClr val="white"/>
+                  </a:solidFill>
+                </a:endParaRPr>
+              </a:p>
+            </p:txBody>
+          </p:sp>
+          <p:cxnSp>
+            <p:nvCxnSpPr>
+              <p:cNvPr id="29" name="直線コネクタ 28"/>
+              <p:cNvCxnSpPr/>
+              <p:nvPr/>
+            </p:nvCxnSpPr>
+            <p:spPr>
+              <a:xfrm>
+                <a:off x="1159502" y="4960956"/>
+                <a:ext cx="0" cy="288032"/>
+              </a:xfrm>
+              <a:prstGeom prst="line">
+                <a:avLst/>
+              </a:prstGeom>
+              <a:ln w="50800">
+                <a:solidFill>
+                  <a:schemeClr val="tx1"/>
+                </a:solidFill>
+              </a:ln>
+            </p:spPr>
+            <p:style>
+              <a:lnRef idx="1">
+                <a:schemeClr val="accent1"/>
+              </a:lnRef>
+              <a:fillRef idx="0">
+                <a:schemeClr val="accent1"/>
+              </a:fillRef>
+              <a:effectRef idx="0">
+                <a:schemeClr val="accent1"/>
+              </a:effectRef>
+              <a:fontRef idx="minor">
+                <a:schemeClr val="tx1"/>
+              </a:fontRef>
+            </p:style>
+          </p:cxnSp>
+        </p:grpSp>
+        <p:grpSp>
+          <p:nvGrpSpPr>
+            <p:cNvPr id="25" name="グループ化 24"/>
+            <p:cNvGrpSpPr/>
+            <p:nvPr/>
+          </p:nvGrpSpPr>
+          <p:grpSpPr>
+            <a:xfrm>
+              <a:off x="1979106" y="2976544"/>
+              <a:ext cx="632516" cy="812496"/>
+              <a:chOff x="843244" y="4960956"/>
+              <a:chExt cx="632516" cy="812496"/>
+            </a:xfrm>
+          </p:grpSpPr>
+          <p:sp>
+            <p:nvSpPr>
+              <p:cNvPr id="26" name="円/楕円 25"/>
+              <p:cNvSpPr/>
+              <p:nvPr/>
+            </p:nvSpPr>
+            <p:spPr>
+              <a:xfrm>
+                <a:off x="843244" y="5116996"/>
+                <a:ext cx="632516" cy="656456"/>
+              </a:xfrm>
+              <a:prstGeom prst="ellipse">
+                <a:avLst/>
+              </a:prstGeom>
+              <a:solidFill>
+                <a:srgbClr val="FF0000"/>
+              </a:solidFill>
+              <a:ln w="19050">
+                <a:noFill/>
+              </a:ln>
+            </p:spPr>
+            <p:style>
+              <a:lnRef idx="2">
+                <a:schemeClr val="accent1">
+                  <a:shade val="50000"/>
+                </a:schemeClr>
+              </a:lnRef>
+              <a:fillRef idx="1">
+                <a:schemeClr val="accent1"/>
+              </a:fillRef>
+              <a:effectRef idx="0">
+                <a:schemeClr val="accent1"/>
+              </a:effectRef>
+              <a:fontRef idx="minor">
+                <a:schemeClr val="lt1"/>
+              </a:fontRef>
+            </p:style>
+            <p:txBody>
+              <a:bodyPr rtlCol="0" anchor="ctr"/>
+              <a:lstStyle/>
+              <a:p>
+                <a:pPr algn="ctr"/>
+                <a:endParaRPr lang="ja-JP" altLang="en-US">
+                  <a:solidFill>
+                    <a:prstClr val="white"/>
+                  </a:solidFill>
+                </a:endParaRPr>
+              </a:p>
+            </p:txBody>
+          </p:sp>
+          <p:cxnSp>
+            <p:nvCxnSpPr>
+              <p:cNvPr id="27" name="直線コネクタ 26"/>
+              <p:cNvCxnSpPr/>
+              <p:nvPr/>
+            </p:nvCxnSpPr>
+            <p:spPr>
+              <a:xfrm>
+                <a:off x="1159502" y="4960956"/>
+                <a:ext cx="0" cy="288032"/>
+              </a:xfrm>
+              <a:prstGeom prst="line">
+                <a:avLst/>
+              </a:prstGeom>
+              <a:ln w="50800">
+                <a:solidFill>
+                  <a:schemeClr val="tx1"/>
+                </a:solidFill>
+              </a:ln>
+            </p:spPr>
+            <p:style>
+              <a:lnRef idx="1">
+                <a:schemeClr val="accent1"/>
+              </a:lnRef>
+              <a:fillRef idx="0">
+                <a:schemeClr val="accent1"/>
+              </a:fillRef>
+              <a:effectRef idx="0">
+                <a:schemeClr val="accent1"/>
+              </a:effectRef>
+              <a:fontRef idx="minor">
+                <a:schemeClr val="tx1"/>
+              </a:fontRef>
+            </p:style>
+          </p:cxnSp>
+        </p:grpSp>
+      </p:grpSp>
+      <p:grpSp>
+        <p:nvGrpSpPr>
+          <p:cNvPr id="32" name="グループ化 31"/>
+          <p:cNvGrpSpPr/>
+          <p:nvPr/>
+        </p:nvGrpSpPr>
+        <p:grpSpPr>
+          <a:xfrm>
+            <a:off x="6532075" y="3573016"/>
+            <a:ext cx="1912498" cy="1120936"/>
+            <a:chOff x="699124" y="2976544"/>
+            <a:chExt cx="1912498" cy="1120936"/>
+          </a:xfrm>
+        </p:grpSpPr>
+        <p:grpSp>
+          <p:nvGrpSpPr>
+            <p:cNvPr id="33" name="グループ化 32"/>
+            <p:cNvGrpSpPr/>
+            <p:nvPr/>
+          </p:nvGrpSpPr>
+          <p:grpSpPr>
+            <a:xfrm>
+              <a:off x="699124" y="2996952"/>
+              <a:ext cx="632516" cy="812496"/>
+              <a:chOff x="843244" y="4960956"/>
+              <a:chExt cx="632516" cy="812496"/>
+            </a:xfrm>
+          </p:grpSpPr>
+          <p:sp>
+            <p:nvSpPr>
+              <p:cNvPr id="40" name="円/楕円 39"/>
+              <p:cNvSpPr/>
+              <p:nvPr/>
+            </p:nvSpPr>
+            <p:spPr>
+              <a:xfrm>
+                <a:off x="843244" y="5116996"/>
+                <a:ext cx="632516" cy="656456"/>
+              </a:xfrm>
+              <a:prstGeom prst="ellipse">
+                <a:avLst/>
+              </a:prstGeom>
+              <a:solidFill>
+                <a:srgbClr val="FF0000"/>
+              </a:solidFill>
+              <a:ln w="19050">
+                <a:noFill/>
+              </a:ln>
+            </p:spPr>
+            <p:style>
+              <a:lnRef idx="2">
+                <a:schemeClr val="accent1">
+                  <a:shade val="50000"/>
+                </a:schemeClr>
+              </a:lnRef>
+              <a:fillRef idx="1">
+                <a:schemeClr val="accent1"/>
+              </a:fillRef>
+              <a:effectRef idx="0">
+                <a:schemeClr val="accent1"/>
+              </a:effectRef>
+              <a:fontRef idx="minor">
+                <a:schemeClr val="lt1"/>
+              </a:fontRef>
+            </p:style>
+            <p:txBody>
+              <a:bodyPr rtlCol="0" anchor="ctr"/>
+              <a:lstStyle/>
+              <a:p>
+                <a:pPr algn="ctr"/>
+                <a:endParaRPr lang="ja-JP" altLang="en-US">
+                  <a:solidFill>
+                    <a:prstClr val="white"/>
+                  </a:solidFill>
+                </a:endParaRPr>
+              </a:p>
+            </p:txBody>
+          </p:sp>
+          <p:cxnSp>
+            <p:nvCxnSpPr>
+              <p:cNvPr id="41" name="直線コネクタ 40"/>
+              <p:cNvCxnSpPr/>
+              <p:nvPr/>
+            </p:nvCxnSpPr>
+            <p:spPr>
+              <a:xfrm>
+                <a:off x="1159502" y="4960956"/>
+                <a:ext cx="0" cy="288032"/>
+              </a:xfrm>
+              <a:prstGeom prst="line">
+                <a:avLst/>
+              </a:prstGeom>
+              <a:ln w="50800">
+                <a:solidFill>
+                  <a:schemeClr val="tx1"/>
+                </a:solidFill>
+              </a:ln>
+            </p:spPr>
+            <p:style>
+              <a:lnRef idx="1">
+                <a:schemeClr val="accent1"/>
+              </a:lnRef>
+              <a:fillRef idx="0">
+                <a:schemeClr val="accent1"/>
+              </a:fillRef>
+              <a:effectRef idx="0">
+                <a:schemeClr val="accent1"/>
+              </a:effectRef>
+              <a:fontRef idx="minor">
+                <a:schemeClr val="tx1"/>
+              </a:fontRef>
+            </p:style>
+          </p:cxnSp>
+        </p:grpSp>
+        <p:grpSp>
+          <p:nvGrpSpPr>
+            <p:cNvPr id="34" name="グループ化 33"/>
+            <p:cNvGrpSpPr/>
+            <p:nvPr/>
+          </p:nvGrpSpPr>
+          <p:grpSpPr>
+            <a:xfrm>
+              <a:off x="1346590" y="3284984"/>
+              <a:ext cx="632516" cy="812496"/>
+              <a:chOff x="843244" y="4960956"/>
+              <a:chExt cx="632516" cy="812496"/>
+            </a:xfrm>
+          </p:grpSpPr>
+          <p:sp>
+            <p:nvSpPr>
+              <p:cNvPr id="38" name="円/楕円 37"/>
+              <p:cNvSpPr/>
+              <p:nvPr/>
+            </p:nvSpPr>
+            <p:spPr>
+              <a:xfrm>
+                <a:off x="843244" y="5116996"/>
+                <a:ext cx="632516" cy="656456"/>
+              </a:xfrm>
+              <a:prstGeom prst="ellipse">
+                <a:avLst/>
+              </a:prstGeom>
+              <a:solidFill>
+                <a:srgbClr val="FF0000"/>
+              </a:solidFill>
+              <a:ln w="19050">
+                <a:noFill/>
+              </a:ln>
+            </p:spPr>
+            <p:style>
+              <a:lnRef idx="2">
+                <a:schemeClr val="accent1">
+                  <a:shade val="50000"/>
+                </a:schemeClr>
+              </a:lnRef>
+              <a:fillRef idx="1">
+                <a:schemeClr val="accent1"/>
+              </a:fillRef>
+              <a:effectRef idx="0">
+                <a:schemeClr val="accent1"/>
+              </a:effectRef>
+              <a:fontRef idx="minor">
+                <a:schemeClr val="lt1"/>
+              </a:fontRef>
+            </p:style>
+            <p:txBody>
+              <a:bodyPr rtlCol="0" anchor="ctr"/>
+              <a:lstStyle/>
+              <a:p>
+                <a:pPr algn="ctr"/>
+                <a:endParaRPr lang="ja-JP" altLang="en-US">
+                  <a:solidFill>
+                    <a:prstClr val="white"/>
+                  </a:solidFill>
+                </a:endParaRPr>
+              </a:p>
+            </p:txBody>
+          </p:sp>
+          <p:cxnSp>
+            <p:nvCxnSpPr>
+              <p:cNvPr id="39" name="直線コネクタ 38"/>
+              <p:cNvCxnSpPr/>
+              <p:nvPr/>
+            </p:nvCxnSpPr>
+            <p:spPr>
+              <a:xfrm>
+                <a:off x="1159502" y="4960956"/>
+                <a:ext cx="0" cy="288032"/>
+              </a:xfrm>
+              <a:prstGeom prst="line">
+                <a:avLst/>
+              </a:prstGeom>
+              <a:ln w="50800">
+                <a:solidFill>
+                  <a:schemeClr val="tx1"/>
+                </a:solidFill>
+              </a:ln>
+            </p:spPr>
+            <p:style>
+              <a:lnRef idx="1">
+                <a:schemeClr val="accent1"/>
+              </a:lnRef>
+              <a:fillRef idx="0">
+                <a:schemeClr val="accent1"/>
+              </a:fillRef>
+              <a:effectRef idx="0">
+                <a:schemeClr val="accent1"/>
+              </a:effectRef>
+              <a:fontRef idx="minor">
+                <a:schemeClr val="tx1"/>
+              </a:fontRef>
+            </p:style>
+          </p:cxnSp>
+        </p:grpSp>
+        <p:grpSp>
+          <p:nvGrpSpPr>
+            <p:cNvPr id="35" name="グループ化 34"/>
+            <p:cNvGrpSpPr/>
+            <p:nvPr/>
+          </p:nvGrpSpPr>
+          <p:grpSpPr>
+            <a:xfrm>
+              <a:off x="1979106" y="2976544"/>
+              <a:ext cx="632516" cy="812496"/>
+              <a:chOff x="843244" y="4960956"/>
+              <a:chExt cx="632516" cy="812496"/>
+            </a:xfrm>
+          </p:grpSpPr>
+          <p:sp>
+            <p:nvSpPr>
+              <p:cNvPr id="36" name="円/楕円 35"/>
+              <p:cNvSpPr/>
+              <p:nvPr/>
+            </p:nvSpPr>
+            <p:spPr>
+              <a:xfrm>
+                <a:off x="843244" y="5116996"/>
+                <a:ext cx="632516" cy="656456"/>
+              </a:xfrm>
+              <a:prstGeom prst="ellipse">
+                <a:avLst/>
+              </a:prstGeom>
+              <a:solidFill>
+                <a:srgbClr val="FF0000"/>
+              </a:solidFill>
+              <a:ln w="19050">
+                <a:noFill/>
+              </a:ln>
+            </p:spPr>
+            <p:style>
+              <a:lnRef idx="2">
+                <a:schemeClr val="accent1">
+                  <a:shade val="50000"/>
+                </a:schemeClr>
+              </a:lnRef>
+              <a:fillRef idx="1">
+                <a:schemeClr val="accent1"/>
+              </a:fillRef>
+              <a:effectRef idx="0">
+                <a:schemeClr val="accent1"/>
+              </a:effectRef>
+              <a:fontRef idx="minor">
+                <a:schemeClr val="lt1"/>
+              </a:fontRef>
+            </p:style>
+            <p:txBody>
+              <a:bodyPr rtlCol="0" anchor="ctr"/>
+              <a:lstStyle/>
+              <a:p>
+                <a:pPr algn="ctr"/>
+                <a:endParaRPr lang="ja-JP" altLang="en-US">
+                  <a:solidFill>
+                    <a:prstClr val="white"/>
+                  </a:solidFill>
+                </a:endParaRPr>
+              </a:p>
+            </p:txBody>
+          </p:sp>
+          <p:cxnSp>
+            <p:nvCxnSpPr>
+              <p:cNvPr id="37" name="直線コネクタ 36"/>
+              <p:cNvCxnSpPr/>
+              <p:nvPr/>
+            </p:nvCxnSpPr>
+            <p:spPr>
+              <a:xfrm>
+                <a:off x="1159502" y="4960956"/>
+                <a:ext cx="0" cy="288032"/>
+              </a:xfrm>
+              <a:prstGeom prst="line">
+                <a:avLst/>
+              </a:prstGeom>
+              <a:ln w="50800">
+                <a:solidFill>
+                  <a:schemeClr val="tx1"/>
+                </a:solidFill>
+              </a:ln>
+            </p:spPr>
+            <p:style>
+              <a:lnRef idx="1">
+                <a:schemeClr val="accent1"/>
+              </a:lnRef>
+              <a:fillRef idx="0">
+                <a:schemeClr val="accent1"/>
+              </a:fillRef>
+              <a:effectRef idx="0">
+                <a:schemeClr val="accent1"/>
+              </a:effectRef>
+              <a:fontRef idx="minor">
+                <a:schemeClr val="tx1"/>
+              </a:fontRef>
+            </p:style>
+          </p:cxnSp>
+        </p:grpSp>
+      </p:grpSp>
+      <p:grpSp>
+        <p:nvGrpSpPr>
+          <p:cNvPr id="42" name="グループ化 41"/>
+          <p:cNvGrpSpPr/>
+          <p:nvPr/>
+        </p:nvGrpSpPr>
+        <p:grpSpPr>
+          <a:xfrm>
+            <a:off x="2182763" y="5229200"/>
+            <a:ext cx="1912498" cy="1120936"/>
+            <a:chOff x="699124" y="2976544"/>
+            <a:chExt cx="1912498" cy="1120936"/>
+          </a:xfrm>
+        </p:grpSpPr>
+        <p:grpSp>
+          <p:nvGrpSpPr>
+            <p:cNvPr id="43" name="グループ化 42"/>
+            <p:cNvGrpSpPr/>
+            <p:nvPr/>
+          </p:nvGrpSpPr>
+          <p:grpSpPr>
+            <a:xfrm>
+              <a:off x="699124" y="2996952"/>
+              <a:ext cx="632516" cy="812496"/>
+              <a:chOff x="843244" y="4960956"/>
+              <a:chExt cx="632516" cy="812496"/>
+            </a:xfrm>
+          </p:grpSpPr>
+          <p:sp>
+            <p:nvSpPr>
+              <p:cNvPr id="50" name="円/楕円 49"/>
+              <p:cNvSpPr/>
+              <p:nvPr/>
+            </p:nvSpPr>
+            <p:spPr>
+              <a:xfrm>
+                <a:off x="843244" y="5116996"/>
+                <a:ext cx="632516" cy="656456"/>
+              </a:xfrm>
+              <a:prstGeom prst="ellipse">
+                <a:avLst/>
+              </a:prstGeom>
+              <a:solidFill>
+                <a:srgbClr val="FF0000"/>
+              </a:solidFill>
+              <a:ln w="19050">
+                <a:noFill/>
+              </a:ln>
+            </p:spPr>
+            <p:style>
+              <a:lnRef idx="2">
+                <a:schemeClr val="accent1">
+                  <a:shade val="50000"/>
+                </a:schemeClr>
+              </a:lnRef>
+              <a:fillRef idx="1">
+                <a:schemeClr val="accent1"/>
+              </a:fillRef>
+              <a:effectRef idx="0">
+                <a:schemeClr val="accent1"/>
+              </a:effectRef>
+              <a:fontRef idx="minor">
+                <a:schemeClr val="lt1"/>
+              </a:fontRef>
+            </p:style>
+            <p:txBody>
+              <a:bodyPr rtlCol="0" anchor="ctr"/>
+              <a:lstStyle/>
+              <a:p>
+                <a:pPr algn="ctr"/>
+                <a:endParaRPr lang="ja-JP" altLang="en-US">
+                  <a:solidFill>
+                    <a:prstClr val="white"/>
+                  </a:solidFill>
+                </a:endParaRPr>
+              </a:p>
+            </p:txBody>
+          </p:sp>
+          <p:cxnSp>
+            <p:nvCxnSpPr>
+              <p:cNvPr id="51" name="直線コネクタ 50"/>
+              <p:cNvCxnSpPr/>
+              <p:nvPr/>
+            </p:nvCxnSpPr>
+            <p:spPr>
+              <a:xfrm>
+                <a:off x="1159502" y="4960956"/>
+                <a:ext cx="0" cy="288032"/>
+              </a:xfrm>
+              <a:prstGeom prst="line">
+                <a:avLst/>
+              </a:prstGeom>
+              <a:ln w="50800">
+                <a:solidFill>
+                  <a:schemeClr val="tx1"/>
+                </a:solidFill>
+              </a:ln>
+            </p:spPr>
+            <p:style>
+              <a:lnRef idx="1">
+                <a:schemeClr val="accent1"/>
+              </a:lnRef>
+              <a:fillRef idx="0">
+                <a:schemeClr val="accent1"/>
+              </a:fillRef>
+              <a:effectRef idx="0">
+                <a:schemeClr val="accent1"/>
+              </a:effectRef>
+              <a:fontRef idx="minor">
+                <a:schemeClr val="tx1"/>
+              </a:fontRef>
+            </p:style>
+          </p:cxnSp>
+        </p:grpSp>
+        <p:grpSp>
+          <p:nvGrpSpPr>
+            <p:cNvPr id="44" name="グループ化 43"/>
+            <p:cNvGrpSpPr/>
+            <p:nvPr/>
+          </p:nvGrpSpPr>
+          <p:grpSpPr>
+            <a:xfrm>
+              <a:off x="1346590" y="3284984"/>
+              <a:ext cx="632516" cy="812496"/>
+              <a:chOff x="843244" y="4960956"/>
+              <a:chExt cx="632516" cy="812496"/>
+            </a:xfrm>
+          </p:grpSpPr>
+          <p:sp>
+            <p:nvSpPr>
+              <p:cNvPr id="48" name="円/楕円 47"/>
+              <p:cNvSpPr/>
+              <p:nvPr/>
+            </p:nvSpPr>
+            <p:spPr>
+              <a:xfrm>
+                <a:off x="843244" y="5116996"/>
+                <a:ext cx="632516" cy="656456"/>
+              </a:xfrm>
+              <a:prstGeom prst="ellipse">
+                <a:avLst/>
+              </a:prstGeom>
+              <a:solidFill>
+                <a:srgbClr val="FF0000"/>
+              </a:solidFill>
+              <a:ln w="19050">
+                <a:noFill/>
+              </a:ln>
+            </p:spPr>
+            <p:style>
+              <a:lnRef idx="2">
+                <a:schemeClr val="accent1">
+                  <a:shade val="50000"/>
+                </a:schemeClr>
+              </a:lnRef>
+              <a:fillRef idx="1">
+                <a:schemeClr val="accent1"/>
+              </a:fillRef>
+              <a:effectRef idx="0">
+                <a:schemeClr val="accent1"/>
+              </a:effectRef>
+              <a:fontRef idx="minor">
+                <a:schemeClr val="lt1"/>
+              </a:fontRef>
+            </p:style>
+            <p:txBody>
+              <a:bodyPr rtlCol="0" anchor="ctr"/>
+              <a:lstStyle/>
+              <a:p>
+                <a:pPr algn="ctr"/>
+                <a:endParaRPr lang="ja-JP" altLang="en-US">
+                  <a:solidFill>
+                    <a:prstClr val="white"/>
+                  </a:solidFill>
+                </a:endParaRPr>
+              </a:p>
+            </p:txBody>
+          </p:sp>
+          <p:cxnSp>
+            <p:nvCxnSpPr>
+              <p:cNvPr id="49" name="直線コネクタ 48"/>
+              <p:cNvCxnSpPr/>
+              <p:nvPr/>
+            </p:nvCxnSpPr>
+            <p:spPr>
+              <a:xfrm>
+                <a:off x="1159502" y="4960956"/>
+                <a:ext cx="0" cy="288032"/>
+              </a:xfrm>
+              <a:prstGeom prst="line">
+                <a:avLst/>
+              </a:prstGeom>
+              <a:ln w="50800">
+                <a:solidFill>
+                  <a:schemeClr val="tx1"/>
+                </a:solidFill>
+              </a:ln>
+            </p:spPr>
+            <p:style>
+              <a:lnRef idx="1">
+                <a:schemeClr val="accent1"/>
+              </a:lnRef>
+              <a:fillRef idx="0">
+                <a:schemeClr val="accent1"/>
+              </a:fillRef>
+              <a:effectRef idx="0">
+                <a:schemeClr val="accent1"/>
+              </a:effectRef>
+              <a:fontRef idx="minor">
+                <a:schemeClr val="tx1"/>
+              </a:fontRef>
+            </p:style>
+          </p:cxnSp>
+        </p:grpSp>
+        <p:grpSp>
+          <p:nvGrpSpPr>
+            <p:cNvPr id="45" name="グループ化 44"/>
+            <p:cNvGrpSpPr/>
+            <p:nvPr/>
+          </p:nvGrpSpPr>
+          <p:grpSpPr>
+            <a:xfrm>
+              <a:off x="1979106" y="2976544"/>
+              <a:ext cx="632516" cy="812496"/>
+              <a:chOff x="843244" y="4960956"/>
+              <a:chExt cx="632516" cy="812496"/>
+            </a:xfrm>
+          </p:grpSpPr>
+          <p:sp>
+            <p:nvSpPr>
+              <p:cNvPr id="46" name="円/楕円 45"/>
+              <p:cNvSpPr/>
+              <p:nvPr/>
+            </p:nvSpPr>
+            <p:spPr>
+              <a:xfrm>
+                <a:off x="843244" y="5116996"/>
+                <a:ext cx="632516" cy="656456"/>
+              </a:xfrm>
+              <a:prstGeom prst="ellipse">
+                <a:avLst/>
+              </a:prstGeom>
+              <a:solidFill>
+                <a:srgbClr val="FF0000"/>
+              </a:solidFill>
+              <a:ln w="19050">
+                <a:noFill/>
+              </a:ln>
+            </p:spPr>
+            <p:style>
+              <a:lnRef idx="2">
+                <a:schemeClr val="accent1">
+                  <a:shade val="50000"/>
+                </a:schemeClr>
+              </a:lnRef>
+              <a:fillRef idx="1">
+                <a:schemeClr val="accent1"/>
+              </a:fillRef>
+              <a:effectRef idx="0">
+                <a:schemeClr val="accent1"/>
+              </a:effectRef>
+              <a:fontRef idx="minor">
+                <a:schemeClr val="lt1"/>
+              </a:fontRef>
+            </p:style>
+            <p:txBody>
+              <a:bodyPr rtlCol="0" anchor="ctr"/>
+              <a:lstStyle/>
+              <a:p>
+                <a:pPr algn="ctr"/>
+                <a:endParaRPr lang="ja-JP" altLang="en-US">
+                  <a:solidFill>
+                    <a:prstClr val="white"/>
+                  </a:solidFill>
+                </a:endParaRPr>
+              </a:p>
+            </p:txBody>
+          </p:sp>
+          <p:cxnSp>
+            <p:nvCxnSpPr>
+              <p:cNvPr id="47" name="直線コネクタ 46"/>
+              <p:cNvCxnSpPr/>
+              <p:nvPr/>
+            </p:nvCxnSpPr>
+            <p:spPr>
+              <a:xfrm>
+                <a:off x="1159502" y="4960956"/>
+                <a:ext cx="0" cy="288032"/>
+              </a:xfrm>
+              <a:prstGeom prst="line">
+                <a:avLst/>
+              </a:prstGeom>
+              <a:ln w="50800">
+                <a:solidFill>
+                  <a:schemeClr val="tx1"/>
+                </a:solidFill>
+              </a:ln>
+            </p:spPr>
+            <p:style>
+              <a:lnRef idx="1">
+                <a:schemeClr val="accent1"/>
+              </a:lnRef>
+              <a:fillRef idx="0">
+                <a:schemeClr val="accent1"/>
+              </a:fillRef>
+              <a:effectRef idx="0">
+                <a:schemeClr val="accent1"/>
+              </a:effectRef>
+              <a:fontRef idx="minor">
+                <a:schemeClr val="tx1"/>
+              </a:fontRef>
+            </p:style>
+          </p:cxnSp>
+        </p:grpSp>
+      </p:grpSp>
+      <p:grpSp>
+        <p:nvGrpSpPr>
+          <p:cNvPr id="52" name="グループ化 51"/>
+          <p:cNvGrpSpPr/>
+          <p:nvPr/>
+        </p:nvGrpSpPr>
+        <p:grpSpPr>
+          <a:xfrm>
+            <a:off x="5091915" y="5265204"/>
+            <a:ext cx="1912498" cy="1120936"/>
+            <a:chOff x="699124" y="2976544"/>
+            <a:chExt cx="1912498" cy="1120936"/>
+          </a:xfrm>
+        </p:grpSpPr>
+        <p:grpSp>
+          <p:nvGrpSpPr>
+            <p:cNvPr id="53" name="グループ化 52"/>
+            <p:cNvGrpSpPr/>
+            <p:nvPr/>
+          </p:nvGrpSpPr>
+          <p:grpSpPr>
+            <a:xfrm>
+              <a:off x="699124" y="2996952"/>
+              <a:ext cx="632516" cy="812496"/>
+              <a:chOff x="843244" y="4960956"/>
+              <a:chExt cx="632516" cy="812496"/>
+            </a:xfrm>
+          </p:grpSpPr>
+          <p:sp>
+            <p:nvSpPr>
+              <p:cNvPr id="60" name="円/楕円 59"/>
+              <p:cNvSpPr/>
+              <p:nvPr/>
+            </p:nvSpPr>
+            <p:spPr>
+              <a:xfrm>
+                <a:off x="843244" y="5116996"/>
+                <a:ext cx="632516" cy="656456"/>
+              </a:xfrm>
+              <a:prstGeom prst="ellipse">
+                <a:avLst/>
+              </a:prstGeom>
+              <a:solidFill>
+                <a:srgbClr val="FF0000"/>
+              </a:solidFill>
+              <a:ln w="19050">
+                <a:noFill/>
+              </a:ln>
+            </p:spPr>
+            <p:style>
+              <a:lnRef idx="2">
+                <a:schemeClr val="accent1">
+                  <a:shade val="50000"/>
+                </a:schemeClr>
+              </a:lnRef>
+              <a:fillRef idx="1">
+                <a:schemeClr val="accent1"/>
+              </a:fillRef>
+              <a:effectRef idx="0">
+                <a:schemeClr val="accent1"/>
+              </a:effectRef>
+              <a:fontRef idx="minor">
+                <a:schemeClr val="lt1"/>
+              </a:fontRef>
+            </p:style>
+            <p:txBody>
+              <a:bodyPr rtlCol="0" anchor="ctr"/>
+              <a:lstStyle/>
+              <a:p>
+                <a:pPr algn="ctr"/>
+                <a:endParaRPr lang="ja-JP" altLang="en-US">
+                  <a:solidFill>
+                    <a:prstClr val="white"/>
+                  </a:solidFill>
+                </a:endParaRPr>
+              </a:p>
+            </p:txBody>
+          </p:sp>
+          <p:cxnSp>
+            <p:nvCxnSpPr>
+              <p:cNvPr id="61" name="直線コネクタ 60"/>
+              <p:cNvCxnSpPr/>
+              <p:nvPr/>
+            </p:nvCxnSpPr>
+            <p:spPr>
+              <a:xfrm>
+                <a:off x="1159502" y="4960956"/>
+                <a:ext cx="0" cy="288032"/>
+              </a:xfrm>
+              <a:prstGeom prst="line">
+                <a:avLst/>
+              </a:prstGeom>
+              <a:ln w="50800">
+                <a:solidFill>
+                  <a:schemeClr val="tx1"/>
+                </a:solidFill>
+              </a:ln>
+            </p:spPr>
+            <p:style>
+              <a:lnRef idx="1">
+                <a:schemeClr val="accent1"/>
+              </a:lnRef>
+              <a:fillRef idx="0">
+                <a:schemeClr val="accent1"/>
+              </a:fillRef>
+              <a:effectRef idx="0">
+                <a:schemeClr val="accent1"/>
+              </a:effectRef>
+              <a:fontRef idx="minor">
+                <a:schemeClr val="tx1"/>
+              </a:fontRef>
+            </p:style>
+          </p:cxnSp>
+        </p:grpSp>
+        <p:grpSp>
+          <p:nvGrpSpPr>
+            <p:cNvPr id="54" name="グループ化 53"/>
+            <p:cNvGrpSpPr/>
+            <p:nvPr/>
+          </p:nvGrpSpPr>
+          <p:grpSpPr>
+            <a:xfrm>
+              <a:off x="1346590" y="3284984"/>
+              <a:ext cx="632516" cy="812496"/>
+              <a:chOff x="843244" y="4960956"/>
+              <a:chExt cx="632516" cy="812496"/>
+            </a:xfrm>
+          </p:grpSpPr>
+          <p:sp>
+            <p:nvSpPr>
+              <p:cNvPr id="58" name="円/楕円 57"/>
+              <p:cNvSpPr/>
+              <p:nvPr/>
+            </p:nvSpPr>
+            <p:spPr>
+              <a:xfrm>
+                <a:off x="843244" y="5116996"/>
+                <a:ext cx="632516" cy="656456"/>
+              </a:xfrm>
+              <a:prstGeom prst="ellipse">
+                <a:avLst/>
+              </a:prstGeom>
+              <a:solidFill>
+                <a:srgbClr val="FF0000"/>
+              </a:solidFill>
+              <a:ln w="19050">
+                <a:noFill/>
+              </a:ln>
+            </p:spPr>
+            <p:style>
+              <a:lnRef idx="2">
+                <a:schemeClr val="accent1">
+                  <a:shade val="50000"/>
+                </a:schemeClr>
+              </a:lnRef>
+              <a:fillRef idx="1">
+                <a:schemeClr val="accent1"/>
+              </a:fillRef>
+              <a:effectRef idx="0">
+                <a:schemeClr val="accent1"/>
+              </a:effectRef>
+              <a:fontRef idx="minor">
+                <a:schemeClr val="lt1"/>
+              </a:fontRef>
+            </p:style>
+            <p:txBody>
+              <a:bodyPr rtlCol="0" anchor="ctr"/>
+              <a:lstStyle/>
+              <a:p>
+                <a:pPr algn="ctr"/>
+                <a:endParaRPr lang="ja-JP" altLang="en-US">
+                  <a:solidFill>
+                    <a:prstClr val="white"/>
+                  </a:solidFill>
+                </a:endParaRPr>
+              </a:p>
+            </p:txBody>
+          </p:sp>
+          <p:cxnSp>
+            <p:nvCxnSpPr>
+              <p:cNvPr id="59" name="直線コネクタ 58"/>
+              <p:cNvCxnSpPr/>
+              <p:nvPr/>
+            </p:nvCxnSpPr>
+            <p:spPr>
+              <a:xfrm>
+                <a:off x="1159502" y="4960956"/>
+                <a:ext cx="0" cy="288032"/>
+              </a:xfrm>
+              <a:prstGeom prst="line">
+                <a:avLst/>
+              </a:prstGeom>
+              <a:ln w="50800">
+                <a:solidFill>
+                  <a:schemeClr val="tx1"/>
+                </a:solidFill>
+              </a:ln>
+            </p:spPr>
+            <p:style>
+              <a:lnRef idx="1">
+                <a:schemeClr val="accent1"/>
+              </a:lnRef>
+              <a:fillRef idx="0">
+                <a:schemeClr val="accent1"/>
+              </a:fillRef>
+              <a:effectRef idx="0">
+                <a:schemeClr val="accent1"/>
+              </a:effectRef>
+              <a:fontRef idx="minor">
+                <a:schemeClr val="tx1"/>
+              </a:fontRef>
+            </p:style>
+          </p:cxnSp>
+        </p:grpSp>
+        <p:grpSp>
+          <p:nvGrpSpPr>
+            <p:cNvPr id="55" name="グループ化 54"/>
+            <p:cNvGrpSpPr/>
+            <p:nvPr/>
+          </p:nvGrpSpPr>
+          <p:grpSpPr>
+            <a:xfrm>
+              <a:off x="1979106" y="2976544"/>
+              <a:ext cx="632516" cy="812496"/>
+              <a:chOff x="843244" y="4960956"/>
+              <a:chExt cx="632516" cy="812496"/>
+            </a:xfrm>
+          </p:grpSpPr>
+          <p:sp>
+            <p:nvSpPr>
+              <p:cNvPr id="56" name="円/楕円 55"/>
+              <p:cNvSpPr/>
+              <p:nvPr/>
+            </p:nvSpPr>
+            <p:spPr>
+              <a:xfrm>
+                <a:off x="843244" y="5116996"/>
+                <a:ext cx="632516" cy="656456"/>
+              </a:xfrm>
+              <a:prstGeom prst="ellipse">
+                <a:avLst/>
+              </a:prstGeom>
+              <a:solidFill>
+                <a:srgbClr val="FF0000"/>
+              </a:solidFill>
+              <a:ln w="19050">
+                <a:noFill/>
+              </a:ln>
+            </p:spPr>
+            <p:style>
+              <a:lnRef idx="2">
+                <a:schemeClr val="accent1">
+                  <a:shade val="50000"/>
+                </a:schemeClr>
+              </a:lnRef>
+              <a:fillRef idx="1">
+                <a:schemeClr val="accent1"/>
+              </a:fillRef>
+              <a:effectRef idx="0">
+                <a:schemeClr val="accent1"/>
+              </a:effectRef>
+              <a:fontRef idx="minor">
+                <a:schemeClr val="lt1"/>
+              </a:fontRef>
+            </p:style>
+            <p:txBody>
+              <a:bodyPr rtlCol="0" anchor="ctr"/>
+              <a:lstStyle/>
+              <a:p>
+                <a:pPr algn="ctr"/>
+                <a:endParaRPr lang="ja-JP" altLang="en-US">
+                  <a:solidFill>
+                    <a:prstClr val="white"/>
+                  </a:solidFill>
+                </a:endParaRPr>
+              </a:p>
+            </p:txBody>
+          </p:sp>
+          <p:cxnSp>
+            <p:nvCxnSpPr>
+              <p:cNvPr id="57" name="直線コネクタ 56"/>
+              <p:cNvCxnSpPr/>
+              <p:nvPr/>
+            </p:nvCxnSpPr>
+            <p:spPr>
+              <a:xfrm>
+                <a:off x="1159502" y="4960956"/>
+                <a:ext cx="0" cy="288032"/>
+              </a:xfrm>
+              <a:prstGeom prst="line">
+                <a:avLst/>
+              </a:prstGeom>
+              <a:ln w="50800">
+                <a:solidFill>
+                  <a:schemeClr val="tx1"/>
+                </a:solidFill>
+              </a:ln>
+            </p:spPr>
+            <p:style>
+              <a:lnRef idx="1">
+                <a:schemeClr val="accent1"/>
+              </a:lnRef>
+              <a:fillRef idx="0">
+                <a:schemeClr val="accent1"/>
+              </a:fillRef>
+              <a:effectRef idx="0">
+                <a:schemeClr val="accent1"/>
+              </a:effectRef>
+              <a:fontRef idx="minor">
+                <a:schemeClr val="tx1"/>
+              </a:fontRef>
+            </p:style>
+          </p:cxnSp>
+        </p:grpSp>
+      </p:grpSp>
+      <p:sp>
+        <p:nvSpPr>
+          <p:cNvPr id="62" name="テキスト ボックス 61"/>
+          <p:cNvSpPr txBox="1"/>
+          <p:nvPr/>
+        </p:nvSpPr>
+        <p:spPr>
+          <a:xfrm>
+            <a:off x="7910525" y="87015"/>
+            <a:ext cx="793807" cy="461665"/>
+          </a:xfrm>
+          <a:prstGeom prst="rect">
+            <a:avLst/>
+          </a:prstGeom>
+          <a:noFill/>
+        </p:spPr>
+        <p:txBody>
+          <a:bodyPr wrap="none" rtlCol="0">
+            <a:spAutoFit/>
+          </a:bodyPr>
+          <a:lstStyle/>
+          <a:p>
+            <a:pPr algn="r"/>
+            <a:r>
+              <a:rPr lang="en-US" altLang="ja-JP" sz="2400" b="1" dirty="0" smtClean="0">
+                <a:solidFill>
+                  <a:prstClr val="black"/>
+                </a:solidFill>
+                <a:latin typeface="HGHangle" panose="020B0800000000000000" pitchFamily="34" charset="-127"/>
+                <a:ea typeface="HGS創英角ﾎﾟｯﾌﾟ体" pitchFamily="50" charset="-128"/>
+              </a:rPr>
+              <a:t>6 / 6</a:t>
+            </a:r>
+            <a:endParaRPr lang="ja-JP" altLang="en-US" sz="2400" b="1" dirty="0">
+              <a:solidFill>
+                <a:prstClr val="black"/>
+              </a:solidFill>
+              <a:latin typeface="HGHangle" panose="020B0800000000000000" pitchFamily="34" charset="-127"/>
+              <a:ea typeface="HGS創英角ﾎﾟｯﾌﾟ体" pitchFamily="50" charset="-128"/>
+            </a:endParaRPr>
+          </a:p>
+        </p:txBody>
+      </p:sp>
+      <p:sp>
+        <p:nvSpPr>
+          <p:cNvPr id="2" name="テキスト ボックス 1"/>
+          <p:cNvSpPr txBox="1"/>
+          <p:nvPr/>
+        </p:nvSpPr>
+        <p:spPr>
+          <a:xfrm>
+            <a:off x="3156983" y="2492896"/>
+            <a:ext cx="2828018" cy="923330"/>
+          </a:xfrm>
+          <a:prstGeom prst="rect">
+            <a:avLst/>
+          </a:prstGeom>
+          <a:noFill/>
+        </p:spPr>
+        <p:txBody>
+          <a:bodyPr wrap="none" rtlCol="0">
+            <a:spAutoFit/>
+          </a:bodyPr>
+          <a:lstStyle/>
+          <a:p>
+            <a:r>
+              <a:rPr lang="en-US" altLang="ja-JP" sz="5400" b="1" dirty="0" smtClean="0">
+                <a:solidFill>
+                  <a:schemeClr val="tx2">
+                    <a:lumMod val="75000"/>
+                  </a:schemeClr>
+                </a:solidFill>
+                <a:latin typeface="HGHangle" panose="020B0800000000000000" pitchFamily="34" charset="-127"/>
+                <a:ea typeface="HGHangle" panose="020B0800000000000000" pitchFamily="34" charset="-127"/>
+              </a:rPr>
+              <a:t>5×3=15</a:t>
+            </a:r>
+            <a:endParaRPr kumimoji="1" lang="ja-JP" altLang="en-US" sz="5400" b="1" dirty="0">
+              <a:solidFill>
+                <a:schemeClr val="tx2">
+                  <a:lumMod val="75000"/>
+                </a:schemeClr>
+              </a:solidFill>
+              <a:latin typeface="HGHangle" panose="020B0800000000000000" pitchFamily="34" charset="-127"/>
+              <a:ea typeface="Gungsuh" panose="02030600000101010101" pitchFamily="18" charset="-127"/>
+            </a:endParaRPr>
+          </a:p>
+        </p:txBody>
+      </p:sp>
+    </p:spTree>
+    <p:extLst>
+      <p:ext uri="{BB962C8B-B14F-4D97-AF65-F5344CB8AC3E}">
+        <p14:creationId xmlns:p14="http://schemas.microsoft.com/office/powerpoint/2010/main" val="2527962891"/>
       </p:ext>
     </p:extLst>
   </p:cSld>
